--- a/Final/Presentacion.pptx
+++ b/Final/Presentacion.pptx
@@ -21,10 +21,8 @@
     <p:sldId id="272" r:id="rId15"/>
     <p:sldId id="273" r:id="rId16"/>
     <p:sldId id="277" r:id="rId17"/>
-    <p:sldId id="278" r:id="rId18"/>
-    <p:sldId id="274" r:id="rId19"/>
-    <p:sldId id="275" r:id="rId20"/>
-    <p:sldId id="276" r:id="rId21"/>
+    <p:sldId id="275" r:id="rId18"/>
+    <p:sldId id="278" r:id="rId19"/>
   </p:sldIdLst>
   <p:sldSz cx="12192000" cy="6858000"/>
   <p:notesSz cx="6858000" cy="9144000"/>
@@ -123,6 +121,11 @@
       </a:defRPr>
     </a:lvl9pPr>
   </p:defaultTextStyle>
+  <p:extLst>
+    <p:ext uri="{EFAFB233-063F-42B5-8137-9DF3F51BA10A}">
+      <p15:sldGuideLst xmlns:p15="http://schemas.microsoft.com/office/powerpoint/2012/main"/>
+    </p:ext>
+  </p:extLst>
 </p:presentation>
 </file>
 
@@ -275,7 +278,7 @@
           <a:p>
             <a:fld id="{721A5854-5AF5-4CF4-8F02-5D81B3646D1D}" type="datetimeFigureOut">
               <a:rPr lang="es-MX" smtClean="0"/>
-              <a:t>06/11/2019</a:t>
+              <a:t>07/11/2019</a:t>
             </a:fld>
             <a:endParaRPr lang="es-MX"/>
           </a:p>
@@ -475,7 +478,7 @@
           <a:p>
             <a:fld id="{721A5854-5AF5-4CF4-8F02-5D81B3646D1D}" type="datetimeFigureOut">
               <a:rPr lang="es-MX" smtClean="0"/>
-              <a:t>06/11/2019</a:t>
+              <a:t>07/11/2019</a:t>
             </a:fld>
             <a:endParaRPr lang="es-MX"/>
           </a:p>
@@ -685,7 +688,7 @@
           <a:p>
             <a:fld id="{721A5854-5AF5-4CF4-8F02-5D81B3646D1D}" type="datetimeFigureOut">
               <a:rPr lang="es-MX" smtClean="0"/>
-              <a:t>06/11/2019</a:t>
+              <a:t>07/11/2019</a:t>
             </a:fld>
             <a:endParaRPr lang="es-MX"/>
           </a:p>
@@ -885,7 +888,7 @@
           <a:p>
             <a:fld id="{721A5854-5AF5-4CF4-8F02-5D81B3646D1D}" type="datetimeFigureOut">
               <a:rPr lang="es-MX" smtClean="0"/>
-              <a:t>06/11/2019</a:t>
+              <a:t>07/11/2019</a:t>
             </a:fld>
             <a:endParaRPr lang="es-MX"/>
           </a:p>
@@ -1161,7 +1164,7 @@
           <a:p>
             <a:fld id="{721A5854-5AF5-4CF4-8F02-5D81B3646D1D}" type="datetimeFigureOut">
               <a:rPr lang="es-MX" smtClean="0"/>
-              <a:t>06/11/2019</a:t>
+              <a:t>07/11/2019</a:t>
             </a:fld>
             <a:endParaRPr lang="es-MX"/>
           </a:p>
@@ -1429,7 +1432,7 @@
           <a:p>
             <a:fld id="{721A5854-5AF5-4CF4-8F02-5D81B3646D1D}" type="datetimeFigureOut">
               <a:rPr lang="es-MX" smtClean="0"/>
-              <a:t>06/11/2019</a:t>
+              <a:t>07/11/2019</a:t>
             </a:fld>
             <a:endParaRPr lang="es-MX"/>
           </a:p>
@@ -1844,7 +1847,7 @@
           <a:p>
             <a:fld id="{721A5854-5AF5-4CF4-8F02-5D81B3646D1D}" type="datetimeFigureOut">
               <a:rPr lang="es-MX" smtClean="0"/>
-              <a:t>06/11/2019</a:t>
+              <a:t>07/11/2019</a:t>
             </a:fld>
             <a:endParaRPr lang="es-MX"/>
           </a:p>
@@ -1986,7 +1989,7 @@
           <a:p>
             <a:fld id="{721A5854-5AF5-4CF4-8F02-5D81B3646D1D}" type="datetimeFigureOut">
               <a:rPr lang="es-MX" smtClean="0"/>
-              <a:t>06/11/2019</a:t>
+              <a:t>07/11/2019</a:t>
             </a:fld>
             <a:endParaRPr lang="es-MX"/>
           </a:p>
@@ -2099,7 +2102,7 @@
           <a:p>
             <a:fld id="{721A5854-5AF5-4CF4-8F02-5D81B3646D1D}" type="datetimeFigureOut">
               <a:rPr lang="es-MX" smtClean="0"/>
-              <a:t>06/11/2019</a:t>
+              <a:t>07/11/2019</a:t>
             </a:fld>
             <a:endParaRPr lang="es-MX"/>
           </a:p>
@@ -2412,7 +2415,7 @@
           <a:p>
             <a:fld id="{721A5854-5AF5-4CF4-8F02-5D81B3646D1D}" type="datetimeFigureOut">
               <a:rPr lang="es-MX" smtClean="0"/>
-              <a:t>06/11/2019</a:t>
+              <a:t>07/11/2019</a:t>
             </a:fld>
             <a:endParaRPr lang="es-MX"/>
           </a:p>
@@ -2701,7 +2704,7 @@
           <a:p>
             <a:fld id="{721A5854-5AF5-4CF4-8F02-5D81B3646D1D}" type="datetimeFigureOut">
               <a:rPr lang="es-MX" smtClean="0"/>
-              <a:t>06/11/2019</a:t>
+              <a:t>07/11/2019</a:t>
             </a:fld>
             <a:endParaRPr lang="es-MX"/>
           </a:p>
@@ -2944,7 +2947,7 @@
           <a:p>
             <a:fld id="{721A5854-5AF5-4CF4-8F02-5D81B3646D1D}" type="datetimeFigureOut">
               <a:rPr lang="es-MX" smtClean="0"/>
-              <a:t>06/11/2019</a:t>
+              <a:t>07/11/2019</a:t>
             </a:fld>
             <a:endParaRPr lang="es-MX"/>
           </a:p>
@@ -4595,185 +4598,6 @@
           <p:cNvPr id="2" name="Título 1">
             <a:extLst>
               <a:ext uri="{FF2B5EF4-FFF2-40B4-BE49-F238E27FC236}">
-                <a16:creationId xmlns:a16="http://schemas.microsoft.com/office/drawing/2014/main" id="{F76695CF-DBD5-404E-8CEB-43F3369D3681}"/>
-              </a:ext>
-            </a:extLst>
-          </p:cNvPr>
-          <p:cNvSpPr>
-            <a:spLocks noGrp="1"/>
-          </p:cNvSpPr>
-          <p:nvPr>
-            <p:ph type="title"/>
-          </p:nvPr>
-        </p:nvSpPr>
-        <p:spPr/>
-        <p:txBody>
-          <a:bodyPr/>
-          <a:lstStyle/>
-          <a:p>
-            <a:r>
-              <a:rPr lang="es-MX"/>
-              <a:t>Aplicación Web</a:t>
-            </a:r>
-          </a:p>
-        </p:txBody>
-      </p:sp>
-      <p:sp>
-        <p:nvSpPr>
-          <p:cNvPr id="3" name="Marcador de contenido 2">
-            <a:extLst>
-              <a:ext uri="{FF2B5EF4-FFF2-40B4-BE49-F238E27FC236}">
-                <a16:creationId xmlns:a16="http://schemas.microsoft.com/office/drawing/2014/main" id="{3B621E0D-597E-4657-AD28-6ADA8AFBADFE}"/>
-              </a:ext>
-            </a:extLst>
-          </p:cNvPr>
-          <p:cNvSpPr>
-            <a:spLocks noGrp="1"/>
-          </p:cNvSpPr>
-          <p:nvPr>
-            <p:ph idx="1"/>
-          </p:nvPr>
-        </p:nvSpPr>
-        <p:spPr/>
-        <p:txBody>
-          <a:bodyPr/>
-          <a:lstStyle/>
-          <a:p>
-            <a:endParaRPr lang="es-MX"/>
-          </a:p>
-        </p:txBody>
-      </p:sp>
-    </p:spTree>
-    <p:extLst>
-      <p:ext uri="{BB962C8B-B14F-4D97-AF65-F5344CB8AC3E}">
-        <p14:creationId xmlns:p14="http://schemas.microsoft.com/office/powerpoint/2010/main" val="3433614030"/>
-      </p:ext>
-    </p:extLst>
-  </p:cSld>
-  <p:clrMapOvr>
-    <a:masterClrMapping/>
-  </p:clrMapOvr>
-</p:sld>
-</file>
-
-<file path=ppt/slides/slide18.xml><?xml version="1.0" encoding="utf-8"?>
-<p:sld xmlns:a="http://schemas.openxmlformats.org/drawingml/2006/main" xmlns:r="http://schemas.openxmlformats.org/officeDocument/2006/relationships" xmlns:p="http://schemas.openxmlformats.org/presentationml/2006/main">
-  <p:cSld>
-    <p:spTree>
-      <p:nvGrpSpPr>
-        <p:cNvPr id="1" name=""/>
-        <p:cNvGrpSpPr/>
-        <p:nvPr/>
-      </p:nvGrpSpPr>
-      <p:grpSpPr>
-        <a:xfrm>
-          <a:off x="0" y="0"/>
-          <a:ext cx="0" cy="0"/>
-          <a:chOff x="0" y="0"/>
-          <a:chExt cx="0" cy="0"/>
-        </a:xfrm>
-      </p:grpSpPr>
-      <p:sp>
-        <p:nvSpPr>
-          <p:cNvPr id="2" name="Título 1">
-            <a:extLst>
-              <a:ext uri="{FF2B5EF4-FFF2-40B4-BE49-F238E27FC236}">
-                <a16:creationId xmlns:a16="http://schemas.microsoft.com/office/drawing/2014/main" id="{3ED09140-B3A6-4FC1-B187-D958A6F462A4}"/>
-              </a:ext>
-            </a:extLst>
-          </p:cNvPr>
-          <p:cNvSpPr>
-            <a:spLocks noGrp="1"/>
-          </p:cNvSpPr>
-          <p:nvPr>
-            <p:ph type="title"/>
-          </p:nvPr>
-        </p:nvSpPr>
-        <p:spPr/>
-        <p:txBody>
-          <a:bodyPr/>
-          <a:lstStyle/>
-          <a:p>
-            <a:r>
-              <a:rPr lang="es-MX" dirty="0"/>
-              <a:t>Análisis del sistema</a:t>
-            </a:r>
-          </a:p>
-        </p:txBody>
-      </p:sp>
-      <p:pic>
-        <p:nvPicPr>
-          <p:cNvPr id="4" name="Marcador de contenido 3" descr="Imagen que contiene texto&#10;&#10;Descripción generada automáticamente">
-            <a:extLst>
-              <a:ext uri="{FF2B5EF4-FFF2-40B4-BE49-F238E27FC236}">
-                <a16:creationId xmlns:a16="http://schemas.microsoft.com/office/drawing/2014/main" id="{2ABF016D-2DCF-434A-A2B6-77D684796DB5}"/>
-              </a:ext>
-            </a:extLst>
-          </p:cNvPr>
-          <p:cNvPicPr>
-            <a:picLocks noGrp="1"/>
-          </p:cNvPicPr>
-          <p:nvPr>
-            <p:ph idx="1"/>
-          </p:nvPr>
-        </p:nvPicPr>
-        <p:blipFill>
-          <a:blip r:embed="rId2" cstate="print">
-            <a:extLst>
-              <a:ext uri="{28A0092B-C50C-407E-A947-70E740481C1C}">
-                <a14:useLocalDpi xmlns:a14="http://schemas.microsoft.com/office/drawing/2010/main" val="0"/>
-              </a:ext>
-            </a:extLst>
-          </a:blip>
-          <a:stretch>
-            <a:fillRect/>
-          </a:stretch>
-        </p:blipFill>
-        <p:spPr>
-          <a:xfrm>
-            <a:off x="2438204" y="1690688"/>
-            <a:ext cx="7315591" cy="5167312"/>
-          </a:xfrm>
-          <a:prstGeom prst="rect">
-            <a:avLst/>
-          </a:prstGeom>
-        </p:spPr>
-      </p:pic>
-    </p:spTree>
-    <p:extLst>
-      <p:ext uri="{BB962C8B-B14F-4D97-AF65-F5344CB8AC3E}">
-        <p14:creationId xmlns:p14="http://schemas.microsoft.com/office/powerpoint/2010/main" val="2129545198"/>
-      </p:ext>
-    </p:extLst>
-  </p:cSld>
-  <p:clrMapOvr>
-    <a:masterClrMapping/>
-  </p:clrMapOvr>
-</p:sld>
-</file>
-
-<file path=ppt/slides/slide19.xml><?xml version="1.0" encoding="utf-8"?>
-<p:sld xmlns:a="http://schemas.openxmlformats.org/drawingml/2006/main" xmlns:r="http://schemas.openxmlformats.org/officeDocument/2006/relationships" xmlns:p="http://schemas.openxmlformats.org/presentationml/2006/main">
-  <p:cSld>
-    <p:spTree>
-      <p:nvGrpSpPr>
-        <p:cNvPr id="1" name=""/>
-        <p:cNvGrpSpPr/>
-        <p:nvPr/>
-      </p:nvGrpSpPr>
-      <p:grpSpPr>
-        <a:xfrm>
-          <a:off x="0" y="0"/>
-          <a:ext cx="0" cy="0"/>
-          <a:chOff x="0" y="0"/>
-          <a:chExt cx="0" cy="0"/>
-        </a:xfrm>
-      </p:grpSpPr>
-      <p:sp>
-        <p:nvSpPr>
-          <p:cNvPr id="2" name="Título 1">
-            <a:extLst>
-              <a:ext uri="{FF2B5EF4-FFF2-40B4-BE49-F238E27FC236}">
                 <a16:creationId xmlns:a16="http://schemas.microsoft.com/office/drawing/2014/main" id="{E9359D44-E446-45E4-823B-847E637D4622}"/>
               </a:ext>
             </a:extLst>
@@ -4866,6 +4690,120 @@
 </p:sld>
 </file>
 
+<file path=ppt/slides/slide18.xml><?xml version="1.0" encoding="utf-8"?>
+<p:sld xmlns:a="http://schemas.openxmlformats.org/drawingml/2006/main" xmlns:r="http://schemas.openxmlformats.org/officeDocument/2006/relationships" xmlns:p="http://schemas.openxmlformats.org/presentationml/2006/main">
+  <p:cSld>
+    <p:spTree>
+      <p:nvGrpSpPr>
+        <p:cNvPr id="1" name=""/>
+        <p:cNvGrpSpPr/>
+        <p:nvPr/>
+      </p:nvGrpSpPr>
+      <p:grpSpPr>
+        <a:xfrm>
+          <a:off x="0" y="0"/>
+          <a:ext cx="0" cy="0"/>
+          <a:chOff x="0" y="0"/>
+          <a:chExt cx="0" cy="0"/>
+        </a:xfrm>
+      </p:grpSpPr>
+      <p:sp>
+        <p:nvSpPr>
+          <p:cNvPr id="2" name="Título 1">
+            <a:extLst>
+              <a:ext uri="{FF2B5EF4-FFF2-40B4-BE49-F238E27FC236}">
+                <a16:creationId xmlns:a16="http://schemas.microsoft.com/office/drawing/2014/main" id="{D3CE7239-5973-452C-AB09-6822DF29EEED}"/>
+              </a:ext>
+            </a:extLst>
+          </p:cNvPr>
+          <p:cNvSpPr>
+            <a:spLocks noGrp="1"/>
+          </p:cNvSpPr>
+          <p:nvPr>
+            <p:ph type="title"/>
+          </p:nvPr>
+        </p:nvSpPr>
+        <p:spPr/>
+        <p:txBody>
+          <a:bodyPr/>
+          <a:lstStyle/>
+          <a:p>
+            <a:endParaRPr lang="es-MX"/>
+          </a:p>
+        </p:txBody>
+      </p:sp>
+      <p:sp>
+        <p:nvSpPr>
+          <p:cNvPr id="3" name="Marcador de contenido 2">
+            <a:extLst>
+              <a:ext uri="{FF2B5EF4-FFF2-40B4-BE49-F238E27FC236}">
+                <a16:creationId xmlns:a16="http://schemas.microsoft.com/office/drawing/2014/main" id="{A7F5453E-5DFB-4358-8CCD-3F399D5D0F8B}"/>
+              </a:ext>
+            </a:extLst>
+          </p:cNvPr>
+          <p:cNvSpPr>
+            <a:spLocks noGrp="1"/>
+          </p:cNvSpPr>
+          <p:nvPr>
+            <p:ph idx="1"/>
+          </p:nvPr>
+        </p:nvSpPr>
+        <p:spPr/>
+        <p:txBody>
+          <a:bodyPr/>
+          <a:lstStyle/>
+          <a:p>
+            <a:endParaRPr lang="es-MX"/>
+          </a:p>
+        </p:txBody>
+      </p:sp>
+      <p:pic>
+        <p:nvPicPr>
+          <p:cNvPr id="4" name="Imagen 3">
+            <a:extLst>
+              <a:ext uri="{FF2B5EF4-FFF2-40B4-BE49-F238E27FC236}">
+                <a16:creationId xmlns:a16="http://schemas.microsoft.com/office/drawing/2014/main" id="{906F2064-2172-4E3A-9F2F-703F3C1D52EB}"/>
+              </a:ext>
+            </a:extLst>
+          </p:cNvPr>
+          <p:cNvPicPr/>
+          <p:nvPr/>
+        </p:nvPicPr>
+        <p:blipFill>
+          <a:blip r:embed="rId2" cstate="print">
+            <a:extLst>
+              <a:ext uri="{28A0092B-C50C-407E-A947-70E740481C1C}">
+                <a14:useLocalDpi xmlns:a14="http://schemas.microsoft.com/office/drawing/2010/main" val="0"/>
+              </a:ext>
+            </a:extLst>
+          </a:blip>
+          <a:stretch>
+            <a:fillRect/>
+          </a:stretch>
+        </p:blipFill>
+        <p:spPr>
+          <a:xfrm>
+            <a:off x="0" y="0"/>
+            <a:ext cx="12192000" cy="5367130"/>
+          </a:xfrm>
+          <a:prstGeom prst="rect">
+            <a:avLst/>
+          </a:prstGeom>
+        </p:spPr>
+      </p:pic>
+    </p:spTree>
+    <p:extLst>
+      <p:ext uri="{BB962C8B-B14F-4D97-AF65-F5344CB8AC3E}">
+        <p14:creationId xmlns:p14="http://schemas.microsoft.com/office/powerpoint/2010/main" val="1441915087"/>
+      </p:ext>
+    </p:extLst>
+  </p:cSld>
+  <p:clrMapOvr>
+    <a:masterClrMapping/>
+  </p:clrMapOvr>
+</p:sld>
+</file>
+
 <file path=ppt/slides/slide2.xml><?xml version="1.0" encoding="utf-8"?>
 <p:sld xmlns:a="http://schemas.openxmlformats.org/drawingml/2006/main" xmlns:r="http://schemas.openxmlformats.org/officeDocument/2006/relationships" xmlns:p="http://schemas.openxmlformats.org/presentationml/2006/main">
   <p:cSld>
@@ -5001,89 +4939,6 @@
     <p:extLst>
       <p:ext uri="{BB962C8B-B14F-4D97-AF65-F5344CB8AC3E}">
         <p14:creationId xmlns:p14="http://schemas.microsoft.com/office/powerpoint/2010/main" val="1468398649"/>
-      </p:ext>
-    </p:extLst>
-  </p:cSld>
-  <p:clrMapOvr>
-    <a:masterClrMapping/>
-  </p:clrMapOvr>
-</p:sld>
-</file>
-
-<file path=ppt/slides/slide20.xml><?xml version="1.0" encoding="utf-8"?>
-<p:sld xmlns:a="http://schemas.openxmlformats.org/drawingml/2006/main" xmlns:r="http://schemas.openxmlformats.org/officeDocument/2006/relationships" xmlns:p="http://schemas.openxmlformats.org/presentationml/2006/main">
-  <p:cSld>
-    <p:spTree>
-      <p:nvGrpSpPr>
-        <p:cNvPr id="1" name=""/>
-        <p:cNvGrpSpPr/>
-        <p:nvPr/>
-      </p:nvGrpSpPr>
-      <p:grpSpPr>
-        <a:xfrm>
-          <a:off x="0" y="0"/>
-          <a:ext cx="0" cy="0"/>
-          <a:chOff x="0" y="0"/>
-          <a:chExt cx="0" cy="0"/>
-        </a:xfrm>
-      </p:grpSpPr>
-      <p:sp>
-        <p:nvSpPr>
-          <p:cNvPr id="2" name="Título 1">
-            <a:extLst>
-              <a:ext uri="{FF2B5EF4-FFF2-40B4-BE49-F238E27FC236}">
-                <a16:creationId xmlns:a16="http://schemas.microsoft.com/office/drawing/2014/main" id="{385EBA4C-CECD-490C-9CE4-C3AB66B72426}"/>
-              </a:ext>
-            </a:extLst>
-          </p:cNvPr>
-          <p:cNvSpPr>
-            <a:spLocks noGrp="1"/>
-          </p:cNvSpPr>
-          <p:nvPr>
-            <p:ph type="title"/>
-          </p:nvPr>
-        </p:nvSpPr>
-        <p:spPr/>
-        <p:txBody>
-          <a:bodyPr/>
-          <a:lstStyle/>
-          <a:p>
-            <a:r>
-              <a:rPr lang="es-MX" dirty="0"/>
-              <a:t>Diseño del sistema</a:t>
-            </a:r>
-          </a:p>
-        </p:txBody>
-      </p:sp>
-      <p:sp>
-        <p:nvSpPr>
-          <p:cNvPr id="3" name="Marcador de contenido 2">
-            <a:extLst>
-              <a:ext uri="{FF2B5EF4-FFF2-40B4-BE49-F238E27FC236}">
-                <a16:creationId xmlns:a16="http://schemas.microsoft.com/office/drawing/2014/main" id="{6C012369-D164-429B-B3D7-C70444D950E3}"/>
-              </a:ext>
-            </a:extLst>
-          </p:cNvPr>
-          <p:cNvSpPr>
-            <a:spLocks noGrp="1"/>
-          </p:cNvSpPr>
-          <p:nvPr>
-            <p:ph idx="1"/>
-          </p:nvPr>
-        </p:nvSpPr>
-        <p:spPr/>
-        <p:txBody>
-          <a:bodyPr/>
-          <a:lstStyle/>
-          <a:p>
-            <a:endParaRPr lang="es-MX"/>
-          </a:p>
-        </p:txBody>
-      </p:sp>
-    </p:spTree>
-    <p:extLst>
-      <p:ext uri="{BB962C8B-B14F-4D97-AF65-F5344CB8AC3E}">
-        <p14:creationId xmlns:p14="http://schemas.microsoft.com/office/powerpoint/2010/main" val="2198672876"/>
       </p:ext>
     </p:extLst>
   </p:cSld>

--- a/Final/Presentacion.pptx
+++ b/Final/Presentacion.pptx
@@ -223,7 +223,7 @@
           <a:p>
             <a:fld id="{B27077B6-AB8D-4C93-BC33-627994D711CC}" type="datetimeFigureOut">
               <a:rPr lang="es-MX" smtClean="0"/>
-              <a:t>07/11/2019</a:t>
+              <a:t>09/11/2019</a:t>
             </a:fld>
             <a:endParaRPr lang="es-MX"/>
           </a:p>
@@ -649,7 +649,7 @@
           <a:p>
             <a:fld id="{521814A9-CF94-4B09-BB39-7C16F1B92E3D}" type="datetime1">
               <a:rPr lang="es-MX" smtClean="0"/>
-              <a:t>07/11/2019</a:t>
+              <a:t>09/11/2019</a:t>
             </a:fld>
             <a:endParaRPr lang="es-MX"/>
           </a:p>
@@ -877,7 +877,7 @@
           <a:p>
             <a:fld id="{A6880C6C-15B8-4ADB-B402-8DAEA87B8AF3}" type="datetime1">
               <a:rPr lang="es-MX" smtClean="0"/>
-              <a:t>07/11/2019</a:t>
+              <a:t>09/11/2019</a:t>
             </a:fld>
             <a:endParaRPr lang="es-MX"/>
           </a:p>
@@ -1057,7 +1057,7 @@
           <a:p>
             <a:fld id="{3F4F0D2A-4F97-4F06-BE1E-24B4DF9E4DC0}" type="datetime1">
               <a:rPr lang="es-MX" smtClean="0"/>
-              <a:t>07/11/2019</a:t>
+              <a:t>09/11/2019</a:t>
             </a:fld>
             <a:endParaRPr lang="es-MX"/>
           </a:p>
@@ -1227,7 +1227,7 @@
           <a:p>
             <a:fld id="{AC755E8A-8288-4DBA-976D-4401854ECAD6}" type="datetime1">
               <a:rPr lang="es-MX" smtClean="0"/>
-              <a:t>07/11/2019</a:t>
+              <a:t>09/11/2019</a:t>
             </a:fld>
             <a:endParaRPr lang="es-MX"/>
           </a:p>
@@ -1481,7 +1481,7 @@
           <a:p>
             <a:fld id="{1110A51F-1408-44E7-B692-0E4B0D0D36A0}" type="datetime1">
               <a:rPr lang="es-MX" smtClean="0"/>
-              <a:t>07/11/2019</a:t>
+              <a:t>09/11/2019</a:t>
             </a:fld>
             <a:endParaRPr lang="es-MX"/>
           </a:p>
@@ -1807,7 +1807,7 @@
           <a:p>
             <a:fld id="{6FFBB00F-8965-4C4C-BB9C-75F14D401668}" type="datetime1">
               <a:rPr lang="es-MX" smtClean="0"/>
-              <a:t>07/11/2019</a:t>
+              <a:t>09/11/2019</a:t>
             </a:fld>
             <a:endParaRPr lang="es-MX"/>
           </a:p>
@@ -2258,7 +2258,7 @@
           <a:p>
             <a:fld id="{1B71EE11-B81F-41D4-94BB-6C47E6DAEE99}" type="datetime1">
               <a:rPr lang="es-MX" smtClean="0"/>
-              <a:t>07/11/2019</a:t>
+              <a:t>09/11/2019</a:t>
             </a:fld>
             <a:endParaRPr lang="es-MX"/>
           </a:p>
@@ -2376,7 +2376,7 @@
           <a:p>
             <a:fld id="{6CB8259F-62E2-4683-A61C-BA294E8A5892}" type="datetime1">
               <a:rPr lang="es-MX" smtClean="0"/>
-              <a:t>07/11/2019</a:t>
+              <a:t>09/11/2019</a:t>
             </a:fld>
             <a:endParaRPr lang="es-MX"/>
           </a:p>
@@ -2471,7 +2471,7 @@
           <a:p>
             <a:fld id="{4A4D3AA4-4A7A-4880-961C-190C521DA09D}" type="datetime1">
               <a:rPr lang="es-MX" smtClean="0"/>
-              <a:t>07/11/2019</a:t>
+              <a:t>09/11/2019</a:t>
             </a:fld>
             <a:endParaRPr lang="es-MX"/>
           </a:p>
@@ -2758,7 +2758,7 @@
           <a:p>
             <a:fld id="{CFA93A2D-E652-4089-8414-E4F06D8F8732}" type="datetime1">
               <a:rPr lang="es-MX" smtClean="0"/>
-              <a:t>07/11/2019</a:t>
+              <a:t>09/11/2019</a:t>
             </a:fld>
             <a:endParaRPr lang="es-MX"/>
           </a:p>
@@ -3083,7 +3083,7 @@
           <a:p>
             <a:fld id="{1CBCE1DF-B24A-47EA-B94C-D5C66B617273}" type="datetime1">
               <a:rPr lang="es-MX" smtClean="0"/>
-              <a:t>07/11/2019</a:t>
+              <a:t>09/11/2019</a:t>
             </a:fld>
             <a:endParaRPr lang="es-MX"/>
           </a:p>
@@ -3340,7 +3340,7 @@
           <a:p>
             <a:fld id="{913260AE-6506-45AD-B8A1-4A7A0B01465D}" type="datetime1">
               <a:rPr lang="es-MX" smtClean="0"/>
-              <a:t>07/11/2019</a:t>
+              <a:t>09/11/2019</a:t>
             </a:fld>
             <a:endParaRPr lang="es-MX"/>
           </a:p>
@@ -7343,44 +7343,6 @@
           </a:fontRef>
         </p:style>
       </p:sp>
-      <p:pic>
-        <p:nvPicPr>
-          <p:cNvPr id="4" name="Marcador de contenido 3" descr="Imagen que contiene texto&#10;&#10;Descripción generada automáticamente">
-            <a:extLst>
-              <a:ext uri="{FF2B5EF4-FFF2-40B4-BE49-F238E27FC236}">
-                <a16:creationId xmlns:a16="http://schemas.microsoft.com/office/drawing/2014/main" id="{F5722541-1FCA-470B-ACBE-4847391B0CA8}"/>
-              </a:ext>
-            </a:extLst>
-          </p:cNvPr>
-          <p:cNvPicPr>
-            <a:picLocks noGrp="1"/>
-          </p:cNvPicPr>
-          <p:nvPr>
-            <p:ph idx="1"/>
-          </p:nvPr>
-        </p:nvPicPr>
-        <p:blipFill>
-          <a:blip r:embed="rId2" cstate="print">
-            <a:extLst>
-              <a:ext uri="{28A0092B-C50C-407E-A947-70E740481C1C}">
-                <a14:useLocalDpi xmlns:a14="http://schemas.microsoft.com/office/drawing/2010/main" val="0"/>
-              </a:ext>
-            </a:extLst>
-          </a:blip>
-          <a:stretch>
-            <a:fillRect/>
-          </a:stretch>
-        </p:blipFill>
-        <p:spPr>
-          <a:xfrm>
-            <a:off x="1009257" y="1"/>
-            <a:ext cx="9411094" cy="5962650"/>
-          </a:xfrm>
-          <a:prstGeom prst="rect">
-            <a:avLst/>
-          </a:prstGeom>
-        </p:spPr>
-      </p:pic>
       <p:sp>
         <p:nvSpPr>
           <p:cNvPr id="5" name="Marcador de número de diapositiva 4">
@@ -7469,6 +7431,40 @@
           </a:p>
         </p:txBody>
       </p:sp>
+      <p:pic>
+        <p:nvPicPr>
+          <p:cNvPr id="9" name="Imagen 8">
+            <a:extLst>
+              <a:ext uri="{FF2B5EF4-FFF2-40B4-BE49-F238E27FC236}">
+                <a16:creationId xmlns:a16="http://schemas.microsoft.com/office/drawing/2014/main" id="{7C8213DA-3117-45B1-B1CB-549FCF61E257}"/>
+              </a:ext>
+            </a:extLst>
+          </p:cNvPr>
+          <p:cNvPicPr/>
+          <p:nvPr/>
+        </p:nvPicPr>
+        <p:blipFill>
+          <a:blip r:embed="rId2">
+            <a:extLst>
+              <a:ext uri="{28A0092B-C50C-407E-A947-70E740481C1C}">
+                <a14:useLocalDpi xmlns:a14="http://schemas.microsoft.com/office/drawing/2010/main" val="0"/>
+              </a:ext>
+            </a:extLst>
+          </a:blip>
+          <a:stretch>
+            <a:fillRect/>
+          </a:stretch>
+        </p:blipFill>
+        <p:spPr>
+          <a:xfrm>
+            <a:off x="1844992" y="0"/>
+            <a:ext cx="8502016" cy="5962651"/>
+          </a:xfrm>
+          <a:prstGeom prst="rect">
+            <a:avLst/>
+          </a:prstGeom>
+        </p:spPr>
+      </p:pic>
     </p:spTree>
     <p:extLst>
       <p:ext uri="{BB962C8B-B14F-4D97-AF65-F5344CB8AC3E}">

--- a/Final/Presentacion.pptx
+++ b/Final/Presentacion.pptx
@@ -7,7 +7,7 @@
     <p:sldMasterId id="2147484189" r:id="rId3"/>
   </p:sldMasterIdLst>
   <p:notesMasterIdLst>
-    <p:notesMasterId r:id="rId30"/>
+    <p:notesMasterId r:id="rId40"/>
   </p:notesMasterIdLst>
   <p:sldIdLst>
     <p:sldId id="256" r:id="rId4"/>
@@ -36,6 +36,16 @@
     <p:sldId id="280" r:id="rId27"/>
     <p:sldId id="291" r:id="rId28"/>
     <p:sldId id="289" r:id="rId29"/>
+    <p:sldId id="292" r:id="rId30"/>
+    <p:sldId id="293" r:id="rId31"/>
+    <p:sldId id="296" r:id="rId32"/>
+    <p:sldId id="297" r:id="rId33"/>
+    <p:sldId id="298" r:id="rId34"/>
+    <p:sldId id="299" r:id="rId35"/>
+    <p:sldId id="300" r:id="rId36"/>
+    <p:sldId id="301" r:id="rId37"/>
+    <p:sldId id="294" r:id="rId38"/>
+    <p:sldId id="295" r:id="rId39"/>
   </p:sldIdLst>
   <p:sldSz cx="12192000" cy="6858000"/>
   <p:notesSz cx="6858000" cy="9144000"/>
@@ -224,7 +234,7 @@
           <a:p>
             <a:fld id="{B27077B6-AB8D-4C93-BC33-627994D711CC}" type="datetimeFigureOut">
               <a:rPr lang="es-MX" smtClean="0"/>
-              <a:t>17/11/2019</a:t>
+              <a:t>20/11/2019</a:t>
             </a:fld>
             <a:endParaRPr lang="es-MX"/>
           </a:p>
@@ -634,7 +644,7 @@
           <a:p>
             <a:fld id="{521814A9-CF94-4B09-BB39-7C16F1B92E3D}" type="datetime1">
               <a:rPr lang="es-MX" smtClean="0"/>
-              <a:t>17/11/2019</a:t>
+              <a:t>20/11/2019</a:t>
             </a:fld>
             <a:endParaRPr lang="es-MX"/>
           </a:p>
@@ -804,7 +814,7 @@
           <a:p>
             <a:fld id="{A6880C6C-15B8-4ADB-B402-8DAEA87B8AF3}" type="datetime1">
               <a:rPr lang="es-MX" smtClean="0"/>
-              <a:t>17/11/2019</a:t>
+              <a:t>20/11/2019</a:t>
             </a:fld>
             <a:endParaRPr lang="es-MX"/>
           </a:p>
@@ -984,7 +994,7 @@
           <a:p>
             <a:fld id="{3F4F0D2A-4F97-4F06-BE1E-24B4DF9E4DC0}" type="datetime1">
               <a:rPr lang="es-MX" smtClean="0"/>
-              <a:t>17/11/2019</a:t>
+              <a:t>20/11/2019</a:t>
             </a:fld>
             <a:endParaRPr lang="es-MX"/>
           </a:p>
@@ -1187,7 +1197,7 @@
           <a:p>
             <a:fld id="{521814A9-CF94-4B09-BB39-7C16F1B92E3D}" type="datetime1">
               <a:rPr lang="es-MX" smtClean="0"/>
-              <a:t>17/11/2019</a:t>
+              <a:t>20/11/2019</a:t>
             </a:fld>
             <a:endParaRPr lang="es-MX"/>
           </a:p>
@@ -1357,7 +1367,7 @@
           <a:p>
             <a:fld id="{AC755E8A-8288-4DBA-976D-4401854ECAD6}" type="datetime1">
               <a:rPr lang="es-MX" smtClean="0"/>
-              <a:t>17/11/2019</a:t>
+              <a:t>20/11/2019</a:t>
             </a:fld>
             <a:endParaRPr lang="es-MX"/>
           </a:p>
@@ -1608,7 +1618,7 @@
           <a:p>
             <a:fld id="{1110A51F-1408-44E7-B692-0E4B0D0D36A0}" type="datetime1">
               <a:rPr lang="es-MX" smtClean="0"/>
-              <a:t>17/11/2019</a:t>
+              <a:t>20/11/2019</a:t>
             </a:fld>
             <a:endParaRPr lang="es-MX"/>
           </a:p>
@@ -1840,7 +1850,7 @@
           <a:p>
             <a:fld id="{6FFBB00F-8965-4C4C-BB9C-75F14D401668}" type="datetime1">
               <a:rPr lang="es-MX" smtClean="0"/>
-              <a:t>17/11/2019</a:t>
+              <a:t>20/11/2019</a:t>
             </a:fld>
             <a:endParaRPr lang="es-MX"/>
           </a:p>
@@ -2187,7 +2197,7 @@
           <a:p>
             <a:fld id="{1B71EE11-B81F-41D4-94BB-6C47E6DAEE99}" type="datetime1">
               <a:rPr lang="es-MX" smtClean="0"/>
-              <a:t>17/11/2019</a:t>
+              <a:t>20/11/2019</a:t>
             </a:fld>
             <a:endParaRPr lang="es-MX"/>
           </a:p>
@@ -2305,7 +2315,7 @@
           <a:p>
             <a:fld id="{6CB8259F-62E2-4683-A61C-BA294E8A5892}" type="datetime1">
               <a:rPr lang="es-MX" smtClean="0"/>
-              <a:t>17/11/2019</a:t>
+              <a:t>20/11/2019</a:t>
             </a:fld>
             <a:endParaRPr lang="es-MX"/>
           </a:p>
@@ -2423,7 +2433,7 @@
           <a:p>
             <a:fld id="{4A4D3AA4-4A7A-4880-961C-190C521DA09D}" type="datetime1">
               <a:rPr lang="es-MX" smtClean="0"/>
-              <a:t>17/11/2019</a:t>
+              <a:t>20/11/2019</a:t>
             </a:fld>
             <a:endParaRPr lang="es-MX"/>
           </a:p>
@@ -2707,7 +2717,7 @@
           <a:p>
             <a:fld id="{CFA93A2D-E652-4089-8414-E4F06D8F8732}" type="datetime1">
               <a:rPr lang="es-MX" smtClean="0"/>
-              <a:t>17/11/2019</a:t>
+              <a:t>20/11/2019</a:t>
             </a:fld>
             <a:endParaRPr lang="es-MX"/>
           </a:p>
@@ -2877,7 +2887,7 @@
           <a:p>
             <a:fld id="{AC755E8A-8288-4DBA-976D-4401854ECAD6}" type="datetime1">
               <a:rPr lang="es-MX" smtClean="0"/>
-              <a:t>17/11/2019</a:t>
+              <a:t>20/11/2019</a:t>
             </a:fld>
             <a:endParaRPr lang="es-MX"/>
           </a:p>
@@ -3141,7 +3151,7 @@
           <a:p>
             <a:fld id="{1CBCE1DF-B24A-47EA-B94C-D5C66B617273}" type="datetime1">
               <a:rPr lang="es-MX" smtClean="0"/>
-              <a:t>17/11/2019</a:t>
+              <a:t>20/11/2019</a:t>
             </a:fld>
             <a:endParaRPr lang="es-MX"/>
           </a:p>
@@ -3311,7 +3321,7 @@
           <a:p>
             <a:fld id="{A6880C6C-15B8-4ADB-B402-8DAEA87B8AF3}" type="datetime1">
               <a:rPr lang="es-MX" smtClean="0"/>
-              <a:t>17/11/2019</a:t>
+              <a:t>20/11/2019</a:t>
             </a:fld>
             <a:endParaRPr lang="es-MX"/>
           </a:p>
@@ -3491,7 +3501,7 @@
           <a:p>
             <a:fld id="{3F4F0D2A-4F97-4F06-BE1E-24B4DF9E4DC0}" type="datetime1">
               <a:rPr lang="es-MX" smtClean="0"/>
-              <a:t>17/11/2019</a:t>
+              <a:t>20/11/2019</a:t>
             </a:fld>
             <a:endParaRPr lang="es-MX"/>
           </a:p>
@@ -3707,7 +3717,7 @@
           <a:p>
             <a:fld id="{521814A9-CF94-4B09-BB39-7C16F1B92E3D}" type="datetime1">
               <a:rPr lang="es-MX" smtClean="0"/>
-              <a:t>17/11/2019</a:t>
+              <a:t>20/11/2019</a:t>
             </a:fld>
             <a:endParaRPr lang="es-MX"/>
           </a:p>
@@ -3877,7 +3887,7 @@
           <a:p>
             <a:fld id="{AC755E8A-8288-4DBA-976D-4401854ECAD6}" type="datetime1">
               <a:rPr lang="es-MX" smtClean="0"/>
-              <a:t>17/11/2019</a:t>
+              <a:t>20/11/2019</a:t>
             </a:fld>
             <a:endParaRPr lang="es-MX"/>
           </a:p>
@@ -4137,7 +4147,7 @@
           <a:p>
             <a:fld id="{1110A51F-1408-44E7-B692-0E4B0D0D36A0}" type="datetime1">
               <a:rPr lang="es-MX" smtClean="0"/>
-              <a:t>17/11/2019</a:t>
+              <a:t>20/11/2019</a:t>
             </a:fld>
             <a:endParaRPr lang="es-MX"/>
           </a:p>
@@ -4369,7 +4379,7 @@
           <a:p>
             <a:fld id="{6FFBB00F-8965-4C4C-BB9C-75F14D401668}" type="datetime1">
               <a:rPr lang="es-MX" smtClean="0"/>
-              <a:t>17/11/2019</a:t>
+              <a:t>20/11/2019</a:t>
             </a:fld>
             <a:endParaRPr lang="es-MX"/>
           </a:p>
@@ -4724,7 +4734,7 @@
           <a:p>
             <a:fld id="{913260AE-6506-45AD-B8A1-4A7A0B01465D}" type="datetime1">
               <a:rPr lang="es-MX" smtClean="0"/>
-              <a:t>17/11/2019</a:t>
+              <a:t>20/11/2019</a:t>
             </a:fld>
             <a:endParaRPr lang="es-MX"/>
           </a:p>
@@ -4866,7 +4876,7 @@
           <a:p>
             <a:fld id="{6CB8259F-62E2-4683-A61C-BA294E8A5892}" type="datetime1">
               <a:rPr lang="es-MX" smtClean="0"/>
-              <a:t>17/11/2019</a:t>
+              <a:t>20/11/2019</a:t>
             </a:fld>
             <a:endParaRPr lang="es-MX"/>
           </a:p>
@@ -4961,7 +4971,7 @@
           <a:p>
             <a:fld id="{4A4D3AA4-4A7A-4880-961C-190C521DA09D}" type="datetime1">
               <a:rPr lang="es-MX" smtClean="0"/>
-              <a:t>17/11/2019</a:t>
+              <a:t>20/11/2019</a:t>
             </a:fld>
             <a:endParaRPr lang="es-MX"/>
           </a:p>
@@ -5212,7 +5222,7 @@
           <a:p>
             <a:fld id="{1110A51F-1408-44E7-B692-0E4B0D0D36A0}" type="datetime1">
               <a:rPr lang="es-MX" smtClean="0"/>
-              <a:t>17/11/2019</a:t>
+              <a:t>20/11/2019</a:t>
             </a:fld>
             <a:endParaRPr lang="es-MX"/>
           </a:p>
@@ -5569,7 +5579,7 @@
           <a:p>
             <a:fld id="{CFA93A2D-E652-4089-8414-E4F06D8F8732}" type="datetime1">
               <a:rPr lang="es-MX" smtClean="0"/>
-              <a:t>17/11/2019</a:t>
+              <a:t>20/11/2019</a:t>
             </a:fld>
             <a:endParaRPr lang="es-MX"/>
           </a:p>
@@ -5887,7 +5897,7 @@
           <a:p>
             <a:fld id="{1CBCE1DF-B24A-47EA-B94C-D5C66B617273}" type="datetime1">
               <a:rPr lang="es-MX" smtClean="0"/>
-              <a:t>17/11/2019</a:t>
+              <a:t>20/11/2019</a:t>
             </a:fld>
             <a:endParaRPr lang="es-MX"/>
           </a:p>
@@ -6072,7 +6082,7 @@
           <a:p>
             <a:fld id="{A6880C6C-15B8-4ADB-B402-8DAEA87B8AF3}" type="datetime1">
               <a:rPr lang="es-MX" smtClean="0"/>
-              <a:t>17/11/2019</a:t>
+              <a:t>20/11/2019</a:t>
             </a:fld>
             <a:endParaRPr lang="es-MX"/>
           </a:p>
@@ -6252,7 +6262,7 @@
           <a:p>
             <a:fld id="{3F4F0D2A-4F97-4F06-BE1E-24B4DF9E4DC0}" type="datetime1">
               <a:rPr lang="es-MX" smtClean="0"/>
-              <a:t>17/11/2019</a:t>
+              <a:t>20/11/2019</a:t>
             </a:fld>
             <a:endParaRPr lang="es-MX"/>
           </a:p>
@@ -6484,7 +6494,7 @@
           <a:p>
             <a:fld id="{6FFBB00F-8965-4C4C-BB9C-75F14D401668}" type="datetime1">
               <a:rPr lang="es-MX" smtClean="0"/>
-              <a:t>17/11/2019</a:t>
+              <a:t>20/11/2019</a:t>
             </a:fld>
             <a:endParaRPr lang="es-MX"/>
           </a:p>
@@ -6831,7 +6841,7 @@
           <a:p>
             <a:fld id="{1B71EE11-B81F-41D4-94BB-6C47E6DAEE99}" type="datetime1">
               <a:rPr lang="es-MX" smtClean="0"/>
-              <a:t>17/11/2019</a:t>
+              <a:t>20/11/2019</a:t>
             </a:fld>
             <a:endParaRPr lang="es-MX"/>
           </a:p>
@@ -6949,7 +6959,7 @@
           <a:p>
             <a:fld id="{6CB8259F-62E2-4683-A61C-BA294E8A5892}" type="datetime1">
               <a:rPr lang="es-MX" smtClean="0"/>
-              <a:t>17/11/2019</a:t>
+              <a:t>20/11/2019</a:t>
             </a:fld>
             <a:endParaRPr lang="es-MX"/>
           </a:p>
@@ -7067,7 +7077,7 @@
           <a:p>
             <a:fld id="{4A4D3AA4-4A7A-4880-961C-190C521DA09D}" type="datetime1">
               <a:rPr lang="es-MX" smtClean="0"/>
-              <a:t>17/11/2019</a:t>
+              <a:t>20/11/2019</a:t>
             </a:fld>
             <a:endParaRPr lang="es-MX"/>
           </a:p>
@@ -7351,7 +7361,7 @@
           <a:p>
             <a:fld id="{CFA93A2D-E652-4089-8414-E4F06D8F8732}" type="datetime1">
               <a:rPr lang="es-MX" smtClean="0"/>
-              <a:t>17/11/2019</a:t>
+              <a:t>20/11/2019</a:t>
             </a:fld>
             <a:endParaRPr lang="es-MX"/>
           </a:p>
@@ -7615,7 +7625,7 @@
           <a:p>
             <a:fld id="{1CBCE1DF-B24A-47EA-B94C-D5C66B617273}" type="datetime1">
               <a:rPr lang="es-MX" smtClean="0"/>
-              <a:t>17/11/2019</a:t>
+              <a:t>20/11/2019</a:t>
             </a:fld>
             <a:endParaRPr lang="es-MX"/>
           </a:p>
@@ -7829,7 +7839,7 @@
           <a:p>
             <a:fld id="{913260AE-6506-45AD-B8A1-4A7A0B01465D}" type="datetime1">
               <a:rPr lang="es-MX" smtClean="0"/>
-              <a:t>17/11/2019</a:t>
+              <a:t>20/11/2019</a:t>
             </a:fld>
             <a:endParaRPr lang="es-MX"/>
           </a:p>
@@ -8360,7 +8370,7 @@
           <a:p>
             <a:fld id="{913260AE-6506-45AD-B8A1-4A7A0B01465D}" type="datetime1">
               <a:rPr lang="es-MX" smtClean="0"/>
-              <a:t>17/11/2019</a:t>
+              <a:t>20/11/2019</a:t>
             </a:fld>
             <a:endParaRPr lang="es-MX"/>
           </a:p>
@@ -8907,7 +8917,7 @@
           <a:p>
             <a:fld id="{913260AE-6506-45AD-B8A1-4A7A0B01465D}" type="datetime1">
               <a:rPr lang="es-MX" smtClean="0"/>
-              <a:t>17/11/2019</a:t>
+              <a:t>20/11/2019</a:t>
             </a:fld>
             <a:endParaRPr lang="es-MX"/>
           </a:p>
@@ -10376,8 +10386,8 @@
         </p:blipFill>
         <p:spPr bwMode="auto">
           <a:xfrm>
-            <a:off x="507098" y="2153412"/>
-            <a:ext cx="11177802" cy="3402657"/>
+            <a:off x="0" y="2153412"/>
+            <a:ext cx="12192000" cy="3402657"/>
           </a:xfrm>
           <a:prstGeom prst="rect">
             <a:avLst/>
@@ -10455,7 +10465,7 @@
             <a:pPr algn="ctr"/>
             <a:r>
               <a:rPr lang="es-MX" sz="1600" dirty="0"/>
-              <a:t>Fig. 10 Diagrama a bloques de propuesta de solución</a:t>
+              <a:t>Figura 9 Diagrama a bloques de propuesta de solución</a:t>
             </a:r>
           </a:p>
         </p:txBody>
@@ -10536,12 +10546,13 @@
         </p:nvPicPr>
         <p:blipFill rotWithShape="1">
           <a:blip r:embed="rId2"/>
+          <a:srcRect r="13474" b="1870"/>
           <a:stretch/>
         </p:blipFill>
         <p:spPr bwMode="auto">
           <a:xfrm>
             <a:off x="706704" y="2652137"/>
-            <a:ext cx="5598110" cy="2389670"/>
+            <a:ext cx="4843864" cy="2344979"/>
           </a:xfrm>
           <a:prstGeom prst="rect">
             <a:avLst/>
@@ -10607,9 +10618,7 @@
           <a:prstGeom prst="rect">
             <a:avLst/>
           </a:prstGeom>
-          <a:solidFill>
-            <a:schemeClr val="bg1"/>
-          </a:solidFill>
+          <a:noFill/>
         </p:spPr>
         <p:txBody>
           <a:bodyPr wrap="square" rtlCol="0">
@@ -10638,8 +10647,8 @@
         </p:nvSpPr>
         <p:spPr>
           <a:xfrm>
-            <a:off x="2231135" y="4872566"/>
-            <a:ext cx="2549247" cy="584775"/>
+            <a:off x="1645433" y="4827839"/>
+            <a:ext cx="3134948" cy="338554"/>
           </a:xfrm>
           <a:prstGeom prst="rect">
             <a:avLst/>
@@ -10655,7 +10664,7 @@
             <a:pPr algn="ctr"/>
             <a:r>
               <a:rPr lang="es-MX" sz="1600" dirty="0"/>
-              <a:t>Fig. 11 Arquitectura del módulo</a:t>
+              <a:t>Figura 10 Arquitectura del módulo</a:t>
             </a:r>
           </a:p>
         </p:txBody>
@@ -11113,8 +11122,8 @@
         </p:nvSpPr>
         <p:spPr>
           <a:xfrm>
-            <a:off x="2383357" y="5633145"/>
-            <a:ext cx="1870745" cy="584775"/>
+            <a:off x="1495400" y="5582731"/>
+            <a:ext cx="3646659" cy="338554"/>
           </a:xfrm>
           <a:prstGeom prst="rect">
             <a:avLst/>
@@ -11130,7 +11139,7 @@
             <a:pPr algn="ctr"/>
             <a:r>
               <a:rPr lang="es-MX" sz="1600" dirty="0"/>
-              <a:t>Fig. 12 Propuesta de aplicación Web</a:t>
+              <a:t>Figura 11 Propuesta de aplicación Web</a:t>
             </a:r>
           </a:p>
         </p:txBody>
@@ -11905,28 +11914,28 @@
             </a:r>
           </a:p>
           <a:p>
-            <a:pPr lvl="1"/>
+            <a:pPr lvl="1" algn="just"/>
             <a:r>
               <a:rPr lang="es-MX" dirty="0"/>
               <a:t>Inspirada en la arquitectura SOA.</a:t>
             </a:r>
           </a:p>
           <a:p>
-            <a:pPr lvl="1"/>
+            <a:pPr lvl="1" algn="just"/>
             <a:r>
               <a:rPr lang="es-MX" dirty="0"/>
               <a:t>La comunicación entre servicios:</a:t>
             </a:r>
           </a:p>
           <a:p>
-            <a:pPr lvl="2"/>
+            <a:pPr lvl="2" algn="just"/>
             <a:r>
               <a:rPr lang="es-MX" dirty="0"/>
               <a:t>A nivel bases de datos, son mediante transacciones Kiwi.</a:t>
             </a:r>
           </a:p>
           <a:p>
-            <a:pPr lvl="2"/>
+            <a:pPr lvl="2" algn="just"/>
             <a:r>
               <a:rPr lang="es-MX" dirty="0"/>
               <a:t>A nivel servicio (módulos), son a través de inyecciones CDI.</a:t>
@@ -12290,17 +12299,17 @@
             </a:r>
           </a:p>
           <a:p>
-            <a:pPr lvl="1"/>
+            <a:pPr lvl="1" algn="just"/>
             <a:r>
               <a:rPr lang="es-MX" dirty="0"/>
               <a:t>Es necesaria para la explotación de datos.</a:t>
             </a:r>
           </a:p>
           <a:p>
-            <a:pPr lvl="1"/>
+            <a:pPr lvl="1" algn="just"/>
             <a:r>
               <a:rPr lang="es-MX" dirty="0"/>
-              <a:t>Las tecnologías seleccionadas son las que se adaptan a las necesidades.</a:t>
+              <a:t>Las tecnología que fueron seleccionadas, son las necesarias para cubrir los requerimientos.</a:t>
             </a:r>
           </a:p>
           <a:p>
@@ -12326,6 +12335,1352 @@
           <a:xfrm>
             <a:off x="7941573" y="2387418"/>
             <a:ext cx="3703530" cy="3101983"/>
+          </a:xfrm>
+          <a:prstGeom prst="rect">
+            <a:avLst/>
+          </a:prstGeom>
+        </p:spPr>
+        <p:txBody>
+          <a:bodyPr vert="horz" lIns="91440" tIns="45720" rIns="91440" bIns="45720" rtlCol="0">
+            <a:normAutofit lnSpcReduction="10000"/>
+          </a:bodyPr>
+          <a:lstStyle>
+            <a:lvl1pPr marL="228600" indent="-228600" algn="l" defTabSz="914400" rtl="0" eaLnBrk="1" latinLnBrk="0" hangingPunct="1">
+              <a:lnSpc>
+                <a:spcPct val="100000"/>
+              </a:lnSpc>
+              <a:spcBef>
+                <a:spcPts val="1000"/>
+              </a:spcBef>
+              <a:buClr>
+                <a:schemeClr val="accent2"/>
+              </a:buClr>
+              <a:buFont typeface="Arial" panose="020B0604020202020204" pitchFamily="34" charset="0"/>
+              <a:buChar char="•"/>
+              <a:defRPr sz="1800" kern="1200">
+                <a:solidFill>
+                  <a:schemeClr val="tx1">
+                    <a:lumMod val="85000"/>
+                    <a:lumOff val="15000"/>
+                  </a:schemeClr>
+                </a:solidFill>
+                <a:latin typeface="+mn-lt"/>
+                <a:ea typeface="+mn-ea"/>
+                <a:cs typeface="+mn-cs"/>
+              </a:defRPr>
+            </a:lvl1pPr>
+            <a:lvl2pPr marL="457200" indent="-228600" algn="l" defTabSz="914400" rtl="0" eaLnBrk="1" latinLnBrk="0" hangingPunct="1">
+              <a:lnSpc>
+                <a:spcPct val="100000"/>
+              </a:lnSpc>
+              <a:spcBef>
+                <a:spcPts val="1000"/>
+              </a:spcBef>
+              <a:buClr>
+                <a:schemeClr val="accent2"/>
+              </a:buClr>
+              <a:buFont typeface="Arial" panose="020B0604020202020204" pitchFamily="34" charset="0"/>
+              <a:buChar char="•"/>
+              <a:defRPr sz="1600" kern="1200">
+                <a:solidFill>
+                  <a:schemeClr val="tx1">
+                    <a:lumMod val="85000"/>
+                    <a:lumOff val="15000"/>
+                  </a:schemeClr>
+                </a:solidFill>
+                <a:latin typeface="+mn-lt"/>
+                <a:ea typeface="+mn-ea"/>
+                <a:cs typeface="+mn-cs"/>
+              </a:defRPr>
+            </a:lvl2pPr>
+            <a:lvl3pPr marL="685800" indent="-228600" algn="l" defTabSz="914400" rtl="0" eaLnBrk="1" latinLnBrk="0" hangingPunct="1">
+              <a:lnSpc>
+                <a:spcPct val="100000"/>
+              </a:lnSpc>
+              <a:spcBef>
+                <a:spcPts val="1000"/>
+              </a:spcBef>
+              <a:buClr>
+                <a:schemeClr val="accent2"/>
+              </a:buClr>
+              <a:buFont typeface="Arial" panose="020B0604020202020204" pitchFamily="34" charset="0"/>
+              <a:buChar char="•"/>
+              <a:defRPr sz="1600" kern="1200">
+                <a:solidFill>
+                  <a:schemeClr val="tx1">
+                    <a:lumMod val="85000"/>
+                    <a:lumOff val="15000"/>
+                  </a:schemeClr>
+                </a:solidFill>
+                <a:latin typeface="+mn-lt"/>
+                <a:ea typeface="+mn-ea"/>
+                <a:cs typeface="+mn-cs"/>
+              </a:defRPr>
+            </a:lvl3pPr>
+            <a:lvl4pPr marL="914400" indent="-228600" algn="l" defTabSz="914400" rtl="0" eaLnBrk="1" latinLnBrk="0" hangingPunct="1">
+              <a:lnSpc>
+                <a:spcPct val="100000"/>
+              </a:lnSpc>
+              <a:spcBef>
+                <a:spcPts val="1000"/>
+              </a:spcBef>
+              <a:buClr>
+                <a:schemeClr val="accent2"/>
+              </a:buClr>
+              <a:buFont typeface="Arial" panose="020B0604020202020204" pitchFamily="34" charset="0"/>
+              <a:buChar char="•"/>
+              <a:defRPr sz="1600" kern="1200">
+                <a:solidFill>
+                  <a:schemeClr val="tx1">
+                    <a:lumMod val="85000"/>
+                    <a:lumOff val="15000"/>
+                  </a:schemeClr>
+                </a:solidFill>
+                <a:latin typeface="+mn-lt"/>
+                <a:ea typeface="+mn-ea"/>
+                <a:cs typeface="+mn-cs"/>
+              </a:defRPr>
+            </a:lvl4pPr>
+            <a:lvl5pPr marL="1143000" indent="-228600" algn="l" defTabSz="914400" rtl="0" eaLnBrk="1" latinLnBrk="0" hangingPunct="1">
+              <a:lnSpc>
+                <a:spcPct val="100000"/>
+              </a:lnSpc>
+              <a:spcBef>
+                <a:spcPts val="1000"/>
+              </a:spcBef>
+              <a:buClr>
+                <a:schemeClr val="accent2"/>
+              </a:buClr>
+              <a:buFont typeface="Arial" panose="020B0604020202020204" pitchFamily="34" charset="0"/>
+              <a:buChar char="•"/>
+              <a:defRPr sz="1600" kern="1200">
+                <a:solidFill>
+                  <a:schemeClr val="tx1">
+                    <a:lumMod val="85000"/>
+                    <a:lumOff val="15000"/>
+                  </a:schemeClr>
+                </a:solidFill>
+                <a:latin typeface="+mn-lt"/>
+                <a:ea typeface="+mn-ea"/>
+                <a:cs typeface="+mn-cs"/>
+              </a:defRPr>
+            </a:lvl5pPr>
+            <a:lvl6pPr marL="1312863" indent="-228600" algn="l" defTabSz="914400" rtl="0" eaLnBrk="1" latinLnBrk="0" hangingPunct="1">
+              <a:lnSpc>
+                <a:spcPct val="100000"/>
+              </a:lnSpc>
+              <a:spcBef>
+                <a:spcPts val="1000"/>
+              </a:spcBef>
+              <a:buClr>
+                <a:schemeClr val="accent2"/>
+              </a:buClr>
+              <a:buFont typeface="Arial" panose="020B0604020202020204" pitchFamily="34" charset="0"/>
+              <a:buChar char="•"/>
+              <a:defRPr sz="1600" kern="1200">
+                <a:solidFill>
+                  <a:schemeClr val="tx1"/>
+                </a:solidFill>
+                <a:latin typeface="+mn-lt"/>
+                <a:ea typeface="+mn-ea"/>
+                <a:cs typeface="+mn-cs"/>
+              </a:defRPr>
+            </a:lvl6pPr>
+            <a:lvl7pPr marL="1484313" indent="-228600" algn="l" defTabSz="914400" rtl="0" eaLnBrk="1" latinLnBrk="0" hangingPunct="1">
+              <a:lnSpc>
+                <a:spcPct val="100000"/>
+              </a:lnSpc>
+              <a:spcBef>
+                <a:spcPts val="1000"/>
+              </a:spcBef>
+              <a:buClr>
+                <a:schemeClr val="accent2"/>
+              </a:buClr>
+              <a:buFont typeface="Arial" panose="020B0604020202020204" pitchFamily="34" charset="0"/>
+              <a:buChar char="•"/>
+              <a:defRPr sz="1600" kern="1200">
+                <a:solidFill>
+                  <a:schemeClr val="tx1"/>
+                </a:solidFill>
+                <a:latin typeface="+mn-lt"/>
+                <a:ea typeface="+mn-ea"/>
+                <a:cs typeface="+mn-cs"/>
+              </a:defRPr>
+            </a:lvl7pPr>
+            <a:lvl8pPr marL="1657350" indent="-228600" algn="l" defTabSz="914400" rtl="0" eaLnBrk="1" latinLnBrk="0" hangingPunct="1">
+              <a:lnSpc>
+                <a:spcPct val="100000"/>
+              </a:lnSpc>
+              <a:spcBef>
+                <a:spcPts val="1000"/>
+              </a:spcBef>
+              <a:buClr>
+                <a:schemeClr val="accent2"/>
+              </a:buClr>
+              <a:buFont typeface="Arial" panose="020B0604020202020204" pitchFamily="34" charset="0"/>
+              <a:buChar char="•"/>
+              <a:defRPr sz="1600" kern="1200" baseline="0">
+                <a:solidFill>
+                  <a:schemeClr val="tx1"/>
+                </a:solidFill>
+                <a:latin typeface="+mn-lt"/>
+                <a:ea typeface="+mn-ea"/>
+                <a:cs typeface="+mn-cs"/>
+              </a:defRPr>
+            </a:lvl8pPr>
+            <a:lvl9pPr marL="1882775" indent="-228600" algn="l" defTabSz="914400" rtl="0" eaLnBrk="1" latinLnBrk="0" hangingPunct="1">
+              <a:lnSpc>
+                <a:spcPct val="100000"/>
+              </a:lnSpc>
+              <a:spcBef>
+                <a:spcPts val="1000"/>
+              </a:spcBef>
+              <a:buClr>
+                <a:schemeClr val="accent2"/>
+              </a:buClr>
+              <a:buFont typeface="Arial" panose="020B0604020202020204" pitchFamily="34" charset="0"/>
+              <a:buChar char="•"/>
+              <a:defRPr sz="1600" kern="1200" baseline="0">
+                <a:solidFill>
+                  <a:schemeClr val="tx1"/>
+                </a:solidFill>
+                <a:latin typeface="+mn-lt"/>
+                <a:ea typeface="+mn-ea"/>
+                <a:cs typeface="+mn-cs"/>
+              </a:defRPr>
+            </a:lvl9pPr>
+          </a:lstStyle>
+          <a:p>
+            <a:r>
+              <a:rPr lang="es-MX" i="1" dirty="0"/>
+              <a:t>Benchmarking</a:t>
+            </a:r>
+          </a:p>
+          <a:p>
+            <a:pPr lvl="1" algn="just"/>
+            <a:r>
+              <a:rPr lang="es-MX" dirty="0"/>
+              <a:t>Está basado en 3 artículos que proponen cómo llevar a cabo la prueba [5][6][7].</a:t>
+            </a:r>
+          </a:p>
+          <a:p>
+            <a:pPr lvl="1" algn="just"/>
+            <a:r>
+              <a:rPr lang="es-MX" dirty="0"/>
+              <a:t>La comparación entre plataformas similares permite identificar fortalezas y debilidades de cada uno.</a:t>
+            </a:r>
+          </a:p>
+          <a:p>
+            <a:pPr lvl="1" algn="just"/>
+            <a:r>
+              <a:rPr lang="es-MX" dirty="0"/>
+              <a:t>La prueba permitirá mejorar algunos de los aspectos a evaluar en el </a:t>
+            </a:r>
+            <a:r>
+              <a:rPr lang="es-MX" i="1" dirty="0"/>
+              <a:t>benchmarking</a:t>
+            </a:r>
+            <a:r>
+              <a:rPr lang="es-MX" dirty="0"/>
+              <a:t> sobre el módulo de consultas a desarrollar.</a:t>
+            </a:r>
+          </a:p>
+          <a:p>
+            <a:pPr lvl="1"/>
+            <a:endParaRPr lang="es-MX" dirty="0"/>
+          </a:p>
+        </p:txBody>
+      </p:sp>
+      <p:pic>
+        <p:nvPicPr>
+          <p:cNvPr id="2050" name="Picture 2" descr="Imagen relacionada">
+            <a:extLst>
+              <a:ext uri="{FF2B5EF4-FFF2-40B4-BE49-F238E27FC236}">
+                <a16:creationId xmlns:a16="http://schemas.microsoft.com/office/drawing/2014/main" id="{97950C41-BE45-4A45-9B8E-9FD5B1609C85}"/>
+              </a:ext>
+            </a:extLst>
+          </p:cNvPr>
+          <p:cNvPicPr>
+            <a:picLocks noChangeAspect="1" noChangeArrowheads="1"/>
+          </p:cNvPicPr>
+          <p:nvPr/>
+        </p:nvPicPr>
+        <p:blipFill>
+          <a:blip r:embed="rId4">
+            <a:extLst>
+              <a:ext uri="{28A0092B-C50C-407E-A947-70E740481C1C}">
+                <a14:useLocalDpi xmlns:a14="http://schemas.microsoft.com/office/drawing/2010/main" val="0"/>
+              </a:ext>
+            </a:extLst>
+          </a:blip>
+          <a:srcRect/>
+          <a:stretch>
+            <a:fillRect/>
+          </a:stretch>
+        </p:blipFill>
+        <p:spPr bwMode="auto">
+          <a:xfrm>
+            <a:off x="8852489" y="5259041"/>
+            <a:ext cx="1423625" cy="1423625"/>
+          </a:xfrm>
+          <a:prstGeom prst="rect">
+            <a:avLst/>
+          </a:prstGeom>
+          <a:noFill/>
+          <a:extLst>
+            <a:ext uri="{909E8E84-426E-40DD-AFC4-6F175D3DCCD1}">
+              <a14:hiddenFill xmlns:a14="http://schemas.microsoft.com/office/drawing/2010/main">
+                <a:solidFill>
+                  <a:srgbClr val="FFFFFF"/>
+                </a:solidFill>
+              </a14:hiddenFill>
+            </a:ext>
+          </a:extLst>
+        </p:spPr>
+      </p:pic>
+    </p:spTree>
+    <p:extLst>
+      <p:ext uri="{BB962C8B-B14F-4D97-AF65-F5344CB8AC3E}">
+        <p14:creationId xmlns:p14="http://schemas.microsoft.com/office/powerpoint/2010/main" val="990923137"/>
+      </p:ext>
+    </p:extLst>
+  </p:cSld>
+  <p:clrMapOvr>
+    <a:masterClrMapping/>
+  </p:clrMapOvr>
+</p:sld>
+</file>
+
+<file path=ppt/slides/slide19.xml><?xml version="1.0" encoding="utf-8"?>
+<p:sld xmlns:a="http://schemas.openxmlformats.org/drawingml/2006/main" xmlns:r="http://schemas.openxmlformats.org/officeDocument/2006/relationships" xmlns:p="http://schemas.openxmlformats.org/presentationml/2006/main">
+  <p:cSld>
+    <p:spTree>
+      <p:nvGrpSpPr>
+        <p:cNvPr id="1" name=""/>
+        <p:cNvGrpSpPr/>
+        <p:nvPr/>
+      </p:nvGrpSpPr>
+      <p:grpSpPr>
+        <a:xfrm>
+          <a:off x="0" y="0"/>
+          <a:ext cx="0" cy="0"/>
+          <a:chOff x="0" y="0"/>
+          <a:chExt cx="0" cy="0"/>
+        </a:xfrm>
+      </p:grpSpPr>
+      <p:sp>
+        <p:nvSpPr>
+          <p:cNvPr id="2" name="Título 1">
+            <a:extLst>
+              <a:ext uri="{FF2B5EF4-FFF2-40B4-BE49-F238E27FC236}">
+                <a16:creationId xmlns:a16="http://schemas.microsoft.com/office/drawing/2014/main" id="{275944B7-C19D-4AB9-B5A8-4D64AEFF28E3}"/>
+              </a:ext>
+            </a:extLst>
+          </p:cNvPr>
+          <p:cNvSpPr>
+            <a:spLocks noGrp="1"/>
+          </p:cNvSpPr>
+          <p:nvPr>
+            <p:ph type="title"/>
+          </p:nvPr>
+        </p:nvSpPr>
+        <p:spPr/>
+        <p:txBody>
+          <a:bodyPr/>
+          <a:lstStyle/>
+          <a:p>
+            <a:r>
+              <a:rPr lang="es-MX" dirty="0"/>
+              <a:t>Justificación</a:t>
+            </a:r>
+          </a:p>
+        </p:txBody>
+      </p:sp>
+      <p:sp>
+        <p:nvSpPr>
+          <p:cNvPr id="4" name="Marcador de número de diapositiva 3">
+            <a:extLst>
+              <a:ext uri="{FF2B5EF4-FFF2-40B4-BE49-F238E27FC236}">
+                <a16:creationId xmlns:a16="http://schemas.microsoft.com/office/drawing/2014/main" id="{891078C5-1733-43EE-8B76-AD83B24BE32A}"/>
+              </a:ext>
+            </a:extLst>
+          </p:cNvPr>
+          <p:cNvSpPr>
+            <a:spLocks noGrp="1"/>
+          </p:cNvSpPr>
+          <p:nvPr>
+            <p:ph type="sldNum" sz="quarter" idx="12"/>
+          </p:nvPr>
+        </p:nvSpPr>
+        <p:spPr/>
+        <p:txBody>
+          <a:bodyPr/>
+          <a:lstStyle/>
+          <a:p>
+            <a:fld id="{F2994100-57F3-4399-9A64-220CD25A867F}" type="slidenum">
+              <a:rPr lang="es-MX" smtClean="0"/>
+              <a:t>19</a:t>
+            </a:fld>
+            <a:endParaRPr lang="es-MX"/>
+          </a:p>
+        </p:txBody>
+      </p:sp>
+      <p:graphicFrame>
+        <p:nvGraphicFramePr>
+          <p:cNvPr id="8" name="Marcador de contenido 7">
+            <a:extLst>
+              <a:ext uri="{FF2B5EF4-FFF2-40B4-BE49-F238E27FC236}">
+                <a16:creationId xmlns:a16="http://schemas.microsoft.com/office/drawing/2014/main" id="{47550D69-754C-4FC2-94DD-C2E352528732}"/>
+              </a:ext>
+            </a:extLst>
+          </p:cNvPr>
+          <p:cNvGraphicFramePr>
+            <a:graphicFrameLocks noGrp="1"/>
+          </p:cNvGraphicFramePr>
+          <p:nvPr>
+            <p:ph idx="1"/>
+            <p:extLst>
+              <p:ext uri="{D42A27DB-BD31-4B8C-83A1-F6EECF244321}">
+                <p14:modId xmlns:p14="http://schemas.microsoft.com/office/powerpoint/2010/main" val="3590431044"/>
+              </p:ext>
+            </p:extLst>
+          </p:nvPr>
+        </p:nvGraphicFramePr>
+        <p:xfrm>
+          <a:off x="2571251" y="3543899"/>
+          <a:ext cx="7182847" cy="2349409"/>
+        </p:xfrm>
+        <a:graphic>
+          <a:graphicData uri="http://schemas.openxmlformats.org/drawingml/2006/table">
+            <a:tbl>
+              <a:tblPr firstRow="1" firstCol="1" bandRow="1">
+                <a:tableStyleId>{5C22544A-7EE6-4342-B048-85BDC9FD1C3A}</a:tableStyleId>
+              </a:tblPr>
+              <a:tblGrid>
+                <a:gridCol w="2023147">
+                  <a:extLst>
+                    <a:ext uri="{9D8B030D-6E8A-4147-A177-3AD203B41FA5}">
+                      <a16:colId xmlns:a16="http://schemas.microsoft.com/office/drawing/2014/main" val="692036006"/>
+                    </a:ext>
+                  </a:extLst>
+                </a:gridCol>
+                <a:gridCol w="1282232">
+                  <a:extLst>
+                    <a:ext uri="{9D8B030D-6E8A-4147-A177-3AD203B41FA5}">
+                      <a16:colId xmlns:a16="http://schemas.microsoft.com/office/drawing/2014/main" val="891984425"/>
+                    </a:ext>
+                  </a:extLst>
+                </a:gridCol>
+                <a:gridCol w="1507904">
+                  <a:extLst>
+                    <a:ext uri="{9D8B030D-6E8A-4147-A177-3AD203B41FA5}">
+                      <a16:colId xmlns:a16="http://schemas.microsoft.com/office/drawing/2014/main" val="1020713085"/>
+                    </a:ext>
+                  </a:extLst>
+                </a:gridCol>
+                <a:gridCol w="1035566">
+                  <a:extLst>
+                    <a:ext uri="{9D8B030D-6E8A-4147-A177-3AD203B41FA5}">
+                      <a16:colId xmlns:a16="http://schemas.microsoft.com/office/drawing/2014/main" val="112840596"/>
+                    </a:ext>
+                  </a:extLst>
+                </a:gridCol>
+                <a:gridCol w="1333998">
+                  <a:extLst>
+                    <a:ext uri="{9D8B030D-6E8A-4147-A177-3AD203B41FA5}">
+                      <a16:colId xmlns:a16="http://schemas.microsoft.com/office/drawing/2014/main" val="3114566095"/>
+                    </a:ext>
+                  </a:extLst>
+                </a:gridCol>
+              </a:tblGrid>
+              <a:tr h="529444">
+                <a:tc>
+                  <a:txBody>
+                    <a:bodyPr/>
+                    <a:lstStyle/>
+                    <a:p>
+                      <a:pPr indent="269875" algn="just">
+                        <a:spcAft>
+                          <a:spcPts val="0"/>
+                        </a:spcAft>
+                      </a:pPr>
+                      <a:r>
+                        <a:rPr lang="es-MX" sz="1200" dirty="0">
+                          <a:effectLst/>
+                        </a:rPr>
+                        <a:t>Nombre</a:t>
+                      </a:r>
+                      <a:endParaRPr lang="es-MX" sz="1600" dirty="0">
+                        <a:effectLst/>
+                        <a:latin typeface="Calibri" panose="020F0502020204030204" pitchFamily="34" charset="0"/>
+                        <a:ea typeface="Calibri" panose="020F0502020204030204" pitchFamily="34" charset="0"/>
+                        <a:cs typeface="Times New Roman" panose="02020603050405020304" pitchFamily="18" charset="0"/>
+                      </a:endParaRPr>
+                    </a:p>
+                  </a:txBody>
+                  <a:tcPr marL="68580" marR="68580" marT="0" marB="0"/>
+                </a:tc>
+                <a:tc>
+                  <a:txBody>
+                    <a:bodyPr/>
+                    <a:lstStyle/>
+                    <a:p>
+                      <a:pPr indent="269875" algn="just">
+                        <a:spcAft>
+                          <a:spcPts val="0"/>
+                        </a:spcAft>
+                      </a:pPr>
+                      <a:r>
+                        <a:rPr lang="es-MX" sz="1200">
+                          <a:effectLst/>
+                        </a:rPr>
+                        <a:t>Consultas Federadas</a:t>
+                      </a:r>
+                      <a:endParaRPr lang="es-MX" sz="1600">
+                        <a:effectLst/>
+                        <a:latin typeface="Calibri" panose="020F0502020204030204" pitchFamily="34" charset="0"/>
+                        <a:ea typeface="Calibri" panose="020F0502020204030204" pitchFamily="34" charset="0"/>
+                        <a:cs typeface="Times New Roman" panose="02020603050405020304" pitchFamily="18" charset="0"/>
+                      </a:endParaRPr>
+                    </a:p>
+                  </a:txBody>
+                  <a:tcPr marL="68580" marR="68580" marT="0" marB="0"/>
+                </a:tc>
+                <a:tc>
+                  <a:txBody>
+                    <a:bodyPr/>
+                    <a:lstStyle/>
+                    <a:p>
+                      <a:pPr indent="269875" algn="just">
+                        <a:spcAft>
+                          <a:spcPts val="0"/>
+                        </a:spcAft>
+                      </a:pPr>
+                      <a:r>
+                        <a:rPr lang="es-MX" sz="1200" dirty="0">
+                          <a:effectLst/>
+                        </a:rPr>
+                        <a:t>GeoSPARQL</a:t>
+                      </a:r>
+                      <a:endParaRPr lang="es-MX" sz="1600" dirty="0">
+                        <a:effectLst/>
+                        <a:latin typeface="Calibri" panose="020F0502020204030204" pitchFamily="34" charset="0"/>
+                        <a:ea typeface="Calibri" panose="020F0502020204030204" pitchFamily="34" charset="0"/>
+                        <a:cs typeface="Times New Roman" panose="02020603050405020304" pitchFamily="18" charset="0"/>
+                      </a:endParaRPr>
+                    </a:p>
+                  </a:txBody>
+                  <a:tcPr marL="68580" marR="68580" marT="0" marB="0"/>
+                </a:tc>
+                <a:tc>
+                  <a:txBody>
+                    <a:bodyPr/>
+                    <a:lstStyle/>
+                    <a:p>
+                      <a:pPr indent="269875" algn="just">
+                        <a:spcAft>
+                          <a:spcPts val="0"/>
+                        </a:spcAft>
+                      </a:pPr>
+                      <a:r>
+                        <a:rPr lang="es-MX" sz="1200" dirty="0">
+                          <a:effectLst/>
+                        </a:rPr>
+                        <a:t>Status</a:t>
+                      </a:r>
+                      <a:endParaRPr lang="es-MX" sz="1600" dirty="0">
+                        <a:effectLst/>
+                        <a:latin typeface="Calibri" panose="020F0502020204030204" pitchFamily="34" charset="0"/>
+                        <a:ea typeface="Calibri" panose="020F0502020204030204" pitchFamily="34" charset="0"/>
+                        <a:cs typeface="Times New Roman" panose="02020603050405020304" pitchFamily="18" charset="0"/>
+                      </a:endParaRPr>
+                    </a:p>
+                  </a:txBody>
+                  <a:tcPr marL="68580" marR="68580" marT="0" marB="0"/>
+                </a:tc>
+                <a:tc>
+                  <a:txBody>
+                    <a:bodyPr/>
+                    <a:lstStyle/>
+                    <a:p>
+                      <a:pPr indent="269875" algn="just">
+                        <a:spcAft>
+                          <a:spcPts val="0"/>
+                        </a:spcAft>
+                      </a:pPr>
+                      <a:r>
+                        <a:rPr lang="es-MX" sz="1200" dirty="0">
+                          <a:effectLst/>
+                        </a:rPr>
+                        <a:t>Libre o pago</a:t>
+                      </a:r>
+                      <a:endParaRPr lang="es-MX" sz="1600" dirty="0">
+                        <a:effectLst/>
+                        <a:latin typeface="Calibri" panose="020F0502020204030204" pitchFamily="34" charset="0"/>
+                        <a:ea typeface="Calibri" panose="020F0502020204030204" pitchFamily="34" charset="0"/>
+                        <a:cs typeface="Times New Roman" panose="02020603050405020304" pitchFamily="18" charset="0"/>
+                      </a:endParaRPr>
+                    </a:p>
+                  </a:txBody>
+                  <a:tcPr marL="68580" marR="68580" marT="0" marB="0"/>
+                </a:tc>
+                <a:extLst>
+                  <a:ext uri="{0D108BD9-81ED-4DB2-BD59-A6C34878D82A}">
+                    <a16:rowId xmlns:a16="http://schemas.microsoft.com/office/drawing/2014/main" val="500428743"/>
+                  </a:ext>
+                </a:extLst>
+              </a:tr>
+              <a:tr h="363993">
+                <a:tc>
+                  <a:txBody>
+                    <a:bodyPr/>
+                    <a:lstStyle/>
+                    <a:p>
+                      <a:pPr indent="269875" algn="just">
+                        <a:spcAft>
+                          <a:spcPts val="0"/>
+                        </a:spcAft>
+                      </a:pPr>
+                      <a:r>
+                        <a:rPr lang="es-MX" sz="1200">
+                          <a:effectLst/>
+                        </a:rPr>
+                        <a:t>Parliament</a:t>
+                      </a:r>
+                      <a:endParaRPr lang="es-MX" sz="1600">
+                        <a:effectLst/>
+                        <a:latin typeface="Calibri" panose="020F0502020204030204" pitchFamily="34" charset="0"/>
+                        <a:ea typeface="Calibri" panose="020F0502020204030204" pitchFamily="34" charset="0"/>
+                        <a:cs typeface="Times New Roman" panose="02020603050405020304" pitchFamily="18" charset="0"/>
+                      </a:endParaRPr>
+                    </a:p>
+                  </a:txBody>
+                  <a:tcPr marL="68580" marR="68580" marT="0" marB="0"/>
+                </a:tc>
+                <a:tc>
+                  <a:txBody>
+                    <a:bodyPr/>
+                    <a:lstStyle/>
+                    <a:p>
+                      <a:pPr indent="269875" algn="ctr">
+                        <a:spcAft>
+                          <a:spcPts val="0"/>
+                        </a:spcAft>
+                      </a:pPr>
+                      <a:r>
+                        <a:rPr lang="es-MX" sz="1800" dirty="0">
+                          <a:effectLst/>
+                        </a:rPr>
+                        <a:t>Si</a:t>
+                      </a:r>
+                      <a:endParaRPr lang="es-MX" sz="2400" dirty="0">
+                        <a:effectLst/>
+                        <a:latin typeface="Calibri" panose="020F0502020204030204" pitchFamily="34" charset="0"/>
+                        <a:ea typeface="Calibri" panose="020F0502020204030204" pitchFamily="34" charset="0"/>
+                        <a:cs typeface="Times New Roman" panose="02020603050405020304" pitchFamily="18" charset="0"/>
+                      </a:endParaRPr>
+                    </a:p>
+                  </a:txBody>
+                  <a:tcPr marL="68580" marR="68580" marT="0" marB="0"/>
+                </a:tc>
+                <a:tc>
+                  <a:txBody>
+                    <a:bodyPr/>
+                    <a:lstStyle/>
+                    <a:p>
+                      <a:pPr indent="269875" algn="ctr">
+                        <a:spcAft>
+                          <a:spcPts val="0"/>
+                        </a:spcAft>
+                      </a:pPr>
+                      <a:r>
+                        <a:rPr lang="es-MX" sz="1800" dirty="0">
+                          <a:effectLst/>
+                        </a:rPr>
+                        <a:t>Si</a:t>
+                      </a:r>
+                      <a:endParaRPr lang="es-MX" sz="2400" dirty="0">
+                        <a:effectLst/>
+                        <a:latin typeface="Calibri" panose="020F0502020204030204" pitchFamily="34" charset="0"/>
+                        <a:ea typeface="Calibri" panose="020F0502020204030204" pitchFamily="34" charset="0"/>
+                        <a:cs typeface="Times New Roman" panose="02020603050405020304" pitchFamily="18" charset="0"/>
+                      </a:endParaRPr>
+                    </a:p>
+                  </a:txBody>
+                  <a:tcPr marL="68580" marR="68580" marT="0" marB="0"/>
+                </a:tc>
+                <a:tc>
+                  <a:txBody>
+                    <a:bodyPr/>
+                    <a:lstStyle/>
+                    <a:p>
+                      <a:pPr indent="269875" algn="ctr">
+                        <a:spcAft>
+                          <a:spcPts val="0"/>
+                        </a:spcAft>
+                      </a:pPr>
+                      <a:r>
+                        <a:rPr lang="es-MX" sz="1800">
+                          <a:effectLst/>
+                        </a:rPr>
+                        <a:t>Activo</a:t>
+                      </a:r>
+                      <a:endParaRPr lang="es-MX" sz="2400">
+                        <a:effectLst/>
+                        <a:latin typeface="Calibri" panose="020F0502020204030204" pitchFamily="34" charset="0"/>
+                        <a:ea typeface="Calibri" panose="020F0502020204030204" pitchFamily="34" charset="0"/>
+                        <a:cs typeface="Times New Roman" panose="02020603050405020304" pitchFamily="18" charset="0"/>
+                      </a:endParaRPr>
+                    </a:p>
+                  </a:txBody>
+                  <a:tcPr marL="68580" marR="68580" marT="0" marB="0"/>
+                </a:tc>
+                <a:tc>
+                  <a:txBody>
+                    <a:bodyPr/>
+                    <a:lstStyle/>
+                    <a:p>
+                      <a:pPr indent="269875" algn="ctr">
+                        <a:spcAft>
+                          <a:spcPts val="0"/>
+                        </a:spcAft>
+                      </a:pPr>
+                      <a:r>
+                        <a:rPr lang="es-MX" sz="1800">
+                          <a:effectLst/>
+                        </a:rPr>
+                        <a:t>Libre</a:t>
+                      </a:r>
+                      <a:endParaRPr lang="es-MX" sz="2400">
+                        <a:effectLst/>
+                        <a:latin typeface="Calibri" panose="020F0502020204030204" pitchFamily="34" charset="0"/>
+                        <a:ea typeface="Calibri" panose="020F0502020204030204" pitchFamily="34" charset="0"/>
+                        <a:cs typeface="Times New Roman" panose="02020603050405020304" pitchFamily="18" charset="0"/>
+                      </a:endParaRPr>
+                    </a:p>
+                  </a:txBody>
+                  <a:tcPr marL="68580" marR="68580" marT="0" marB="0"/>
+                </a:tc>
+                <a:extLst>
+                  <a:ext uri="{0D108BD9-81ED-4DB2-BD59-A6C34878D82A}">
+                    <a16:rowId xmlns:a16="http://schemas.microsoft.com/office/drawing/2014/main" val="182436415"/>
+                  </a:ext>
+                </a:extLst>
+              </a:tr>
+              <a:tr h="363993">
+                <a:tc>
+                  <a:txBody>
+                    <a:bodyPr/>
+                    <a:lstStyle/>
+                    <a:p>
+                      <a:pPr indent="269875" algn="just">
+                        <a:spcAft>
+                          <a:spcPts val="0"/>
+                        </a:spcAft>
+                      </a:pPr>
+                      <a:r>
+                        <a:rPr lang="es-MX" sz="1200">
+                          <a:effectLst/>
+                        </a:rPr>
+                        <a:t>GraphDB</a:t>
+                      </a:r>
+                      <a:endParaRPr lang="es-MX" sz="1600">
+                        <a:effectLst/>
+                        <a:latin typeface="Calibri" panose="020F0502020204030204" pitchFamily="34" charset="0"/>
+                        <a:ea typeface="Calibri" panose="020F0502020204030204" pitchFamily="34" charset="0"/>
+                        <a:cs typeface="Times New Roman" panose="02020603050405020304" pitchFamily="18" charset="0"/>
+                      </a:endParaRPr>
+                    </a:p>
+                  </a:txBody>
+                  <a:tcPr marL="68580" marR="68580" marT="0" marB="0"/>
+                </a:tc>
+                <a:tc>
+                  <a:txBody>
+                    <a:bodyPr/>
+                    <a:lstStyle/>
+                    <a:p>
+                      <a:pPr indent="269875" algn="ctr">
+                        <a:spcAft>
+                          <a:spcPts val="0"/>
+                        </a:spcAft>
+                      </a:pPr>
+                      <a:r>
+                        <a:rPr lang="es-MX" sz="1800" dirty="0">
+                          <a:effectLst/>
+                        </a:rPr>
+                        <a:t>Si</a:t>
+                      </a:r>
+                      <a:endParaRPr lang="es-MX" sz="2400" dirty="0">
+                        <a:effectLst/>
+                        <a:latin typeface="Calibri" panose="020F0502020204030204" pitchFamily="34" charset="0"/>
+                        <a:ea typeface="Calibri" panose="020F0502020204030204" pitchFamily="34" charset="0"/>
+                        <a:cs typeface="Times New Roman" panose="02020603050405020304" pitchFamily="18" charset="0"/>
+                      </a:endParaRPr>
+                    </a:p>
+                  </a:txBody>
+                  <a:tcPr marL="68580" marR="68580" marT="0" marB="0"/>
+                </a:tc>
+                <a:tc>
+                  <a:txBody>
+                    <a:bodyPr/>
+                    <a:lstStyle/>
+                    <a:p>
+                      <a:pPr indent="269875" algn="ctr">
+                        <a:spcAft>
+                          <a:spcPts val="0"/>
+                        </a:spcAft>
+                      </a:pPr>
+                      <a:r>
+                        <a:rPr lang="es-MX" sz="1800" dirty="0">
+                          <a:effectLst/>
+                        </a:rPr>
+                        <a:t>Si</a:t>
+                      </a:r>
+                      <a:endParaRPr lang="es-MX" sz="2400" dirty="0">
+                        <a:effectLst/>
+                        <a:latin typeface="Calibri" panose="020F0502020204030204" pitchFamily="34" charset="0"/>
+                        <a:ea typeface="Calibri" panose="020F0502020204030204" pitchFamily="34" charset="0"/>
+                        <a:cs typeface="Times New Roman" panose="02020603050405020304" pitchFamily="18" charset="0"/>
+                      </a:endParaRPr>
+                    </a:p>
+                  </a:txBody>
+                  <a:tcPr marL="68580" marR="68580" marT="0" marB="0"/>
+                </a:tc>
+                <a:tc>
+                  <a:txBody>
+                    <a:bodyPr/>
+                    <a:lstStyle/>
+                    <a:p>
+                      <a:pPr indent="269875" algn="ctr">
+                        <a:spcAft>
+                          <a:spcPts val="0"/>
+                        </a:spcAft>
+                      </a:pPr>
+                      <a:r>
+                        <a:rPr lang="es-MX" sz="1800">
+                          <a:effectLst/>
+                        </a:rPr>
+                        <a:t>Activo</a:t>
+                      </a:r>
+                      <a:endParaRPr lang="es-MX" sz="2400">
+                        <a:effectLst/>
+                        <a:latin typeface="Calibri" panose="020F0502020204030204" pitchFamily="34" charset="0"/>
+                        <a:ea typeface="Calibri" panose="020F0502020204030204" pitchFamily="34" charset="0"/>
+                        <a:cs typeface="Times New Roman" panose="02020603050405020304" pitchFamily="18" charset="0"/>
+                      </a:endParaRPr>
+                    </a:p>
+                  </a:txBody>
+                  <a:tcPr marL="68580" marR="68580" marT="0" marB="0"/>
+                </a:tc>
+                <a:tc>
+                  <a:txBody>
+                    <a:bodyPr/>
+                    <a:lstStyle/>
+                    <a:p>
+                      <a:pPr indent="269875" algn="ctr">
+                        <a:spcAft>
+                          <a:spcPts val="0"/>
+                        </a:spcAft>
+                      </a:pPr>
+                      <a:r>
+                        <a:rPr lang="es-MX" sz="1800" dirty="0">
+                          <a:effectLst/>
+                        </a:rPr>
+                        <a:t>Ambos</a:t>
+                      </a:r>
+                      <a:endParaRPr lang="es-MX" sz="2400" dirty="0">
+                        <a:effectLst/>
+                        <a:latin typeface="Calibri" panose="020F0502020204030204" pitchFamily="34" charset="0"/>
+                        <a:ea typeface="Calibri" panose="020F0502020204030204" pitchFamily="34" charset="0"/>
+                        <a:cs typeface="Times New Roman" panose="02020603050405020304" pitchFamily="18" charset="0"/>
+                      </a:endParaRPr>
+                    </a:p>
+                  </a:txBody>
+                  <a:tcPr marL="68580" marR="68580" marT="0" marB="0"/>
+                </a:tc>
+                <a:extLst>
+                  <a:ext uri="{0D108BD9-81ED-4DB2-BD59-A6C34878D82A}">
+                    <a16:rowId xmlns:a16="http://schemas.microsoft.com/office/drawing/2014/main" val="2150726840"/>
+                  </a:ext>
+                </a:extLst>
+              </a:tr>
+              <a:tr h="363993">
+                <a:tc>
+                  <a:txBody>
+                    <a:bodyPr/>
+                    <a:lstStyle/>
+                    <a:p>
+                      <a:pPr indent="269875" algn="just">
+                        <a:spcAft>
+                          <a:spcPts val="0"/>
+                        </a:spcAft>
+                      </a:pPr>
+                      <a:r>
+                        <a:rPr lang="es-MX" sz="1200">
+                          <a:effectLst/>
+                        </a:rPr>
+                        <a:t>OpenLink Virtuoso</a:t>
+                      </a:r>
+                      <a:endParaRPr lang="es-MX" sz="1600">
+                        <a:effectLst/>
+                        <a:latin typeface="Calibri" panose="020F0502020204030204" pitchFamily="34" charset="0"/>
+                        <a:ea typeface="Calibri" panose="020F0502020204030204" pitchFamily="34" charset="0"/>
+                        <a:cs typeface="Times New Roman" panose="02020603050405020304" pitchFamily="18" charset="0"/>
+                      </a:endParaRPr>
+                    </a:p>
+                  </a:txBody>
+                  <a:tcPr marL="68580" marR="68580" marT="0" marB="0"/>
+                </a:tc>
+                <a:tc>
+                  <a:txBody>
+                    <a:bodyPr/>
+                    <a:lstStyle/>
+                    <a:p>
+                      <a:pPr indent="269875" algn="ctr">
+                        <a:spcAft>
+                          <a:spcPts val="0"/>
+                        </a:spcAft>
+                      </a:pPr>
+                      <a:r>
+                        <a:rPr lang="es-MX" sz="1800" dirty="0">
+                          <a:effectLst/>
+                        </a:rPr>
+                        <a:t>Si</a:t>
+                      </a:r>
+                      <a:endParaRPr lang="es-MX" sz="2400" dirty="0">
+                        <a:effectLst/>
+                        <a:latin typeface="Calibri" panose="020F0502020204030204" pitchFamily="34" charset="0"/>
+                        <a:ea typeface="Calibri" panose="020F0502020204030204" pitchFamily="34" charset="0"/>
+                        <a:cs typeface="Times New Roman" panose="02020603050405020304" pitchFamily="18" charset="0"/>
+                      </a:endParaRPr>
+                    </a:p>
+                  </a:txBody>
+                  <a:tcPr marL="68580" marR="68580" marT="0" marB="0"/>
+                </a:tc>
+                <a:tc>
+                  <a:txBody>
+                    <a:bodyPr/>
+                    <a:lstStyle/>
+                    <a:p>
+                      <a:pPr indent="269875" algn="ctr">
+                        <a:spcAft>
+                          <a:spcPts val="0"/>
+                        </a:spcAft>
+                      </a:pPr>
+                      <a:r>
+                        <a:rPr lang="es-MX" sz="1800" dirty="0">
+                          <a:effectLst/>
+                        </a:rPr>
+                        <a:t>Si</a:t>
+                      </a:r>
+                      <a:endParaRPr lang="es-MX" sz="2400" dirty="0">
+                        <a:effectLst/>
+                        <a:latin typeface="Calibri" panose="020F0502020204030204" pitchFamily="34" charset="0"/>
+                        <a:ea typeface="Calibri" panose="020F0502020204030204" pitchFamily="34" charset="0"/>
+                        <a:cs typeface="Times New Roman" panose="02020603050405020304" pitchFamily="18" charset="0"/>
+                      </a:endParaRPr>
+                    </a:p>
+                  </a:txBody>
+                  <a:tcPr marL="68580" marR="68580" marT="0" marB="0"/>
+                </a:tc>
+                <a:tc>
+                  <a:txBody>
+                    <a:bodyPr/>
+                    <a:lstStyle/>
+                    <a:p>
+                      <a:pPr indent="269875" algn="ctr">
+                        <a:spcAft>
+                          <a:spcPts val="0"/>
+                        </a:spcAft>
+                      </a:pPr>
+                      <a:r>
+                        <a:rPr lang="es-MX" sz="1800">
+                          <a:effectLst/>
+                        </a:rPr>
+                        <a:t>Activo</a:t>
+                      </a:r>
+                      <a:endParaRPr lang="es-MX" sz="2400">
+                        <a:effectLst/>
+                        <a:latin typeface="Calibri" panose="020F0502020204030204" pitchFamily="34" charset="0"/>
+                        <a:ea typeface="Calibri" panose="020F0502020204030204" pitchFamily="34" charset="0"/>
+                        <a:cs typeface="Times New Roman" panose="02020603050405020304" pitchFamily="18" charset="0"/>
+                      </a:endParaRPr>
+                    </a:p>
+                  </a:txBody>
+                  <a:tcPr marL="68580" marR="68580" marT="0" marB="0"/>
+                </a:tc>
+                <a:tc>
+                  <a:txBody>
+                    <a:bodyPr/>
+                    <a:lstStyle/>
+                    <a:p>
+                      <a:pPr indent="269875" algn="ctr">
+                        <a:spcAft>
+                          <a:spcPts val="0"/>
+                        </a:spcAft>
+                      </a:pPr>
+                      <a:r>
+                        <a:rPr lang="es-MX" sz="1800">
+                          <a:effectLst/>
+                        </a:rPr>
+                        <a:t>Ambos</a:t>
+                      </a:r>
+                      <a:endParaRPr lang="es-MX" sz="2400">
+                        <a:effectLst/>
+                        <a:latin typeface="Calibri" panose="020F0502020204030204" pitchFamily="34" charset="0"/>
+                        <a:ea typeface="Calibri" panose="020F0502020204030204" pitchFamily="34" charset="0"/>
+                        <a:cs typeface="Times New Roman" panose="02020603050405020304" pitchFamily="18" charset="0"/>
+                      </a:endParaRPr>
+                    </a:p>
+                  </a:txBody>
+                  <a:tcPr marL="68580" marR="68580" marT="0" marB="0"/>
+                </a:tc>
+                <a:extLst>
+                  <a:ext uri="{0D108BD9-81ED-4DB2-BD59-A6C34878D82A}">
+                    <a16:rowId xmlns:a16="http://schemas.microsoft.com/office/drawing/2014/main" val="1474945802"/>
+                  </a:ext>
+                </a:extLst>
+              </a:tr>
+              <a:tr h="363993">
+                <a:tc>
+                  <a:txBody>
+                    <a:bodyPr/>
+                    <a:lstStyle/>
+                    <a:p>
+                      <a:pPr indent="269875" algn="just">
+                        <a:spcAft>
+                          <a:spcPts val="0"/>
+                        </a:spcAft>
+                      </a:pPr>
+                      <a:r>
+                        <a:rPr lang="es-MX" sz="1200">
+                          <a:effectLst/>
+                        </a:rPr>
+                        <a:t>Apache Jena</a:t>
+                      </a:r>
+                      <a:endParaRPr lang="es-MX" sz="1600">
+                        <a:effectLst/>
+                        <a:latin typeface="Calibri" panose="020F0502020204030204" pitchFamily="34" charset="0"/>
+                        <a:ea typeface="Calibri" panose="020F0502020204030204" pitchFamily="34" charset="0"/>
+                        <a:cs typeface="Times New Roman" panose="02020603050405020304" pitchFamily="18" charset="0"/>
+                      </a:endParaRPr>
+                    </a:p>
+                  </a:txBody>
+                  <a:tcPr marL="68580" marR="68580" marT="0" marB="0"/>
+                </a:tc>
+                <a:tc>
+                  <a:txBody>
+                    <a:bodyPr/>
+                    <a:lstStyle/>
+                    <a:p>
+                      <a:pPr indent="269875" algn="ctr">
+                        <a:spcAft>
+                          <a:spcPts val="0"/>
+                        </a:spcAft>
+                      </a:pPr>
+                      <a:r>
+                        <a:rPr lang="es-MX" sz="1800" dirty="0">
+                          <a:effectLst/>
+                        </a:rPr>
+                        <a:t>Si</a:t>
+                      </a:r>
+                      <a:endParaRPr lang="es-MX" sz="2400" dirty="0">
+                        <a:effectLst/>
+                        <a:latin typeface="Calibri" panose="020F0502020204030204" pitchFamily="34" charset="0"/>
+                        <a:ea typeface="Calibri" panose="020F0502020204030204" pitchFamily="34" charset="0"/>
+                        <a:cs typeface="Times New Roman" panose="02020603050405020304" pitchFamily="18" charset="0"/>
+                      </a:endParaRPr>
+                    </a:p>
+                  </a:txBody>
+                  <a:tcPr marL="68580" marR="68580" marT="0" marB="0"/>
+                </a:tc>
+                <a:tc>
+                  <a:txBody>
+                    <a:bodyPr/>
+                    <a:lstStyle/>
+                    <a:p>
+                      <a:pPr indent="269875" algn="ctr">
+                        <a:spcAft>
+                          <a:spcPts val="0"/>
+                        </a:spcAft>
+                      </a:pPr>
+                      <a:r>
+                        <a:rPr lang="es-MX" sz="1800" dirty="0">
+                          <a:effectLst/>
+                        </a:rPr>
+                        <a:t>Si</a:t>
+                      </a:r>
+                      <a:endParaRPr lang="es-MX" sz="2400" dirty="0">
+                        <a:effectLst/>
+                        <a:latin typeface="Calibri" panose="020F0502020204030204" pitchFamily="34" charset="0"/>
+                        <a:ea typeface="Calibri" panose="020F0502020204030204" pitchFamily="34" charset="0"/>
+                        <a:cs typeface="Times New Roman" panose="02020603050405020304" pitchFamily="18" charset="0"/>
+                      </a:endParaRPr>
+                    </a:p>
+                  </a:txBody>
+                  <a:tcPr marL="68580" marR="68580" marT="0" marB="0"/>
+                </a:tc>
+                <a:tc>
+                  <a:txBody>
+                    <a:bodyPr/>
+                    <a:lstStyle/>
+                    <a:p>
+                      <a:pPr indent="269875" algn="ctr">
+                        <a:spcAft>
+                          <a:spcPts val="0"/>
+                        </a:spcAft>
+                      </a:pPr>
+                      <a:r>
+                        <a:rPr lang="es-MX" sz="1800">
+                          <a:effectLst/>
+                        </a:rPr>
+                        <a:t>Activo</a:t>
+                      </a:r>
+                      <a:endParaRPr lang="es-MX" sz="2400">
+                        <a:effectLst/>
+                        <a:latin typeface="Calibri" panose="020F0502020204030204" pitchFamily="34" charset="0"/>
+                        <a:ea typeface="Calibri" panose="020F0502020204030204" pitchFamily="34" charset="0"/>
+                        <a:cs typeface="Times New Roman" panose="02020603050405020304" pitchFamily="18" charset="0"/>
+                      </a:endParaRPr>
+                    </a:p>
+                  </a:txBody>
+                  <a:tcPr marL="68580" marR="68580" marT="0" marB="0"/>
+                </a:tc>
+                <a:tc>
+                  <a:txBody>
+                    <a:bodyPr/>
+                    <a:lstStyle/>
+                    <a:p>
+                      <a:pPr indent="269875" algn="ctr">
+                        <a:spcAft>
+                          <a:spcPts val="0"/>
+                        </a:spcAft>
+                      </a:pPr>
+                      <a:r>
+                        <a:rPr lang="es-MX" sz="1800">
+                          <a:effectLst/>
+                        </a:rPr>
+                        <a:t>Libre</a:t>
+                      </a:r>
+                      <a:endParaRPr lang="es-MX" sz="2400">
+                        <a:effectLst/>
+                        <a:latin typeface="Calibri" panose="020F0502020204030204" pitchFamily="34" charset="0"/>
+                        <a:ea typeface="Calibri" panose="020F0502020204030204" pitchFamily="34" charset="0"/>
+                        <a:cs typeface="Times New Roman" panose="02020603050405020304" pitchFamily="18" charset="0"/>
+                      </a:endParaRPr>
+                    </a:p>
+                  </a:txBody>
+                  <a:tcPr marL="68580" marR="68580" marT="0" marB="0"/>
+                </a:tc>
+                <a:extLst>
+                  <a:ext uri="{0D108BD9-81ED-4DB2-BD59-A6C34878D82A}">
+                    <a16:rowId xmlns:a16="http://schemas.microsoft.com/office/drawing/2014/main" val="210139310"/>
+                  </a:ext>
+                </a:extLst>
+              </a:tr>
+              <a:tr h="363993">
+                <a:tc>
+                  <a:txBody>
+                    <a:bodyPr/>
+                    <a:lstStyle/>
+                    <a:p>
+                      <a:pPr indent="269875" algn="just">
+                        <a:spcAft>
+                          <a:spcPts val="0"/>
+                        </a:spcAft>
+                      </a:pPr>
+                      <a:r>
+                        <a:rPr lang="es-MX" sz="1200">
+                          <a:effectLst/>
+                        </a:rPr>
+                        <a:t>Apache Marmotta</a:t>
+                      </a:r>
+                      <a:endParaRPr lang="es-MX" sz="1600">
+                        <a:effectLst/>
+                        <a:latin typeface="Calibri" panose="020F0502020204030204" pitchFamily="34" charset="0"/>
+                        <a:ea typeface="Calibri" panose="020F0502020204030204" pitchFamily="34" charset="0"/>
+                        <a:cs typeface="Times New Roman" panose="02020603050405020304" pitchFamily="18" charset="0"/>
+                      </a:endParaRPr>
+                    </a:p>
+                  </a:txBody>
+                  <a:tcPr marL="68580" marR="68580" marT="0" marB="0"/>
+                </a:tc>
+                <a:tc>
+                  <a:txBody>
+                    <a:bodyPr/>
+                    <a:lstStyle/>
+                    <a:p>
+                      <a:pPr indent="269875" algn="ctr">
+                        <a:spcAft>
+                          <a:spcPts val="0"/>
+                        </a:spcAft>
+                      </a:pPr>
+                      <a:r>
+                        <a:rPr lang="es-MX" sz="1800" dirty="0">
+                          <a:effectLst/>
+                        </a:rPr>
+                        <a:t>No</a:t>
+                      </a:r>
+                      <a:endParaRPr lang="es-MX" sz="2400" dirty="0">
+                        <a:effectLst/>
+                        <a:latin typeface="Calibri" panose="020F0502020204030204" pitchFamily="34" charset="0"/>
+                        <a:ea typeface="Calibri" panose="020F0502020204030204" pitchFamily="34" charset="0"/>
+                        <a:cs typeface="Times New Roman" panose="02020603050405020304" pitchFamily="18" charset="0"/>
+                      </a:endParaRPr>
+                    </a:p>
+                  </a:txBody>
+                  <a:tcPr marL="68580" marR="68580" marT="0" marB="0"/>
+                </a:tc>
+                <a:tc>
+                  <a:txBody>
+                    <a:bodyPr/>
+                    <a:lstStyle/>
+                    <a:p>
+                      <a:pPr indent="269875" algn="ctr">
+                        <a:spcAft>
+                          <a:spcPts val="0"/>
+                        </a:spcAft>
+                      </a:pPr>
+                      <a:r>
+                        <a:rPr lang="es-MX" sz="1800" dirty="0">
+                          <a:effectLst/>
+                        </a:rPr>
+                        <a:t>Si</a:t>
+                      </a:r>
+                      <a:endParaRPr lang="es-MX" sz="2400" dirty="0">
+                        <a:effectLst/>
+                        <a:latin typeface="Calibri" panose="020F0502020204030204" pitchFamily="34" charset="0"/>
+                        <a:ea typeface="Calibri" panose="020F0502020204030204" pitchFamily="34" charset="0"/>
+                        <a:cs typeface="Times New Roman" panose="02020603050405020304" pitchFamily="18" charset="0"/>
+                      </a:endParaRPr>
+                    </a:p>
+                  </a:txBody>
+                  <a:tcPr marL="68580" marR="68580" marT="0" marB="0"/>
+                </a:tc>
+                <a:tc>
+                  <a:txBody>
+                    <a:bodyPr/>
+                    <a:lstStyle/>
+                    <a:p>
+                      <a:pPr indent="269875" algn="ctr">
+                        <a:spcAft>
+                          <a:spcPts val="0"/>
+                        </a:spcAft>
+                      </a:pPr>
+                      <a:r>
+                        <a:rPr lang="es-MX" sz="1800" dirty="0">
+                          <a:effectLst/>
+                        </a:rPr>
+                        <a:t>Activo</a:t>
+                      </a:r>
+                      <a:endParaRPr lang="es-MX" sz="2400" dirty="0">
+                        <a:effectLst/>
+                        <a:latin typeface="Calibri" panose="020F0502020204030204" pitchFamily="34" charset="0"/>
+                        <a:ea typeface="Calibri" panose="020F0502020204030204" pitchFamily="34" charset="0"/>
+                        <a:cs typeface="Times New Roman" panose="02020603050405020304" pitchFamily="18" charset="0"/>
+                      </a:endParaRPr>
+                    </a:p>
+                  </a:txBody>
+                  <a:tcPr marL="68580" marR="68580" marT="0" marB="0"/>
+                </a:tc>
+                <a:tc>
+                  <a:txBody>
+                    <a:bodyPr/>
+                    <a:lstStyle/>
+                    <a:p>
+                      <a:pPr indent="269875" algn="ctr">
+                        <a:spcAft>
+                          <a:spcPts val="0"/>
+                        </a:spcAft>
+                      </a:pPr>
+                      <a:r>
+                        <a:rPr lang="es-MX" sz="1800" dirty="0">
+                          <a:effectLst/>
+                        </a:rPr>
+                        <a:t>Libre</a:t>
+                      </a:r>
+                      <a:endParaRPr lang="es-MX" sz="2400" dirty="0">
+                        <a:effectLst/>
+                        <a:latin typeface="Calibri" panose="020F0502020204030204" pitchFamily="34" charset="0"/>
+                        <a:ea typeface="Calibri" panose="020F0502020204030204" pitchFamily="34" charset="0"/>
+                        <a:cs typeface="Times New Roman" panose="02020603050405020304" pitchFamily="18" charset="0"/>
+                      </a:endParaRPr>
+                    </a:p>
+                  </a:txBody>
+                  <a:tcPr marL="68580" marR="68580" marT="0" marB="0"/>
+                </a:tc>
+                <a:extLst>
+                  <a:ext uri="{0D108BD9-81ED-4DB2-BD59-A6C34878D82A}">
+                    <a16:rowId xmlns:a16="http://schemas.microsoft.com/office/drawing/2014/main" val="2221113609"/>
+                  </a:ext>
+                </a:extLst>
+              </a:tr>
+            </a:tbl>
+          </a:graphicData>
+        </a:graphic>
+      </p:graphicFrame>
+      <p:sp>
+        <p:nvSpPr>
+          <p:cNvPr id="9" name="CuadroTexto 8">
+            <a:extLst>
+              <a:ext uri="{FF2B5EF4-FFF2-40B4-BE49-F238E27FC236}">
+                <a16:creationId xmlns:a16="http://schemas.microsoft.com/office/drawing/2014/main" id="{36255178-E699-4130-87F3-E4DC34E15AC1}"/>
+              </a:ext>
+            </a:extLst>
+          </p:cNvPr>
+          <p:cNvSpPr txBox="1"/>
+          <p:nvPr/>
+        </p:nvSpPr>
+        <p:spPr>
+          <a:xfrm>
+            <a:off x="4797027" y="3259723"/>
+            <a:ext cx="2597946" cy="338554"/>
+          </a:xfrm>
+          <a:prstGeom prst="rect">
+            <a:avLst/>
+          </a:prstGeom>
+          <a:noFill/>
+        </p:spPr>
+        <p:txBody>
+          <a:bodyPr wrap="square" rtlCol="0">
+            <a:spAutoFit/>
+          </a:bodyPr>
+          <a:lstStyle/>
+          <a:p>
+            <a:pPr algn="ctr"/>
+            <a:r>
+              <a:rPr lang="es-MX" sz="1600" dirty="0"/>
+              <a:t>Tabla 1 </a:t>
+            </a:r>
+            <a:r>
+              <a:rPr lang="es-MX" sz="1600" i="1" dirty="0"/>
+              <a:t>Triple store </a:t>
+            </a:r>
+            <a:r>
+              <a:rPr lang="es-MX" sz="1600" dirty="0"/>
+              <a:t>actuales</a:t>
+            </a:r>
+          </a:p>
+        </p:txBody>
+      </p:sp>
+      <p:sp>
+        <p:nvSpPr>
+          <p:cNvPr id="10" name="Marcador de contenido 2">
+            <a:extLst>
+              <a:ext uri="{FF2B5EF4-FFF2-40B4-BE49-F238E27FC236}">
+                <a16:creationId xmlns:a16="http://schemas.microsoft.com/office/drawing/2014/main" id="{4178B74B-5574-41A9-BF3B-06D251807C96}"/>
+              </a:ext>
+            </a:extLst>
+          </p:cNvPr>
+          <p:cNvSpPr txBox="1">
+            <a:spLocks/>
+          </p:cNvSpPr>
+          <p:nvPr/>
+        </p:nvSpPr>
+        <p:spPr>
+          <a:xfrm>
+            <a:off x="1381125" y="2305708"/>
+            <a:ext cx="9105899" cy="2585138"/>
           </a:xfrm>
           <a:prstGeom prst="rect">
             <a:avLst/>
@@ -12543,1344 +13898,6 @@
           </a:lstStyle>
           <a:p>
             <a:r>
-              <a:rPr lang="es-MX" i="1" dirty="0"/>
-              <a:t>Benchmarking</a:t>
-            </a:r>
-          </a:p>
-          <a:p>
-            <a:pPr lvl="1"/>
-            <a:r>
-              <a:rPr lang="es-MX" dirty="0"/>
-              <a:t>Está basado en 3 artículos que proponen cómo llevar a cabo la prueba [5][6][7].</a:t>
-            </a:r>
-          </a:p>
-          <a:p>
-            <a:pPr lvl="1"/>
-            <a:r>
-              <a:rPr lang="es-MX" dirty="0"/>
-              <a:t>La comparación entre plataformas similares permite identificar fortalezas y debilidades de cada uno.</a:t>
-            </a:r>
-          </a:p>
-          <a:p>
-            <a:pPr lvl="1"/>
-            <a:r>
-              <a:rPr lang="es-MX" dirty="0"/>
-              <a:t>La prueba permitiría optimizar el módulo de consultas a desarrollar.</a:t>
-            </a:r>
-          </a:p>
-          <a:p>
-            <a:pPr lvl="1"/>
-            <a:endParaRPr lang="es-MX" dirty="0"/>
-          </a:p>
-        </p:txBody>
-      </p:sp>
-      <p:pic>
-        <p:nvPicPr>
-          <p:cNvPr id="2050" name="Picture 2" descr="Imagen relacionada">
-            <a:extLst>
-              <a:ext uri="{FF2B5EF4-FFF2-40B4-BE49-F238E27FC236}">
-                <a16:creationId xmlns:a16="http://schemas.microsoft.com/office/drawing/2014/main" id="{97950C41-BE45-4A45-9B8E-9FD5B1609C85}"/>
-              </a:ext>
-            </a:extLst>
-          </p:cNvPr>
-          <p:cNvPicPr>
-            <a:picLocks noChangeAspect="1" noChangeArrowheads="1"/>
-          </p:cNvPicPr>
-          <p:nvPr/>
-        </p:nvPicPr>
-        <p:blipFill>
-          <a:blip r:embed="rId4">
-            <a:extLst>
-              <a:ext uri="{28A0092B-C50C-407E-A947-70E740481C1C}">
-                <a14:useLocalDpi xmlns:a14="http://schemas.microsoft.com/office/drawing/2010/main" val="0"/>
-              </a:ext>
-            </a:extLst>
-          </a:blip>
-          <a:srcRect/>
-          <a:stretch>
-            <a:fillRect/>
-          </a:stretch>
-        </p:blipFill>
-        <p:spPr bwMode="auto">
-          <a:xfrm>
-            <a:off x="8852489" y="5259041"/>
-            <a:ext cx="1423625" cy="1423625"/>
-          </a:xfrm>
-          <a:prstGeom prst="rect">
-            <a:avLst/>
-          </a:prstGeom>
-          <a:noFill/>
-          <a:extLst>
-            <a:ext uri="{909E8E84-426E-40DD-AFC4-6F175D3DCCD1}">
-              <a14:hiddenFill xmlns:a14="http://schemas.microsoft.com/office/drawing/2010/main">
-                <a:solidFill>
-                  <a:srgbClr val="FFFFFF"/>
-                </a:solidFill>
-              </a14:hiddenFill>
-            </a:ext>
-          </a:extLst>
-        </p:spPr>
-      </p:pic>
-    </p:spTree>
-    <p:extLst>
-      <p:ext uri="{BB962C8B-B14F-4D97-AF65-F5344CB8AC3E}">
-        <p14:creationId xmlns:p14="http://schemas.microsoft.com/office/powerpoint/2010/main" val="990923137"/>
-      </p:ext>
-    </p:extLst>
-  </p:cSld>
-  <p:clrMapOvr>
-    <a:masterClrMapping/>
-  </p:clrMapOvr>
-</p:sld>
-</file>
-
-<file path=ppt/slides/slide19.xml><?xml version="1.0" encoding="utf-8"?>
-<p:sld xmlns:a="http://schemas.openxmlformats.org/drawingml/2006/main" xmlns:r="http://schemas.openxmlformats.org/officeDocument/2006/relationships" xmlns:p="http://schemas.openxmlformats.org/presentationml/2006/main">
-  <p:cSld>
-    <p:spTree>
-      <p:nvGrpSpPr>
-        <p:cNvPr id="1" name=""/>
-        <p:cNvGrpSpPr/>
-        <p:nvPr/>
-      </p:nvGrpSpPr>
-      <p:grpSpPr>
-        <a:xfrm>
-          <a:off x="0" y="0"/>
-          <a:ext cx="0" cy="0"/>
-          <a:chOff x="0" y="0"/>
-          <a:chExt cx="0" cy="0"/>
-        </a:xfrm>
-      </p:grpSpPr>
-      <p:sp>
-        <p:nvSpPr>
-          <p:cNvPr id="2" name="Título 1">
-            <a:extLst>
-              <a:ext uri="{FF2B5EF4-FFF2-40B4-BE49-F238E27FC236}">
-                <a16:creationId xmlns:a16="http://schemas.microsoft.com/office/drawing/2014/main" id="{275944B7-C19D-4AB9-B5A8-4D64AEFF28E3}"/>
-              </a:ext>
-            </a:extLst>
-          </p:cNvPr>
-          <p:cNvSpPr>
-            <a:spLocks noGrp="1"/>
-          </p:cNvSpPr>
-          <p:nvPr>
-            <p:ph type="title"/>
-          </p:nvPr>
-        </p:nvSpPr>
-        <p:spPr/>
-        <p:txBody>
-          <a:bodyPr/>
-          <a:lstStyle/>
-          <a:p>
-            <a:r>
-              <a:rPr lang="es-MX" dirty="0"/>
-              <a:t>Justificación</a:t>
-            </a:r>
-          </a:p>
-        </p:txBody>
-      </p:sp>
-      <p:sp>
-        <p:nvSpPr>
-          <p:cNvPr id="4" name="Marcador de número de diapositiva 3">
-            <a:extLst>
-              <a:ext uri="{FF2B5EF4-FFF2-40B4-BE49-F238E27FC236}">
-                <a16:creationId xmlns:a16="http://schemas.microsoft.com/office/drawing/2014/main" id="{891078C5-1733-43EE-8B76-AD83B24BE32A}"/>
-              </a:ext>
-            </a:extLst>
-          </p:cNvPr>
-          <p:cNvSpPr>
-            <a:spLocks noGrp="1"/>
-          </p:cNvSpPr>
-          <p:nvPr>
-            <p:ph type="sldNum" sz="quarter" idx="12"/>
-          </p:nvPr>
-        </p:nvSpPr>
-        <p:spPr/>
-        <p:txBody>
-          <a:bodyPr/>
-          <a:lstStyle/>
-          <a:p>
-            <a:fld id="{F2994100-57F3-4399-9A64-220CD25A867F}" type="slidenum">
-              <a:rPr lang="es-MX" smtClean="0"/>
-              <a:t>19</a:t>
-            </a:fld>
-            <a:endParaRPr lang="es-MX"/>
-          </a:p>
-        </p:txBody>
-      </p:sp>
-      <p:graphicFrame>
-        <p:nvGraphicFramePr>
-          <p:cNvPr id="8" name="Marcador de contenido 7">
-            <a:extLst>
-              <a:ext uri="{FF2B5EF4-FFF2-40B4-BE49-F238E27FC236}">
-                <a16:creationId xmlns:a16="http://schemas.microsoft.com/office/drawing/2014/main" id="{47550D69-754C-4FC2-94DD-C2E352528732}"/>
-              </a:ext>
-            </a:extLst>
-          </p:cNvPr>
-          <p:cNvGraphicFramePr>
-            <a:graphicFrameLocks noGrp="1"/>
-          </p:cNvGraphicFramePr>
-          <p:nvPr>
-            <p:ph idx="1"/>
-            <p:extLst>
-              <p:ext uri="{D42A27DB-BD31-4B8C-83A1-F6EECF244321}">
-                <p14:modId xmlns:p14="http://schemas.microsoft.com/office/powerpoint/2010/main" val="3590431044"/>
-              </p:ext>
-            </p:extLst>
-          </p:nvPr>
-        </p:nvGraphicFramePr>
-        <p:xfrm>
-          <a:off x="2571251" y="3543899"/>
-          <a:ext cx="7182847" cy="2349409"/>
-        </p:xfrm>
-        <a:graphic>
-          <a:graphicData uri="http://schemas.openxmlformats.org/drawingml/2006/table">
-            <a:tbl>
-              <a:tblPr firstRow="1" firstCol="1" bandRow="1">
-                <a:tableStyleId>{5C22544A-7EE6-4342-B048-85BDC9FD1C3A}</a:tableStyleId>
-              </a:tblPr>
-              <a:tblGrid>
-                <a:gridCol w="2023147">
-                  <a:extLst>
-                    <a:ext uri="{9D8B030D-6E8A-4147-A177-3AD203B41FA5}">
-                      <a16:colId xmlns:a16="http://schemas.microsoft.com/office/drawing/2014/main" val="692036006"/>
-                    </a:ext>
-                  </a:extLst>
-                </a:gridCol>
-                <a:gridCol w="1282232">
-                  <a:extLst>
-                    <a:ext uri="{9D8B030D-6E8A-4147-A177-3AD203B41FA5}">
-                      <a16:colId xmlns:a16="http://schemas.microsoft.com/office/drawing/2014/main" val="891984425"/>
-                    </a:ext>
-                  </a:extLst>
-                </a:gridCol>
-                <a:gridCol w="1507904">
-                  <a:extLst>
-                    <a:ext uri="{9D8B030D-6E8A-4147-A177-3AD203B41FA5}">
-                      <a16:colId xmlns:a16="http://schemas.microsoft.com/office/drawing/2014/main" val="1020713085"/>
-                    </a:ext>
-                  </a:extLst>
-                </a:gridCol>
-                <a:gridCol w="1035566">
-                  <a:extLst>
-                    <a:ext uri="{9D8B030D-6E8A-4147-A177-3AD203B41FA5}">
-                      <a16:colId xmlns:a16="http://schemas.microsoft.com/office/drawing/2014/main" val="112840596"/>
-                    </a:ext>
-                  </a:extLst>
-                </a:gridCol>
-                <a:gridCol w="1333998">
-                  <a:extLst>
-                    <a:ext uri="{9D8B030D-6E8A-4147-A177-3AD203B41FA5}">
-                      <a16:colId xmlns:a16="http://schemas.microsoft.com/office/drawing/2014/main" val="3114566095"/>
-                    </a:ext>
-                  </a:extLst>
-                </a:gridCol>
-              </a:tblGrid>
-              <a:tr h="529444">
-                <a:tc>
-                  <a:txBody>
-                    <a:bodyPr/>
-                    <a:lstStyle/>
-                    <a:p>
-                      <a:pPr indent="269875" algn="just">
-                        <a:spcAft>
-                          <a:spcPts val="0"/>
-                        </a:spcAft>
-                      </a:pPr>
-                      <a:r>
-                        <a:rPr lang="es-MX" sz="1200" dirty="0">
-                          <a:effectLst/>
-                        </a:rPr>
-                        <a:t>Nombre</a:t>
-                      </a:r>
-                      <a:endParaRPr lang="es-MX" sz="1600" dirty="0">
-                        <a:effectLst/>
-                        <a:latin typeface="Calibri" panose="020F0502020204030204" pitchFamily="34" charset="0"/>
-                        <a:ea typeface="Calibri" panose="020F0502020204030204" pitchFamily="34" charset="0"/>
-                        <a:cs typeface="Times New Roman" panose="02020603050405020304" pitchFamily="18" charset="0"/>
-                      </a:endParaRPr>
-                    </a:p>
-                  </a:txBody>
-                  <a:tcPr marL="68580" marR="68580" marT="0" marB="0"/>
-                </a:tc>
-                <a:tc>
-                  <a:txBody>
-                    <a:bodyPr/>
-                    <a:lstStyle/>
-                    <a:p>
-                      <a:pPr indent="269875" algn="just">
-                        <a:spcAft>
-                          <a:spcPts val="0"/>
-                        </a:spcAft>
-                      </a:pPr>
-                      <a:r>
-                        <a:rPr lang="es-MX" sz="1200">
-                          <a:effectLst/>
-                        </a:rPr>
-                        <a:t>Consultas Federadas</a:t>
-                      </a:r>
-                      <a:endParaRPr lang="es-MX" sz="1600">
-                        <a:effectLst/>
-                        <a:latin typeface="Calibri" panose="020F0502020204030204" pitchFamily="34" charset="0"/>
-                        <a:ea typeface="Calibri" panose="020F0502020204030204" pitchFamily="34" charset="0"/>
-                        <a:cs typeface="Times New Roman" panose="02020603050405020304" pitchFamily="18" charset="0"/>
-                      </a:endParaRPr>
-                    </a:p>
-                  </a:txBody>
-                  <a:tcPr marL="68580" marR="68580" marT="0" marB="0"/>
-                </a:tc>
-                <a:tc>
-                  <a:txBody>
-                    <a:bodyPr/>
-                    <a:lstStyle/>
-                    <a:p>
-                      <a:pPr indent="269875" algn="just">
-                        <a:spcAft>
-                          <a:spcPts val="0"/>
-                        </a:spcAft>
-                      </a:pPr>
-                      <a:r>
-                        <a:rPr lang="es-MX" sz="1200" dirty="0">
-                          <a:effectLst/>
-                        </a:rPr>
-                        <a:t>GeoSPARQL</a:t>
-                      </a:r>
-                      <a:endParaRPr lang="es-MX" sz="1600" dirty="0">
-                        <a:effectLst/>
-                        <a:latin typeface="Calibri" panose="020F0502020204030204" pitchFamily="34" charset="0"/>
-                        <a:ea typeface="Calibri" panose="020F0502020204030204" pitchFamily="34" charset="0"/>
-                        <a:cs typeface="Times New Roman" panose="02020603050405020304" pitchFamily="18" charset="0"/>
-                      </a:endParaRPr>
-                    </a:p>
-                  </a:txBody>
-                  <a:tcPr marL="68580" marR="68580" marT="0" marB="0"/>
-                </a:tc>
-                <a:tc>
-                  <a:txBody>
-                    <a:bodyPr/>
-                    <a:lstStyle/>
-                    <a:p>
-                      <a:pPr indent="269875" algn="just">
-                        <a:spcAft>
-                          <a:spcPts val="0"/>
-                        </a:spcAft>
-                      </a:pPr>
-                      <a:r>
-                        <a:rPr lang="es-MX" sz="1200" dirty="0">
-                          <a:effectLst/>
-                        </a:rPr>
-                        <a:t>Status</a:t>
-                      </a:r>
-                      <a:endParaRPr lang="es-MX" sz="1600" dirty="0">
-                        <a:effectLst/>
-                        <a:latin typeface="Calibri" panose="020F0502020204030204" pitchFamily="34" charset="0"/>
-                        <a:ea typeface="Calibri" panose="020F0502020204030204" pitchFamily="34" charset="0"/>
-                        <a:cs typeface="Times New Roman" panose="02020603050405020304" pitchFamily="18" charset="0"/>
-                      </a:endParaRPr>
-                    </a:p>
-                  </a:txBody>
-                  <a:tcPr marL="68580" marR="68580" marT="0" marB="0"/>
-                </a:tc>
-                <a:tc>
-                  <a:txBody>
-                    <a:bodyPr/>
-                    <a:lstStyle/>
-                    <a:p>
-                      <a:pPr indent="269875" algn="just">
-                        <a:spcAft>
-                          <a:spcPts val="0"/>
-                        </a:spcAft>
-                      </a:pPr>
-                      <a:r>
-                        <a:rPr lang="es-MX" sz="1200" dirty="0">
-                          <a:effectLst/>
-                        </a:rPr>
-                        <a:t>Libre o pago</a:t>
-                      </a:r>
-                      <a:endParaRPr lang="es-MX" sz="1600" dirty="0">
-                        <a:effectLst/>
-                        <a:latin typeface="Calibri" panose="020F0502020204030204" pitchFamily="34" charset="0"/>
-                        <a:ea typeface="Calibri" panose="020F0502020204030204" pitchFamily="34" charset="0"/>
-                        <a:cs typeface="Times New Roman" panose="02020603050405020304" pitchFamily="18" charset="0"/>
-                      </a:endParaRPr>
-                    </a:p>
-                  </a:txBody>
-                  <a:tcPr marL="68580" marR="68580" marT="0" marB="0"/>
-                </a:tc>
-                <a:extLst>
-                  <a:ext uri="{0D108BD9-81ED-4DB2-BD59-A6C34878D82A}">
-                    <a16:rowId xmlns:a16="http://schemas.microsoft.com/office/drawing/2014/main" val="500428743"/>
-                  </a:ext>
-                </a:extLst>
-              </a:tr>
-              <a:tr h="363993">
-                <a:tc>
-                  <a:txBody>
-                    <a:bodyPr/>
-                    <a:lstStyle/>
-                    <a:p>
-                      <a:pPr indent="269875" algn="just">
-                        <a:spcAft>
-                          <a:spcPts val="0"/>
-                        </a:spcAft>
-                      </a:pPr>
-                      <a:r>
-                        <a:rPr lang="es-MX" sz="1200">
-                          <a:effectLst/>
-                        </a:rPr>
-                        <a:t>Parliament</a:t>
-                      </a:r>
-                      <a:endParaRPr lang="es-MX" sz="1600">
-                        <a:effectLst/>
-                        <a:latin typeface="Calibri" panose="020F0502020204030204" pitchFamily="34" charset="0"/>
-                        <a:ea typeface="Calibri" panose="020F0502020204030204" pitchFamily="34" charset="0"/>
-                        <a:cs typeface="Times New Roman" panose="02020603050405020304" pitchFamily="18" charset="0"/>
-                      </a:endParaRPr>
-                    </a:p>
-                  </a:txBody>
-                  <a:tcPr marL="68580" marR="68580" marT="0" marB="0"/>
-                </a:tc>
-                <a:tc>
-                  <a:txBody>
-                    <a:bodyPr/>
-                    <a:lstStyle/>
-                    <a:p>
-                      <a:pPr indent="269875" algn="ctr">
-                        <a:spcAft>
-                          <a:spcPts val="0"/>
-                        </a:spcAft>
-                      </a:pPr>
-                      <a:r>
-                        <a:rPr lang="es-MX" sz="1800" dirty="0">
-                          <a:effectLst/>
-                        </a:rPr>
-                        <a:t>Si</a:t>
-                      </a:r>
-                      <a:endParaRPr lang="es-MX" sz="2400" dirty="0">
-                        <a:effectLst/>
-                        <a:latin typeface="Calibri" panose="020F0502020204030204" pitchFamily="34" charset="0"/>
-                        <a:ea typeface="Calibri" panose="020F0502020204030204" pitchFamily="34" charset="0"/>
-                        <a:cs typeface="Times New Roman" panose="02020603050405020304" pitchFamily="18" charset="0"/>
-                      </a:endParaRPr>
-                    </a:p>
-                  </a:txBody>
-                  <a:tcPr marL="68580" marR="68580" marT="0" marB="0"/>
-                </a:tc>
-                <a:tc>
-                  <a:txBody>
-                    <a:bodyPr/>
-                    <a:lstStyle/>
-                    <a:p>
-                      <a:pPr indent="269875" algn="ctr">
-                        <a:spcAft>
-                          <a:spcPts val="0"/>
-                        </a:spcAft>
-                      </a:pPr>
-                      <a:r>
-                        <a:rPr lang="es-MX" sz="1800" dirty="0">
-                          <a:effectLst/>
-                        </a:rPr>
-                        <a:t>Si</a:t>
-                      </a:r>
-                      <a:endParaRPr lang="es-MX" sz="2400" dirty="0">
-                        <a:effectLst/>
-                        <a:latin typeface="Calibri" panose="020F0502020204030204" pitchFamily="34" charset="0"/>
-                        <a:ea typeface="Calibri" panose="020F0502020204030204" pitchFamily="34" charset="0"/>
-                        <a:cs typeface="Times New Roman" panose="02020603050405020304" pitchFamily="18" charset="0"/>
-                      </a:endParaRPr>
-                    </a:p>
-                  </a:txBody>
-                  <a:tcPr marL="68580" marR="68580" marT="0" marB="0"/>
-                </a:tc>
-                <a:tc>
-                  <a:txBody>
-                    <a:bodyPr/>
-                    <a:lstStyle/>
-                    <a:p>
-                      <a:pPr indent="269875" algn="ctr">
-                        <a:spcAft>
-                          <a:spcPts val="0"/>
-                        </a:spcAft>
-                      </a:pPr>
-                      <a:r>
-                        <a:rPr lang="es-MX" sz="1800">
-                          <a:effectLst/>
-                        </a:rPr>
-                        <a:t>Activo</a:t>
-                      </a:r>
-                      <a:endParaRPr lang="es-MX" sz="2400">
-                        <a:effectLst/>
-                        <a:latin typeface="Calibri" panose="020F0502020204030204" pitchFamily="34" charset="0"/>
-                        <a:ea typeface="Calibri" panose="020F0502020204030204" pitchFamily="34" charset="0"/>
-                        <a:cs typeface="Times New Roman" panose="02020603050405020304" pitchFamily="18" charset="0"/>
-                      </a:endParaRPr>
-                    </a:p>
-                  </a:txBody>
-                  <a:tcPr marL="68580" marR="68580" marT="0" marB="0"/>
-                </a:tc>
-                <a:tc>
-                  <a:txBody>
-                    <a:bodyPr/>
-                    <a:lstStyle/>
-                    <a:p>
-                      <a:pPr indent="269875" algn="ctr">
-                        <a:spcAft>
-                          <a:spcPts val="0"/>
-                        </a:spcAft>
-                      </a:pPr>
-                      <a:r>
-                        <a:rPr lang="es-MX" sz="1800">
-                          <a:effectLst/>
-                        </a:rPr>
-                        <a:t>Libre</a:t>
-                      </a:r>
-                      <a:endParaRPr lang="es-MX" sz="2400">
-                        <a:effectLst/>
-                        <a:latin typeface="Calibri" panose="020F0502020204030204" pitchFamily="34" charset="0"/>
-                        <a:ea typeface="Calibri" panose="020F0502020204030204" pitchFamily="34" charset="0"/>
-                        <a:cs typeface="Times New Roman" panose="02020603050405020304" pitchFamily="18" charset="0"/>
-                      </a:endParaRPr>
-                    </a:p>
-                  </a:txBody>
-                  <a:tcPr marL="68580" marR="68580" marT="0" marB="0"/>
-                </a:tc>
-                <a:extLst>
-                  <a:ext uri="{0D108BD9-81ED-4DB2-BD59-A6C34878D82A}">
-                    <a16:rowId xmlns:a16="http://schemas.microsoft.com/office/drawing/2014/main" val="182436415"/>
-                  </a:ext>
-                </a:extLst>
-              </a:tr>
-              <a:tr h="363993">
-                <a:tc>
-                  <a:txBody>
-                    <a:bodyPr/>
-                    <a:lstStyle/>
-                    <a:p>
-                      <a:pPr indent="269875" algn="just">
-                        <a:spcAft>
-                          <a:spcPts val="0"/>
-                        </a:spcAft>
-                      </a:pPr>
-                      <a:r>
-                        <a:rPr lang="es-MX" sz="1200">
-                          <a:effectLst/>
-                        </a:rPr>
-                        <a:t>GraphDB</a:t>
-                      </a:r>
-                      <a:endParaRPr lang="es-MX" sz="1600">
-                        <a:effectLst/>
-                        <a:latin typeface="Calibri" panose="020F0502020204030204" pitchFamily="34" charset="0"/>
-                        <a:ea typeface="Calibri" panose="020F0502020204030204" pitchFamily="34" charset="0"/>
-                        <a:cs typeface="Times New Roman" panose="02020603050405020304" pitchFamily="18" charset="0"/>
-                      </a:endParaRPr>
-                    </a:p>
-                  </a:txBody>
-                  <a:tcPr marL="68580" marR="68580" marT="0" marB="0"/>
-                </a:tc>
-                <a:tc>
-                  <a:txBody>
-                    <a:bodyPr/>
-                    <a:lstStyle/>
-                    <a:p>
-                      <a:pPr indent="269875" algn="ctr">
-                        <a:spcAft>
-                          <a:spcPts val="0"/>
-                        </a:spcAft>
-                      </a:pPr>
-                      <a:r>
-                        <a:rPr lang="es-MX" sz="1800" dirty="0">
-                          <a:effectLst/>
-                        </a:rPr>
-                        <a:t>Si</a:t>
-                      </a:r>
-                      <a:endParaRPr lang="es-MX" sz="2400" dirty="0">
-                        <a:effectLst/>
-                        <a:latin typeface="Calibri" panose="020F0502020204030204" pitchFamily="34" charset="0"/>
-                        <a:ea typeface="Calibri" panose="020F0502020204030204" pitchFamily="34" charset="0"/>
-                        <a:cs typeface="Times New Roman" panose="02020603050405020304" pitchFamily="18" charset="0"/>
-                      </a:endParaRPr>
-                    </a:p>
-                  </a:txBody>
-                  <a:tcPr marL="68580" marR="68580" marT="0" marB="0"/>
-                </a:tc>
-                <a:tc>
-                  <a:txBody>
-                    <a:bodyPr/>
-                    <a:lstStyle/>
-                    <a:p>
-                      <a:pPr indent="269875" algn="ctr">
-                        <a:spcAft>
-                          <a:spcPts val="0"/>
-                        </a:spcAft>
-                      </a:pPr>
-                      <a:r>
-                        <a:rPr lang="es-MX" sz="1800" dirty="0">
-                          <a:effectLst/>
-                        </a:rPr>
-                        <a:t>Si</a:t>
-                      </a:r>
-                      <a:endParaRPr lang="es-MX" sz="2400" dirty="0">
-                        <a:effectLst/>
-                        <a:latin typeface="Calibri" panose="020F0502020204030204" pitchFamily="34" charset="0"/>
-                        <a:ea typeface="Calibri" panose="020F0502020204030204" pitchFamily="34" charset="0"/>
-                        <a:cs typeface="Times New Roman" panose="02020603050405020304" pitchFamily="18" charset="0"/>
-                      </a:endParaRPr>
-                    </a:p>
-                  </a:txBody>
-                  <a:tcPr marL="68580" marR="68580" marT="0" marB="0"/>
-                </a:tc>
-                <a:tc>
-                  <a:txBody>
-                    <a:bodyPr/>
-                    <a:lstStyle/>
-                    <a:p>
-                      <a:pPr indent="269875" algn="ctr">
-                        <a:spcAft>
-                          <a:spcPts val="0"/>
-                        </a:spcAft>
-                      </a:pPr>
-                      <a:r>
-                        <a:rPr lang="es-MX" sz="1800">
-                          <a:effectLst/>
-                        </a:rPr>
-                        <a:t>Activo</a:t>
-                      </a:r>
-                      <a:endParaRPr lang="es-MX" sz="2400">
-                        <a:effectLst/>
-                        <a:latin typeface="Calibri" panose="020F0502020204030204" pitchFamily="34" charset="0"/>
-                        <a:ea typeface="Calibri" panose="020F0502020204030204" pitchFamily="34" charset="0"/>
-                        <a:cs typeface="Times New Roman" panose="02020603050405020304" pitchFamily="18" charset="0"/>
-                      </a:endParaRPr>
-                    </a:p>
-                  </a:txBody>
-                  <a:tcPr marL="68580" marR="68580" marT="0" marB="0"/>
-                </a:tc>
-                <a:tc>
-                  <a:txBody>
-                    <a:bodyPr/>
-                    <a:lstStyle/>
-                    <a:p>
-                      <a:pPr indent="269875" algn="ctr">
-                        <a:spcAft>
-                          <a:spcPts val="0"/>
-                        </a:spcAft>
-                      </a:pPr>
-                      <a:r>
-                        <a:rPr lang="es-MX" sz="1800" dirty="0">
-                          <a:effectLst/>
-                        </a:rPr>
-                        <a:t>Ambos</a:t>
-                      </a:r>
-                      <a:endParaRPr lang="es-MX" sz="2400" dirty="0">
-                        <a:effectLst/>
-                        <a:latin typeface="Calibri" panose="020F0502020204030204" pitchFamily="34" charset="0"/>
-                        <a:ea typeface="Calibri" panose="020F0502020204030204" pitchFamily="34" charset="0"/>
-                        <a:cs typeface="Times New Roman" panose="02020603050405020304" pitchFamily="18" charset="0"/>
-                      </a:endParaRPr>
-                    </a:p>
-                  </a:txBody>
-                  <a:tcPr marL="68580" marR="68580" marT="0" marB="0"/>
-                </a:tc>
-                <a:extLst>
-                  <a:ext uri="{0D108BD9-81ED-4DB2-BD59-A6C34878D82A}">
-                    <a16:rowId xmlns:a16="http://schemas.microsoft.com/office/drawing/2014/main" val="2150726840"/>
-                  </a:ext>
-                </a:extLst>
-              </a:tr>
-              <a:tr h="363993">
-                <a:tc>
-                  <a:txBody>
-                    <a:bodyPr/>
-                    <a:lstStyle/>
-                    <a:p>
-                      <a:pPr indent="269875" algn="just">
-                        <a:spcAft>
-                          <a:spcPts val="0"/>
-                        </a:spcAft>
-                      </a:pPr>
-                      <a:r>
-                        <a:rPr lang="es-MX" sz="1200">
-                          <a:effectLst/>
-                        </a:rPr>
-                        <a:t>OpenLink Virtuoso</a:t>
-                      </a:r>
-                      <a:endParaRPr lang="es-MX" sz="1600">
-                        <a:effectLst/>
-                        <a:latin typeface="Calibri" panose="020F0502020204030204" pitchFamily="34" charset="0"/>
-                        <a:ea typeface="Calibri" panose="020F0502020204030204" pitchFamily="34" charset="0"/>
-                        <a:cs typeface="Times New Roman" panose="02020603050405020304" pitchFamily="18" charset="0"/>
-                      </a:endParaRPr>
-                    </a:p>
-                  </a:txBody>
-                  <a:tcPr marL="68580" marR="68580" marT="0" marB="0"/>
-                </a:tc>
-                <a:tc>
-                  <a:txBody>
-                    <a:bodyPr/>
-                    <a:lstStyle/>
-                    <a:p>
-                      <a:pPr indent="269875" algn="ctr">
-                        <a:spcAft>
-                          <a:spcPts val="0"/>
-                        </a:spcAft>
-                      </a:pPr>
-                      <a:r>
-                        <a:rPr lang="es-MX" sz="1800" dirty="0">
-                          <a:effectLst/>
-                        </a:rPr>
-                        <a:t>Si</a:t>
-                      </a:r>
-                      <a:endParaRPr lang="es-MX" sz="2400" dirty="0">
-                        <a:effectLst/>
-                        <a:latin typeface="Calibri" panose="020F0502020204030204" pitchFamily="34" charset="0"/>
-                        <a:ea typeface="Calibri" panose="020F0502020204030204" pitchFamily="34" charset="0"/>
-                        <a:cs typeface="Times New Roman" panose="02020603050405020304" pitchFamily="18" charset="0"/>
-                      </a:endParaRPr>
-                    </a:p>
-                  </a:txBody>
-                  <a:tcPr marL="68580" marR="68580" marT="0" marB="0"/>
-                </a:tc>
-                <a:tc>
-                  <a:txBody>
-                    <a:bodyPr/>
-                    <a:lstStyle/>
-                    <a:p>
-                      <a:pPr indent="269875" algn="ctr">
-                        <a:spcAft>
-                          <a:spcPts val="0"/>
-                        </a:spcAft>
-                      </a:pPr>
-                      <a:r>
-                        <a:rPr lang="es-MX" sz="1800" dirty="0">
-                          <a:effectLst/>
-                        </a:rPr>
-                        <a:t>Si</a:t>
-                      </a:r>
-                      <a:endParaRPr lang="es-MX" sz="2400" dirty="0">
-                        <a:effectLst/>
-                        <a:latin typeface="Calibri" panose="020F0502020204030204" pitchFamily="34" charset="0"/>
-                        <a:ea typeface="Calibri" panose="020F0502020204030204" pitchFamily="34" charset="0"/>
-                        <a:cs typeface="Times New Roman" panose="02020603050405020304" pitchFamily="18" charset="0"/>
-                      </a:endParaRPr>
-                    </a:p>
-                  </a:txBody>
-                  <a:tcPr marL="68580" marR="68580" marT="0" marB="0"/>
-                </a:tc>
-                <a:tc>
-                  <a:txBody>
-                    <a:bodyPr/>
-                    <a:lstStyle/>
-                    <a:p>
-                      <a:pPr indent="269875" algn="ctr">
-                        <a:spcAft>
-                          <a:spcPts val="0"/>
-                        </a:spcAft>
-                      </a:pPr>
-                      <a:r>
-                        <a:rPr lang="es-MX" sz="1800">
-                          <a:effectLst/>
-                        </a:rPr>
-                        <a:t>Activo</a:t>
-                      </a:r>
-                      <a:endParaRPr lang="es-MX" sz="2400">
-                        <a:effectLst/>
-                        <a:latin typeface="Calibri" panose="020F0502020204030204" pitchFamily="34" charset="0"/>
-                        <a:ea typeface="Calibri" panose="020F0502020204030204" pitchFamily="34" charset="0"/>
-                        <a:cs typeface="Times New Roman" panose="02020603050405020304" pitchFamily="18" charset="0"/>
-                      </a:endParaRPr>
-                    </a:p>
-                  </a:txBody>
-                  <a:tcPr marL="68580" marR="68580" marT="0" marB="0"/>
-                </a:tc>
-                <a:tc>
-                  <a:txBody>
-                    <a:bodyPr/>
-                    <a:lstStyle/>
-                    <a:p>
-                      <a:pPr indent="269875" algn="ctr">
-                        <a:spcAft>
-                          <a:spcPts val="0"/>
-                        </a:spcAft>
-                      </a:pPr>
-                      <a:r>
-                        <a:rPr lang="es-MX" sz="1800">
-                          <a:effectLst/>
-                        </a:rPr>
-                        <a:t>Ambos</a:t>
-                      </a:r>
-                      <a:endParaRPr lang="es-MX" sz="2400">
-                        <a:effectLst/>
-                        <a:latin typeface="Calibri" panose="020F0502020204030204" pitchFamily="34" charset="0"/>
-                        <a:ea typeface="Calibri" panose="020F0502020204030204" pitchFamily="34" charset="0"/>
-                        <a:cs typeface="Times New Roman" panose="02020603050405020304" pitchFamily="18" charset="0"/>
-                      </a:endParaRPr>
-                    </a:p>
-                  </a:txBody>
-                  <a:tcPr marL="68580" marR="68580" marT="0" marB="0"/>
-                </a:tc>
-                <a:extLst>
-                  <a:ext uri="{0D108BD9-81ED-4DB2-BD59-A6C34878D82A}">
-                    <a16:rowId xmlns:a16="http://schemas.microsoft.com/office/drawing/2014/main" val="1474945802"/>
-                  </a:ext>
-                </a:extLst>
-              </a:tr>
-              <a:tr h="363993">
-                <a:tc>
-                  <a:txBody>
-                    <a:bodyPr/>
-                    <a:lstStyle/>
-                    <a:p>
-                      <a:pPr indent="269875" algn="just">
-                        <a:spcAft>
-                          <a:spcPts val="0"/>
-                        </a:spcAft>
-                      </a:pPr>
-                      <a:r>
-                        <a:rPr lang="es-MX" sz="1200">
-                          <a:effectLst/>
-                        </a:rPr>
-                        <a:t>Apache Jena</a:t>
-                      </a:r>
-                      <a:endParaRPr lang="es-MX" sz="1600">
-                        <a:effectLst/>
-                        <a:latin typeface="Calibri" panose="020F0502020204030204" pitchFamily="34" charset="0"/>
-                        <a:ea typeface="Calibri" panose="020F0502020204030204" pitchFamily="34" charset="0"/>
-                        <a:cs typeface="Times New Roman" panose="02020603050405020304" pitchFamily="18" charset="0"/>
-                      </a:endParaRPr>
-                    </a:p>
-                  </a:txBody>
-                  <a:tcPr marL="68580" marR="68580" marT="0" marB="0"/>
-                </a:tc>
-                <a:tc>
-                  <a:txBody>
-                    <a:bodyPr/>
-                    <a:lstStyle/>
-                    <a:p>
-                      <a:pPr indent="269875" algn="ctr">
-                        <a:spcAft>
-                          <a:spcPts val="0"/>
-                        </a:spcAft>
-                      </a:pPr>
-                      <a:r>
-                        <a:rPr lang="es-MX" sz="1800" dirty="0">
-                          <a:effectLst/>
-                        </a:rPr>
-                        <a:t>Si</a:t>
-                      </a:r>
-                      <a:endParaRPr lang="es-MX" sz="2400" dirty="0">
-                        <a:effectLst/>
-                        <a:latin typeface="Calibri" panose="020F0502020204030204" pitchFamily="34" charset="0"/>
-                        <a:ea typeface="Calibri" panose="020F0502020204030204" pitchFamily="34" charset="0"/>
-                        <a:cs typeface="Times New Roman" panose="02020603050405020304" pitchFamily="18" charset="0"/>
-                      </a:endParaRPr>
-                    </a:p>
-                  </a:txBody>
-                  <a:tcPr marL="68580" marR="68580" marT="0" marB="0"/>
-                </a:tc>
-                <a:tc>
-                  <a:txBody>
-                    <a:bodyPr/>
-                    <a:lstStyle/>
-                    <a:p>
-                      <a:pPr indent="269875" algn="ctr">
-                        <a:spcAft>
-                          <a:spcPts val="0"/>
-                        </a:spcAft>
-                      </a:pPr>
-                      <a:r>
-                        <a:rPr lang="es-MX" sz="1800" dirty="0">
-                          <a:effectLst/>
-                        </a:rPr>
-                        <a:t>Si</a:t>
-                      </a:r>
-                      <a:endParaRPr lang="es-MX" sz="2400" dirty="0">
-                        <a:effectLst/>
-                        <a:latin typeface="Calibri" panose="020F0502020204030204" pitchFamily="34" charset="0"/>
-                        <a:ea typeface="Calibri" panose="020F0502020204030204" pitchFamily="34" charset="0"/>
-                        <a:cs typeface="Times New Roman" panose="02020603050405020304" pitchFamily="18" charset="0"/>
-                      </a:endParaRPr>
-                    </a:p>
-                  </a:txBody>
-                  <a:tcPr marL="68580" marR="68580" marT="0" marB="0"/>
-                </a:tc>
-                <a:tc>
-                  <a:txBody>
-                    <a:bodyPr/>
-                    <a:lstStyle/>
-                    <a:p>
-                      <a:pPr indent="269875" algn="ctr">
-                        <a:spcAft>
-                          <a:spcPts val="0"/>
-                        </a:spcAft>
-                      </a:pPr>
-                      <a:r>
-                        <a:rPr lang="es-MX" sz="1800">
-                          <a:effectLst/>
-                        </a:rPr>
-                        <a:t>Activo</a:t>
-                      </a:r>
-                      <a:endParaRPr lang="es-MX" sz="2400">
-                        <a:effectLst/>
-                        <a:latin typeface="Calibri" panose="020F0502020204030204" pitchFamily="34" charset="0"/>
-                        <a:ea typeface="Calibri" panose="020F0502020204030204" pitchFamily="34" charset="0"/>
-                        <a:cs typeface="Times New Roman" panose="02020603050405020304" pitchFamily="18" charset="0"/>
-                      </a:endParaRPr>
-                    </a:p>
-                  </a:txBody>
-                  <a:tcPr marL="68580" marR="68580" marT="0" marB="0"/>
-                </a:tc>
-                <a:tc>
-                  <a:txBody>
-                    <a:bodyPr/>
-                    <a:lstStyle/>
-                    <a:p>
-                      <a:pPr indent="269875" algn="ctr">
-                        <a:spcAft>
-                          <a:spcPts val="0"/>
-                        </a:spcAft>
-                      </a:pPr>
-                      <a:r>
-                        <a:rPr lang="es-MX" sz="1800">
-                          <a:effectLst/>
-                        </a:rPr>
-                        <a:t>Libre</a:t>
-                      </a:r>
-                      <a:endParaRPr lang="es-MX" sz="2400">
-                        <a:effectLst/>
-                        <a:latin typeface="Calibri" panose="020F0502020204030204" pitchFamily="34" charset="0"/>
-                        <a:ea typeface="Calibri" panose="020F0502020204030204" pitchFamily="34" charset="0"/>
-                        <a:cs typeface="Times New Roman" panose="02020603050405020304" pitchFamily="18" charset="0"/>
-                      </a:endParaRPr>
-                    </a:p>
-                  </a:txBody>
-                  <a:tcPr marL="68580" marR="68580" marT="0" marB="0"/>
-                </a:tc>
-                <a:extLst>
-                  <a:ext uri="{0D108BD9-81ED-4DB2-BD59-A6C34878D82A}">
-                    <a16:rowId xmlns:a16="http://schemas.microsoft.com/office/drawing/2014/main" val="210139310"/>
-                  </a:ext>
-                </a:extLst>
-              </a:tr>
-              <a:tr h="363993">
-                <a:tc>
-                  <a:txBody>
-                    <a:bodyPr/>
-                    <a:lstStyle/>
-                    <a:p>
-                      <a:pPr indent="269875" algn="just">
-                        <a:spcAft>
-                          <a:spcPts val="0"/>
-                        </a:spcAft>
-                      </a:pPr>
-                      <a:r>
-                        <a:rPr lang="es-MX" sz="1200">
-                          <a:effectLst/>
-                        </a:rPr>
-                        <a:t>Apache Marmotta</a:t>
-                      </a:r>
-                      <a:endParaRPr lang="es-MX" sz="1600">
-                        <a:effectLst/>
-                        <a:latin typeface="Calibri" panose="020F0502020204030204" pitchFamily="34" charset="0"/>
-                        <a:ea typeface="Calibri" panose="020F0502020204030204" pitchFamily="34" charset="0"/>
-                        <a:cs typeface="Times New Roman" panose="02020603050405020304" pitchFamily="18" charset="0"/>
-                      </a:endParaRPr>
-                    </a:p>
-                  </a:txBody>
-                  <a:tcPr marL="68580" marR="68580" marT="0" marB="0"/>
-                </a:tc>
-                <a:tc>
-                  <a:txBody>
-                    <a:bodyPr/>
-                    <a:lstStyle/>
-                    <a:p>
-                      <a:pPr indent="269875" algn="ctr">
-                        <a:spcAft>
-                          <a:spcPts val="0"/>
-                        </a:spcAft>
-                      </a:pPr>
-                      <a:r>
-                        <a:rPr lang="es-MX" sz="1800" dirty="0">
-                          <a:effectLst/>
-                        </a:rPr>
-                        <a:t>No</a:t>
-                      </a:r>
-                      <a:endParaRPr lang="es-MX" sz="2400" dirty="0">
-                        <a:effectLst/>
-                        <a:latin typeface="Calibri" panose="020F0502020204030204" pitchFamily="34" charset="0"/>
-                        <a:ea typeface="Calibri" panose="020F0502020204030204" pitchFamily="34" charset="0"/>
-                        <a:cs typeface="Times New Roman" panose="02020603050405020304" pitchFamily="18" charset="0"/>
-                      </a:endParaRPr>
-                    </a:p>
-                  </a:txBody>
-                  <a:tcPr marL="68580" marR="68580" marT="0" marB="0"/>
-                </a:tc>
-                <a:tc>
-                  <a:txBody>
-                    <a:bodyPr/>
-                    <a:lstStyle/>
-                    <a:p>
-                      <a:pPr indent="269875" algn="ctr">
-                        <a:spcAft>
-                          <a:spcPts val="0"/>
-                        </a:spcAft>
-                      </a:pPr>
-                      <a:r>
-                        <a:rPr lang="es-MX" sz="1800" dirty="0">
-                          <a:effectLst/>
-                        </a:rPr>
-                        <a:t>Si</a:t>
-                      </a:r>
-                      <a:endParaRPr lang="es-MX" sz="2400" dirty="0">
-                        <a:effectLst/>
-                        <a:latin typeface="Calibri" panose="020F0502020204030204" pitchFamily="34" charset="0"/>
-                        <a:ea typeface="Calibri" panose="020F0502020204030204" pitchFamily="34" charset="0"/>
-                        <a:cs typeface="Times New Roman" panose="02020603050405020304" pitchFamily="18" charset="0"/>
-                      </a:endParaRPr>
-                    </a:p>
-                  </a:txBody>
-                  <a:tcPr marL="68580" marR="68580" marT="0" marB="0"/>
-                </a:tc>
-                <a:tc>
-                  <a:txBody>
-                    <a:bodyPr/>
-                    <a:lstStyle/>
-                    <a:p>
-                      <a:pPr indent="269875" algn="ctr">
-                        <a:spcAft>
-                          <a:spcPts val="0"/>
-                        </a:spcAft>
-                      </a:pPr>
-                      <a:r>
-                        <a:rPr lang="es-MX" sz="1800" dirty="0">
-                          <a:effectLst/>
-                        </a:rPr>
-                        <a:t>Activo</a:t>
-                      </a:r>
-                      <a:endParaRPr lang="es-MX" sz="2400" dirty="0">
-                        <a:effectLst/>
-                        <a:latin typeface="Calibri" panose="020F0502020204030204" pitchFamily="34" charset="0"/>
-                        <a:ea typeface="Calibri" panose="020F0502020204030204" pitchFamily="34" charset="0"/>
-                        <a:cs typeface="Times New Roman" panose="02020603050405020304" pitchFamily="18" charset="0"/>
-                      </a:endParaRPr>
-                    </a:p>
-                  </a:txBody>
-                  <a:tcPr marL="68580" marR="68580" marT="0" marB="0"/>
-                </a:tc>
-                <a:tc>
-                  <a:txBody>
-                    <a:bodyPr/>
-                    <a:lstStyle/>
-                    <a:p>
-                      <a:pPr indent="269875" algn="ctr">
-                        <a:spcAft>
-                          <a:spcPts val="0"/>
-                        </a:spcAft>
-                      </a:pPr>
-                      <a:r>
-                        <a:rPr lang="es-MX" sz="1800" dirty="0">
-                          <a:effectLst/>
-                        </a:rPr>
-                        <a:t>Libre</a:t>
-                      </a:r>
-                      <a:endParaRPr lang="es-MX" sz="2400" dirty="0">
-                        <a:effectLst/>
-                        <a:latin typeface="Calibri" panose="020F0502020204030204" pitchFamily="34" charset="0"/>
-                        <a:ea typeface="Calibri" panose="020F0502020204030204" pitchFamily="34" charset="0"/>
-                        <a:cs typeface="Times New Roman" panose="02020603050405020304" pitchFamily="18" charset="0"/>
-                      </a:endParaRPr>
-                    </a:p>
-                  </a:txBody>
-                  <a:tcPr marL="68580" marR="68580" marT="0" marB="0"/>
-                </a:tc>
-                <a:extLst>
-                  <a:ext uri="{0D108BD9-81ED-4DB2-BD59-A6C34878D82A}">
-                    <a16:rowId xmlns:a16="http://schemas.microsoft.com/office/drawing/2014/main" val="2221113609"/>
-                  </a:ext>
-                </a:extLst>
-              </a:tr>
-            </a:tbl>
-          </a:graphicData>
-        </a:graphic>
-      </p:graphicFrame>
-      <p:sp>
-        <p:nvSpPr>
-          <p:cNvPr id="9" name="CuadroTexto 8">
-            <a:extLst>
-              <a:ext uri="{FF2B5EF4-FFF2-40B4-BE49-F238E27FC236}">
-                <a16:creationId xmlns:a16="http://schemas.microsoft.com/office/drawing/2014/main" id="{36255178-E699-4130-87F3-E4DC34E15AC1}"/>
-              </a:ext>
-            </a:extLst>
-          </p:cNvPr>
-          <p:cNvSpPr txBox="1"/>
-          <p:nvPr/>
-        </p:nvSpPr>
-        <p:spPr>
-          <a:xfrm>
-            <a:off x="4797027" y="3259723"/>
-            <a:ext cx="2597946" cy="338554"/>
-          </a:xfrm>
-          <a:prstGeom prst="rect">
-            <a:avLst/>
-          </a:prstGeom>
-          <a:noFill/>
-        </p:spPr>
-        <p:txBody>
-          <a:bodyPr wrap="square" rtlCol="0">
-            <a:spAutoFit/>
-          </a:bodyPr>
-          <a:lstStyle/>
-          <a:p>
-            <a:pPr algn="ctr"/>
-            <a:r>
-              <a:rPr lang="es-MX" sz="1600" dirty="0"/>
-              <a:t>Tabla 1 </a:t>
-            </a:r>
-            <a:r>
-              <a:rPr lang="es-MX" sz="1600" i="1" dirty="0"/>
-              <a:t>Triple store </a:t>
-            </a:r>
-            <a:r>
-              <a:rPr lang="es-MX" sz="1600" dirty="0"/>
-              <a:t>actuales</a:t>
-            </a:r>
-          </a:p>
-        </p:txBody>
-      </p:sp>
-      <p:sp>
-        <p:nvSpPr>
-          <p:cNvPr id="10" name="Marcador de contenido 2">
-            <a:extLst>
-              <a:ext uri="{FF2B5EF4-FFF2-40B4-BE49-F238E27FC236}">
-                <a16:creationId xmlns:a16="http://schemas.microsoft.com/office/drawing/2014/main" id="{4178B74B-5574-41A9-BF3B-06D251807C96}"/>
-              </a:ext>
-            </a:extLst>
-          </p:cNvPr>
-          <p:cNvSpPr txBox="1">
-            <a:spLocks/>
-          </p:cNvSpPr>
-          <p:nvPr/>
-        </p:nvSpPr>
-        <p:spPr>
-          <a:xfrm>
-            <a:off x="1381125" y="2305708"/>
-            <a:ext cx="9105899" cy="2585138"/>
-          </a:xfrm>
-          <a:prstGeom prst="rect">
-            <a:avLst/>
-          </a:prstGeom>
-        </p:spPr>
-        <p:txBody>
-          <a:bodyPr vert="horz" lIns="91440" tIns="45720" rIns="91440" bIns="45720" rtlCol="0">
-            <a:normAutofit/>
-          </a:bodyPr>
-          <a:lstStyle>
-            <a:lvl1pPr marL="228600" indent="-228600" algn="l" defTabSz="914400" rtl="0" eaLnBrk="1" latinLnBrk="0" hangingPunct="1">
-              <a:lnSpc>
-                <a:spcPct val="100000"/>
-              </a:lnSpc>
-              <a:spcBef>
-                <a:spcPts val="1000"/>
-              </a:spcBef>
-              <a:buClr>
-                <a:schemeClr val="accent2"/>
-              </a:buClr>
-              <a:buFont typeface="Arial" panose="020B0604020202020204" pitchFamily="34" charset="0"/>
-              <a:buChar char="•"/>
-              <a:defRPr sz="1800" kern="1200">
-                <a:solidFill>
-                  <a:schemeClr val="tx1">
-                    <a:lumMod val="85000"/>
-                    <a:lumOff val="15000"/>
-                  </a:schemeClr>
-                </a:solidFill>
-                <a:latin typeface="+mn-lt"/>
-                <a:ea typeface="+mn-ea"/>
-                <a:cs typeface="+mn-cs"/>
-              </a:defRPr>
-            </a:lvl1pPr>
-            <a:lvl2pPr marL="457200" indent="-228600" algn="l" defTabSz="914400" rtl="0" eaLnBrk="1" latinLnBrk="0" hangingPunct="1">
-              <a:lnSpc>
-                <a:spcPct val="100000"/>
-              </a:lnSpc>
-              <a:spcBef>
-                <a:spcPts val="1000"/>
-              </a:spcBef>
-              <a:buClr>
-                <a:schemeClr val="accent2"/>
-              </a:buClr>
-              <a:buFont typeface="Arial" panose="020B0604020202020204" pitchFamily="34" charset="0"/>
-              <a:buChar char="•"/>
-              <a:defRPr sz="1600" kern="1200">
-                <a:solidFill>
-                  <a:schemeClr val="tx1">
-                    <a:lumMod val="85000"/>
-                    <a:lumOff val="15000"/>
-                  </a:schemeClr>
-                </a:solidFill>
-                <a:latin typeface="+mn-lt"/>
-                <a:ea typeface="+mn-ea"/>
-                <a:cs typeface="+mn-cs"/>
-              </a:defRPr>
-            </a:lvl2pPr>
-            <a:lvl3pPr marL="685800" indent="-228600" algn="l" defTabSz="914400" rtl="0" eaLnBrk="1" latinLnBrk="0" hangingPunct="1">
-              <a:lnSpc>
-                <a:spcPct val="100000"/>
-              </a:lnSpc>
-              <a:spcBef>
-                <a:spcPts val="1000"/>
-              </a:spcBef>
-              <a:buClr>
-                <a:schemeClr val="accent2"/>
-              </a:buClr>
-              <a:buFont typeface="Arial" panose="020B0604020202020204" pitchFamily="34" charset="0"/>
-              <a:buChar char="•"/>
-              <a:defRPr sz="1600" kern="1200">
-                <a:solidFill>
-                  <a:schemeClr val="tx1">
-                    <a:lumMod val="85000"/>
-                    <a:lumOff val="15000"/>
-                  </a:schemeClr>
-                </a:solidFill>
-                <a:latin typeface="+mn-lt"/>
-                <a:ea typeface="+mn-ea"/>
-                <a:cs typeface="+mn-cs"/>
-              </a:defRPr>
-            </a:lvl3pPr>
-            <a:lvl4pPr marL="914400" indent="-228600" algn="l" defTabSz="914400" rtl="0" eaLnBrk="1" latinLnBrk="0" hangingPunct="1">
-              <a:lnSpc>
-                <a:spcPct val="100000"/>
-              </a:lnSpc>
-              <a:spcBef>
-                <a:spcPts val="1000"/>
-              </a:spcBef>
-              <a:buClr>
-                <a:schemeClr val="accent2"/>
-              </a:buClr>
-              <a:buFont typeface="Arial" panose="020B0604020202020204" pitchFamily="34" charset="0"/>
-              <a:buChar char="•"/>
-              <a:defRPr sz="1600" kern="1200">
-                <a:solidFill>
-                  <a:schemeClr val="tx1">
-                    <a:lumMod val="85000"/>
-                    <a:lumOff val="15000"/>
-                  </a:schemeClr>
-                </a:solidFill>
-                <a:latin typeface="+mn-lt"/>
-                <a:ea typeface="+mn-ea"/>
-                <a:cs typeface="+mn-cs"/>
-              </a:defRPr>
-            </a:lvl4pPr>
-            <a:lvl5pPr marL="1143000" indent="-228600" algn="l" defTabSz="914400" rtl="0" eaLnBrk="1" latinLnBrk="0" hangingPunct="1">
-              <a:lnSpc>
-                <a:spcPct val="100000"/>
-              </a:lnSpc>
-              <a:spcBef>
-                <a:spcPts val="1000"/>
-              </a:spcBef>
-              <a:buClr>
-                <a:schemeClr val="accent2"/>
-              </a:buClr>
-              <a:buFont typeface="Arial" panose="020B0604020202020204" pitchFamily="34" charset="0"/>
-              <a:buChar char="•"/>
-              <a:defRPr sz="1600" kern="1200">
-                <a:solidFill>
-                  <a:schemeClr val="tx1">
-                    <a:lumMod val="85000"/>
-                    <a:lumOff val="15000"/>
-                  </a:schemeClr>
-                </a:solidFill>
-                <a:latin typeface="+mn-lt"/>
-                <a:ea typeface="+mn-ea"/>
-                <a:cs typeface="+mn-cs"/>
-              </a:defRPr>
-            </a:lvl5pPr>
-            <a:lvl6pPr marL="1312863" indent="-228600" algn="l" defTabSz="914400" rtl="0" eaLnBrk="1" latinLnBrk="0" hangingPunct="1">
-              <a:lnSpc>
-                <a:spcPct val="100000"/>
-              </a:lnSpc>
-              <a:spcBef>
-                <a:spcPts val="1000"/>
-              </a:spcBef>
-              <a:buClr>
-                <a:schemeClr val="accent2"/>
-              </a:buClr>
-              <a:buFont typeface="Arial" panose="020B0604020202020204" pitchFamily="34" charset="0"/>
-              <a:buChar char="•"/>
-              <a:defRPr sz="1600" kern="1200">
-                <a:solidFill>
-                  <a:schemeClr val="tx1"/>
-                </a:solidFill>
-                <a:latin typeface="+mn-lt"/>
-                <a:ea typeface="+mn-ea"/>
-                <a:cs typeface="+mn-cs"/>
-              </a:defRPr>
-            </a:lvl6pPr>
-            <a:lvl7pPr marL="1484313" indent="-228600" algn="l" defTabSz="914400" rtl="0" eaLnBrk="1" latinLnBrk="0" hangingPunct="1">
-              <a:lnSpc>
-                <a:spcPct val="100000"/>
-              </a:lnSpc>
-              <a:spcBef>
-                <a:spcPts val="1000"/>
-              </a:spcBef>
-              <a:buClr>
-                <a:schemeClr val="accent2"/>
-              </a:buClr>
-              <a:buFont typeface="Arial" panose="020B0604020202020204" pitchFamily="34" charset="0"/>
-              <a:buChar char="•"/>
-              <a:defRPr sz="1600" kern="1200">
-                <a:solidFill>
-                  <a:schemeClr val="tx1"/>
-                </a:solidFill>
-                <a:latin typeface="+mn-lt"/>
-                <a:ea typeface="+mn-ea"/>
-                <a:cs typeface="+mn-cs"/>
-              </a:defRPr>
-            </a:lvl7pPr>
-            <a:lvl8pPr marL="1657350" indent="-228600" algn="l" defTabSz="914400" rtl="0" eaLnBrk="1" latinLnBrk="0" hangingPunct="1">
-              <a:lnSpc>
-                <a:spcPct val="100000"/>
-              </a:lnSpc>
-              <a:spcBef>
-                <a:spcPts val="1000"/>
-              </a:spcBef>
-              <a:buClr>
-                <a:schemeClr val="accent2"/>
-              </a:buClr>
-              <a:buFont typeface="Arial" panose="020B0604020202020204" pitchFamily="34" charset="0"/>
-              <a:buChar char="•"/>
-              <a:defRPr sz="1600" kern="1200" baseline="0">
-                <a:solidFill>
-                  <a:schemeClr val="tx1"/>
-                </a:solidFill>
-                <a:latin typeface="+mn-lt"/>
-                <a:ea typeface="+mn-ea"/>
-                <a:cs typeface="+mn-cs"/>
-              </a:defRPr>
-            </a:lvl8pPr>
-            <a:lvl9pPr marL="1882775" indent="-228600" algn="l" defTabSz="914400" rtl="0" eaLnBrk="1" latinLnBrk="0" hangingPunct="1">
-              <a:lnSpc>
-                <a:spcPct val="100000"/>
-              </a:lnSpc>
-              <a:spcBef>
-                <a:spcPts val="1000"/>
-              </a:spcBef>
-              <a:buClr>
-                <a:schemeClr val="accent2"/>
-              </a:buClr>
-              <a:buFont typeface="Arial" panose="020B0604020202020204" pitchFamily="34" charset="0"/>
-              <a:buChar char="•"/>
-              <a:defRPr sz="1600" kern="1200" baseline="0">
-                <a:solidFill>
-                  <a:schemeClr val="tx1"/>
-                </a:solidFill>
-                <a:latin typeface="+mn-lt"/>
-                <a:ea typeface="+mn-ea"/>
-                <a:cs typeface="+mn-cs"/>
-              </a:defRPr>
-            </a:lvl9pPr>
-          </a:lstStyle>
-          <a:p>
-            <a:r>
               <a:rPr lang="es-MX" dirty="0"/>
               <a:t>Ausencia de plataformas libres para el desarrollo y publicación de información en el contexto de la Web del </a:t>
             </a:r>
@@ -14437,7 +14454,7 @@
             <a:pPr algn="ctr"/>
             <a:r>
               <a:rPr lang="es-MX" sz="1600" dirty="0"/>
-              <a:t>Fig. 13 Caso de uso aplicación Web - Usuario</a:t>
+              <a:t>Figura 12 Caso de uso aplicación Web - Usuario</a:t>
             </a:r>
           </a:p>
         </p:txBody>
@@ -14457,7 +14474,18 @@
           <p:nvPr/>
         </p:nvPicPr>
         <p:blipFill>
-          <a:blip r:embed="rId2"/>
+          <a:blip r:embed="rId2">
+            <a:clrChange>
+              <a:clrFrom>
+                <a:srgbClr val="FDFCFA"/>
+              </a:clrFrom>
+              <a:clrTo>
+                <a:srgbClr val="FDFCFA">
+                  <a:alpha val="0"/>
+                </a:srgbClr>
+              </a:clrTo>
+            </a:clrChange>
+          </a:blip>
           <a:stretch>
             <a:fillRect/>
           </a:stretch>
@@ -14487,7 +14515,18 @@
           <p:nvPr/>
         </p:nvPicPr>
         <p:blipFill>
-          <a:blip r:embed="rId3"/>
+          <a:blip r:embed="rId3">
+            <a:clrChange>
+              <a:clrFrom>
+                <a:srgbClr val="FDFCFA"/>
+              </a:clrFrom>
+              <a:clrTo>
+                <a:srgbClr val="FDFCFA">
+                  <a:alpha val="0"/>
+                </a:srgbClr>
+              </a:clrTo>
+            </a:clrChange>
+          </a:blip>
           <a:stretch>
             <a:fillRect/>
           </a:stretch>
@@ -14516,8 +14555,8 @@
         </p:nvSpPr>
         <p:spPr>
           <a:xfrm>
-            <a:off x="6324242" y="6000046"/>
-            <a:ext cx="4610201" cy="338554"/>
+            <a:off x="6256422" y="6000046"/>
+            <a:ext cx="4678022" cy="338554"/>
           </a:xfrm>
           <a:prstGeom prst="rect">
             <a:avLst/>
@@ -14533,7 +14572,7 @@
             <a:pPr algn="ctr"/>
             <a:r>
               <a:rPr lang="es-MX" sz="1600" dirty="0"/>
-              <a:t>Fig. 14 Caso de uso aplicación Web - Administrador</a:t>
+              <a:t>Figura 13 Caso de uso aplicación Web - Administrador</a:t>
             </a:r>
           </a:p>
         </p:txBody>
@@ -14662,6 +14701,16 @@
         </p:nvPicPr>
         <p:blipFill rotWithShape="1">
           <a:blip r:embed="rId2" cstate="print">
+            <a:clrChange>
+              <a:clrFrom>
+                <a:srgbClr val="FFFFFF"/>
+              </a:clrFrom>
+              <a:clrTo>
+                <a:srgbClr val="FFFFFF">
+                  <a:alpha val="0"/>
+                </a:srgbClr>
+              </a:clrTo>
+            </a:clrChange>
             <a:extLst>
               <a:ext uri="{28A0092B-C50C-407E-A947-70E740481C1C}">
                 <a14:useLocalDpi xmlns:a14="http://schemas.microsoft.com/office/drawing/2010/main" val="0"/>
@@ -14695,8 +14744,8 @@
         </p:nvSpPr>
         <p:spPr>
           <a:xfrm>
-            <a:off x="4628969" y="6101336"/>
-            <a:ext cx="3114693" cy="584775"/>
+            <a:off x="3876506" y="6101336"/>
+            <a:ext cx="4438988" cy="338554"/>
           </a:xfrm>
           <a:prstGeom prst="rect">
             <a:avLst/>
@@ -14712,7 +14761,7 @@
             <a:pPr algn="ctr"/>
             <a:r>
               <a:rPr lang="es-MX" sz="1600" dirty="0"/>
-              <a:t>Fig. 15 Diagrama de estados Apache </a:t>
+              <a:t>Figura 14 Diagrama de estados Apache </a:t>
             </a:r>
             <a:r>
               <a:rPr lang="es-MX" sz="1600" dirty="0" err="1"/>
@@ -14873,47 +14922,6 @@
       </p:pic>
       <p:sp>
         <p:nvSpPr>
-          <p:cNvPr id="8" name="CuadroTexto 7">
-            <a:extLst>
-              <a:ext uri="{FF2B5EF4-FFF2-40B4-BE49-F238E27FC236}">
-                <a16:creationId xmlns:a16="http://schemas.microsoft.com/office/drawing/2014/main" id="{5201EB36-61F5-4B71-BC7F-616C6119508F}"/>
-              </a:ext>
-            </a:extLst>
-          </p:cNvPr>
-          <p:cNvSpPr txBox="1"/>
-          <p:nvPr/>
-        </p:nvSpPr>
-        <p:spPr>
-          <a:xfrm>
-            <a:off x="4777158" y="6178452"/>
-            <a:ext cx="2637681" cy="584775"/>
-          </a:xfrm>
-          <a:prstGeom prst="rect">
-            <a:avLst/>
-          </a:prstGeom>
-          <a:noFill/>
-        </p:spPr>
-        <p:txBody>
-          <a:bodyPr wrap="square" rtlCol="0">
-            <a:spAutoFit/>
-          </a:bodyPr>
-          <a:lstStyle/>
-          <a:p>
-            <a:pPr algn="ctr"/>
-            <a:r>
-              <a:rPr lang="es-MX" sz="1600" dirty="0"/>
-              <a:t>Fig. 15 Diagrama de estado Apache </a:t>
-            </a:r>
-            <a:r>
-              <a:rPr lang="es-MX" sz="1600" dirty="0" err="1"/>
-              <a:t>Marmotta</a:t>
-            </a:r>
-            <a:endParaRPr lang="es-MX" sz="1600" dirty="0"/>
-          </a:p>
-        </p:txBody>
-      </p:sp>
-      <p:sp>
-        <p:nvSpPr>
           <p:cNvPr id="9" name="Título 1">
             <a:extLst>
               <a:ext uri="{FF2B5EF4-FFF2-40B4-BE49-F238E27FC236}">
@@ -14978,6 +14986,47 @@
               <a:rPr lang="es-MX" dirty="0"/>
               <a:t>Diagrama de estados</a:t>
             </a:r>
+          </a:p>
+        </p:txBody>
+      </p:sp>
+      <p:sp>
+        <p:nvSpPr>
+          <p:cNvPr id="10" name="CuadroTexto 9">
+            <a:extLst>
+              <a:ext uri="{FF2B5EF4-FFF2-40B4-BE49-F238E27FC236}">
+                <a16:creationId xmlns:a16="http://schemas.microsoft.com/office/drawing/2014/main" id="{9D2BF446-95AD-47BB-B7AE-AB5E74BFDF13}"/>
+              </a:ext>
+            </a:extLst>
+          </p:cNvPr>
+          <p:cNvSpPr txBox="1"/>
+          <p:nvPr/>
+        </p:nvSpPr>
+        <p:spPr>
+          <a:xfrm>
+            <a:off x="3876505" y="6217920"/>
+            <a:ext cx="4438988" cy="338554"/>
+          </a:xfrm>
+          <a:prstGeom prst="rect">
+            <a:avLst/>
+          </a:prstGeom>
+          <a:noFill/>
+        </p:spPr>
+        <p:txBody>
+          <a:bodyPr wrap="square" rtlCol="0">
+            <a:spAutoFit/>
+          </a:bodyPr>
+          <a:lstStyle/>
+          <a:p>
+            <a:pPr algn="ctr"/>
+            <a:r>
+              <a:rPr lang="es-MX" sz="1600" dirty="0"/>
+              <a:t>Figura 14 Diagrama de estados Apache </a:t>
+            </a:r>
+            <a:r>
+              <a:rPr lang="es-MX" sz="1600" dirty="0" err="1"/>
+              <a:t>Marmotta</a:t>
+            </a:r>
+            <a:endParaRPr lang="es-MX" sz="1600" dirty="0"/>
           </a:p>
         </p:txBody>
       </p:sp>
@@ -15104,7 +15153,7 @@
           <a:p>
             <a:r>
               <a:rPr lang="es-MX" dirty="0"/>
-              <a:t>Inicio de una publicación.</a:t>
+              <a:t>Inicio de un artículo de investigación.</a:t>
             </a:r>
           </a:p>
           <a:p>
@@ -15937,7 +15986,7 @@
           <a:p>
             <a:r>
               <a:rPr lang="es-MX" dirty="0"/>
-              <a:t>Referencias</a:t>
+              <a:t>BIBLIOGRAFÍA</a:t>
             </a:r>
           </a:p>
         </p:txBody>
@@ -17241,6 +17290,742 @@
 </p:sld>
 </file>
 
+<file path=ppt/slides/slide27.xml><?xml version="1.0" encoding="utf-8"?>
+<p:sld xmlns:a="http://schemas.openxmlformats.org/drawingml/2006/main" xmlns:r="http://schemas.openxmlformats.org/officeDocument/2006/relationships" xmlns:p="http://schemas.openxmlformats.org/presentationml/2006/main">
+  <p:cSld>
+    <p:spTree>
+      <p:nvGrpSpPr>
+        <p:cNvPr id="1" name=""/>
+        <p:cNvGrpSpPr/>
+        <p:nvPr/>
+      </p:nvGrpSpPr>
+      <p:grpSpPr>
+        <a:xfrm>
+          <a:off x="0" y="0"/>
+          <a:ext cx="0" cy="0"/>
+          <a:chOff x="0" y="0"/>
+          <a:chExt cx="0" cy="0"/>
+        </a:xfrm>
+      </p:grpSpPr>
+      <p:sp>
+        <p:nvSpPr>
+          <p:cNvPr id="2" name="Título 1">
+            <a:extLst>
+              <a:ext uri="{FF2B5EF4-FFF2-40B4-BE49-F238E27FC236}">
+                <a16:creationId xmlns:a16="http://schemas.microsoft.com/office/drawing/2014/main" id="{55E9A999-6AF7-40BF-97ED-CD2625C5CD61}"/>
+              </a:ext>
+            </a:extLst>
+          </p:cNvPr>
+          <p:cNvSpPr>
+            <a:spLocks noGrp="1"/>
+          </p:cNvSpPr>
+          <p:nvPr>
+            <p:ph type="title"/>
+          </p:nvPr>
+        </p:nvSpPr>
+        <p:spPr/>
+        <p:txBody>
+          <a:bodyPr/>
+          <a:lstStyle/>
+          <a:p>
+            <a:r>
+              <a:rPr lang="es-MX" dirty="0"/>
+              <a:t>Diferencias entre bases de datos relacionales y basadas en grafos</a:t>
+            </a:r>
+          </a:p>
+        </p:txBody>
+      </p:sp>
+      <p:graphicFrame>
+        <p:nvGraphicFramePr>
+          <p:cNvPr id="5" name="Tabla 5">
+            <a:extLst>
+              <a:ext uri="{FF2B5EF4-FFF2-40B4-BE49-F238E27FC236}">
+                <a16:creationId xmlns:a16="http://schemas.microsoft.com/office/drawing/2014/main" id="{79F12AA6-3507-40B8-84B8-4FBD2987F531}"/>
+              </a:ext>
+            </a:extLst>
+          </p:cNvPr>
+          <p:cNvGraphicFramePr>
+            <a:graphicFrameLocks noGrp="1"/>
+          </p:cNvGraphicFramePr>
+          <p:nvPr>
+            <p:ph idx="1"/>
+            <p:extLst>
+              <p:ext uri="{D42A27DB-BD31-4B8C-83A1-F6EECF244321}">
+                <p14:modId xmlns:p14="http://schemas.microsoft.com/office/powerpoint/2010/main" val="270575765"/>
+              </p:ext>
+            </p:extLst>
+          </p:nvPr>
+        </p:nvGraphicFramePr>
+        <p:xfrm>
+          <a:off x="2231136" y="3321916"/>
+          <a:ext cx="7731124" cy="1483360"/>
+        </p:xfrm>
+        <a:graphic>
+          <a:graphicData uri="http://schemas.openxmlformats.org/drawingml/2006/table">
+            <a:tbl>
+              <a:tblPr firstRow="1" bandRow="1">
+                <a:tableStyleId>{5C22544A-7EE6-4342-B048-85BDC9FD1C3A}</a:tableStyleId>
+              </a:tblPr>
+              <a:tblGrid>
+                <a:gridCol w="3865562">
+                  <a:extLst>
+                    <a:ext uri="{9D8B030D-6E8A-4147-A177-3AD203B41FA5}">
+                      <a16:colId xmlns:a16="http://schemas.microsoft.com/office/drawing/2014/main" val="3596386426"/>
+                    </a:ext>
+                  </a:extLst>
+                </a:gridCol>
+                <a:gridCol w="3865562">
+                  <a:extLst>
+                    <a:ext uri="{9D8B030D-6E8A-4147-A177-3AD203B41FA5}">
+                      <a16:colId xmlns:a16="http://schemas.microsoft.com/office/drawing/2014/main" val="1980797509"/>
+                    </a:ext>
+                  </a:extLst>
+                </a:gridCol>
+              </a:tblGrid>
+              <a:tr h="370840">
+                <a:tc>
+                  <a:txBody>
+                    <a:bodyPr/>
+                    <a:lstStyle/>
+                    <a:p>
+                      <a:pPr algn="ctr"/>
+                      <a:r>
+                        <a:rPr lang="es-MX" dirty="0"/>
+                        <a:t>Grafos</a:t>
+                      </a:r>
+                    </a:p>
+                  </a:txBody>
+                  <a:tcPr/>
+                </a:tc>
+                <a:tc>
+                  <a:txBody>
+                    <a:bodyPr/>
+                    <a:lstStyle/>
+                    <a:p>
+                      <a:pPr algn="ctr"/>
+                      <a:r>
+                        <a:rPr lang="es-MX" dirty="0"/>
+                        <a:t>Relacionales</a:t>
+                      </a:r>
+                    </a:p>
+                  </a:txBody>
+                  <a:tcPr/>
+                </a:tc>
+                <a:extLst>
+                  <a:ext uri="{0D108BD9-81ED-4DB2-BD59-A6C34878D82A}">
+                    <a16:rowId xmlns:a16="http://schemas.microsoft.com/office/drawing/2014/main" val="4248087239"/>
+                  </a:ext>
+                </a:extLst>
+              </a:tr>
+              <a:tr h="370840">
+                <a:tc>
+                  <a:txBody>
+                    <a:bodyPr/>
+                    <a:lstStyle/>
+                    <a:p>
+                      <a:pPr algn="ctr"/>
+                      <a:r>
+                        <a:rPr lang="es-MX" dirty="0"/>
+                        <a:t>Grafos</a:t>
+                      </a:r>
+                    </a:p>
+                  </a:txBody>
+                  <a:tcPr/>
+                </a:tc>
+                <a:tc>
+                  <a:txBody>
+                    <a:bodyPr/>
+                    <a:lstStyle/>
+                    <a:p>
+                      <a:pPr algn="ctr"/>
+                      <a:r>
+                        <a:rPr lang="es-MX" dirty="0"/>
+                        <a:t>Conjuntos</a:t>
+                      </a:r>
+                    </a:p>
+                  </a:txBody>
+                  <a:tcPr/>
+                </a:tc>
+                <a:extLst>
+                  <a:ext uri="{0D108BD9-81ED-4DB2-BD59-A6C34878D82A}">
+                    <a16:rowId xmlns:a16="http://schemas.microsoft.com/office/drawing/2014/main" val="2217922769"/>
+                  </a:ext>
+                </a:extLst>
+              </a:tr>
+              <a:tr h="370840">
+                <a:tc>
+                  <a:txBody>
+                    <a:bodyPr/>
+                    <a:lstStyle/>
+                    <a:p>
+                      <a:pPr algn="ctr"/>
+                      <a:r>
+                        <a:rPr lang="es-MX" dirty="0"/>
+                        <a:t>Relaciones entre nodos</a:t>
+                      </a:r>
+                    </a:p>
+                  </a:txBody>
+                  <a:tcPr/>
+                </a:tc>
+                <a:tc>
+                  <a:txBody>
+                    <a:bodyPr/>
+                    <a:lstStyle/>
+                    <a:p>
+                      <a:pPr algn="ctr"/>
+                      <a:r>
+                        <a:rPr lang="es-MX" dirty="0"/>
+                        <a:t>Tablas para unir tablas</a:t>
+                      </a:r>
+                    </a:p>
+                  </a:txBody>
+                  <a:tcPr/>
+                </a:tc>
+                <a:extLst>
+                  <a:ext uri="{0D108BD9-81ED-4DB2-BD59-A6C34878D82A}">
+                    <a16:rowId xmlns:a16="http://schemas.microsoft.com/office/drawing/2014/main" val="821850941"/>
+                  </a:ext>
+                </a:extLst>
+              </a:tr>
+              <a:tr h="370840">
+                <a:tc>
+                  <a:txBody>
+                    <a:bodyPr/>
+                    <a:lstStyle/>
+                    <a:p>
+                      <a:pPr algn="ctr"/>
+                      <a:r>
+                        <a:rPr lang="es-MX" dirty="0"/>
+                        <a:t>Relaciones</a:t>
+                      </a:r>
+                    </a:p>
+                  </a:txBody>
+                  <a:tcPr/>
+                </a:tc>
+                <a:tc>
+                  <a:txBody>
+                    <a:bodyPr/>
+                    <a:lstStyle/>
+                    <a:p>
+                      <a:pPr algn="ctr"/>
+                      <a:r>
+                        <a:rPr lang="es-MX" dirty="0"/>
+                        <a:t>Llaves</a:t>
+                      </a:r>
+                    </a:p>
+                  </a:txBody>
+                  <a:tcPr/>
+                </a:tc>
+                <a:extLst>
+                  <a:ext uri="{0D108BD9-81ED-4DB2-BD59-A6C34878D82A}">
+                    <a16:rowId xmlns:a16="http://schemas.microsoft.com/office/drawing/2014/main" val="2773761095"/>
+                  </a:ext>
+                </a:extLst>
+              </a:tr>
+            </a:tbl>
+          </a:graphicData>
+        </a:graphic>
+      </p:graphicFrame>
+      <p:sp>
+        <p:nvSpPr>
+          <p:cNvPr id="4" name="Marcador de número de diapositiva 3">
+            <a:extLst>
+              <a:ext uri="{FF2B5EF4-FFF2-40B4-BE49-F238E27FC236}">
+                <a16:creationId xmlns:a16="http://schemas.microsoft.com/office/drawing/2014/main" id="{28916366-47D6-476A-B413-D168862B911C}"/>
+              </a:ext>
+            </a:extLst>
+          </p:cNvPr>
+          <p:cNvSpPr>
+            <a:spLocks noGrp="1"/>
+          </p:cNvSpPr>
+          <p:nvPr>
+            <p:ph type="sldNum" sz="quarter" idx="12"/>
+          </p:nvPr>
+        </p:nvSpPr>
+        <p:spPr/>
+        <p:txBody>
+          <a:bodyPr/>
+          <a:lstStyle/>
+          <a:p>
+            <a:fld id="{F2994100-57F3-4399-9A64-220CD25A867F}" type="slidenum">
+              <a:rPr lang="es-MX" smtClean="0"/>
+              <a:t>27</a:t>
+            </a:fld>
+            <a:endParaRPr lang="es-MX"/>
+          </a:p>
+        </p:txBody>
+      </p:sp>
+      <p:sp>
+        <p:nvSpPr>
+          <p:cNvPr id="7" name="CuadroTexto 6">
+            <a:extLst>
+              <a:ext uri="{FF2B5EF4-FFF2-40B4-BE49-F238E27FC236}">
+                <a16:creationId xmlns:a16="http://schemas.microsoft.com/office/drawing/2014/main" id="{AB1CBE1B-2150-4F8B-BBF2-A3D4D28B6D09}"/>
+              </a:ext>
+            </a:extLst>
+          </p:cNvPr>
+          <p:cNvSpPr txBox="1"/>
+          <p:nvPr/>
+        </p:nvSpPr>
+        <p:spPr>
+          <a:xfrm>
+            <a:off x="3585386" y="2983362"/>
+            <a:ext cx="5021228" cy="338554"/>
+          </a:xfrm>
+          <a:prstGeom prst="rect">
+            <a:avLst/>
+          </a:prstGeom>
+          <a:noFill/>
+        </p:spPr>
+        <p:txBody>
+          <a:bodyPr wrap="square" rtlCol="0">
+            <a:spAutoFit/>
+          </a:bodyPr>
+          <a:lstStyle/>
+          <a:p>
+            <a:pPr algn="ctr"/>
+            <a:r>
+              <a:rPr lang="es-MX" sz="1600" dirty="0"/>
+              <a:t>Tabla 2 Diferencia</a:t>
+            </a:r>
+            <a:r>
+              <a:rPr lang="es-MX" sz="1600" i="1" dirty="0"/>
+              <a:t> </a:t>
+            </a:r>
+            <a:r>
+              <a:rPr lang="es-MX" sz="1600" dirty="0"/>
+              <a:t>BD basadas en grafos y relacionales</a:t>
+            </a:r>
+          </a:p>
+        </p:txBody>
+      </p:sp>
+    </p:spTree>
+    <p:extLst>
+      <p:ext uri="{BB962C8B-B14F-4D97-AF65-F5344CB8AC3E}">
+        <p14:creationId xmlns:p14="http://schemas.microsoft.com/office/powerpoint/2010/main" val="373114453"/>
+      </p:ext>
+    </p:extLst>
+  </p:cSld>
+  <p:clrMapOvr>
+    <a:masterClrMapping/>
+  </p:clrMapOvr>
+</p:sld>
+</file>
+
+<file path=ppt/slides/slide28.xml><?xml version="1.0" encoding="utf-8"?>
+<p:sld xmlns:a="http://schemas.openxmlformats.org/drawingml/2006/main" xmlns:r="http://schemas.openxmlformats.org/officeDocument/2006/relationships" xmlns:p="http://schemas.openxmlformats.org/presentationml/2006/main">
+  <p:cSld>
+    <p:spTree>
+      <p:nvGrpSpPr>
+        <p:cNvPr id="1" name=""/>
+        <p:cNvGrpSpPr/>
+        <p:nvPr/>
+      </p:nvGrpSpPr>
+      <p:grpSpPr>
+        <a:xfrm>
+          <a:off x="0" y="0"/>
+          <a:ext cx="0" cy="0"/>
+          <a:chOff x="0" y="0"/>
+          <a:chExt cx="0" cy="0"/>
+        </a:xfrm>
+      </p:grpSpPr>
+      <p:sp>
+        <p:nvSpPr>
+          <p:cNvPr id="2" name="Título 1">
+            <a:extLst>
+              <a:ext uri="{FF2B5EF4-FFF2-40B4-BE49-F238E27FC236}">
+                <a16:creationId xmlns:a16="http://schemas.microsoft.com/office/drawing/2014/main" id="{26418E7D-89B3-4C80-B595-0D6410C3F22B}"/>
+              </a:ext>
+            </a:extLst>
+          </p:cNvPr>
+          <p:cNvSpPr>
+            <a:spLocks noGrp="1"/>
+          </p:cNvSpPr>
+          <p:nvPr>
+            <p:ph type="title"/>
+          </p:nvPr>
+        </p:nvSpPr>
+        <p:spPr/>
+        <p:txBody>
+          <a:bodyPr/>
+          <a:lstStyle/>
+          <a:p>
+            <a:r>
+              <a:rPr lang="es-MX" dirty="0"/>
+              <a:t>¿Quién usa apache </a:t>
+            </a:r>
+            <a:r>
+              <a:rPr lang="es-MX" dirty="0" err="1"/>
+              <a:t>marmotta</a:t>
+            </a:r>
+            <a:r>
+              <a:rPr lang="es-MX" dirty="0"/>
+              <a:t>?</a:t>
+            </a:r>
+          </a:p>
+        </p:txBody>
+      </p:sp>
+      <p:sp>
+        <p:nvSpPr>
+          <p:cNvPr id="3" name="Marcador de contenido 2">
+            <a:extLst>
+              <a:ext uri="{FF2B5EF4-FFF2-40B4-BE49-F238E27FC236}">
+                <a16:creationId xmlns:a16="http://schemas.microsoft.com/office/drawing/2014/main" id="{AAB50A4C-D902-4E7F-9C04-C91A32530C5E}"/>
+              </a:ext>
+            </a:extLst>
+          </p:cNvPr>
+          <p:cNvSpPr>
+            <a:spLocks noGrp="1"/>
+          </p:cNvSpPr>
+          <p:nvPr>
+            <p:ph idx="1"/>
+          </p:nvPr>
+        </p:nvSpPr>
+        <p:spPr/>
+        <p:txBody>
+          <a:bodyPr/>
+          <a:lstStyle/>
+          <a:p>
+            <a:pPr lvl="0"/>
+            <a:r>
+              <a:rPr lang="es-MX" dirty="0"/>
+              <a:t>El diario austriaco </a:t>
+            </a:r>
+            <a:r>
+              <a:rPr lang="es-MX" i="1" dirty="0" err="1"/>
+              <a:t>Salzburger</a:t>
+            </a:r>
+            <a:r>
+              <a:rPr lang="es-MX" i="1" dirty="0"/>
+              <a:t> </a:t>
+            </a:r>
+            <a:r>
+              <a:rPr lang="es-MX" i="1" dirty="0" err="1"/>
+              <a:t>Nachrichte</a:t>
+            </a:r>
+            <a:r>
+              <a:rPr lang="es-MX" i="1" dirty="0"/>
+              <a:t> </a:t>
+            </a:r>
+            <a:r>
+              <a:rPr lang="es-MX" dirty="0"/>
+              <a:t>lo utiliza en su </a:t>
+            </a:r>
+            <a:r>
+              <a:rPr lang="es-MX" i="1" dirty="0" err="1"/>
+              <a:t>backend</a:t>
+            </a:r>
+            <a:r>
+              <a:rPr lang="es-MX" dirty="0"/>
+              <a:t> de almacenamiento y búsqueda [5].</a:t>
+            </a:r>
+          </a:p>
+          <a:p>
+            <a:pPr lvl="0"/>
+            <a:r>
+              <a:rPr lang="es-MX" dirty="0"/>
+              <a:t>El motor de búsqueda de contenido semántico </a:t>
+            </a:r>
+            <a:r>
+              <a:rPr lang="es-MX" i="1" dirty="0" err="1"/>
+              <a:t>RedLink</a:t>
+            </a:r>
+            <a:r>
+              <a:rPr lang="es-MX" dirty="0"/>
+              <a:t> lo utiliza para enriquecer contenido a diversas empresas y grupos de investigación [6].</a:t>
+            </a:r>
+          </a:p>
+          <a:p>
+            <a:pPr lvl="0"/>
+            <a:r>
+              <a:rPr lang="es-MX" dirty="0"/>
+              <a:t>El </a:t>
+            </a:r>
+            <a:r>
+              <a:rPr lang="es-MX" i="1" dirty="0"/>
+              <a:t>plugin</a:t>
+            </a:r>
+            <a:r>
+              <a:rPr lang="es-MX" dirty="0"/>
+              <a:t> para </a:t>
+            </a:r>
+            <a:r>
+              <a:rPr lang="es-MX" i="1" dirty="0"/>
+              <a:t>WordPress, </a:t>
+            </a:r>
+            <a:r>
+              <a:rPr lang="es-MX" i="1" dirty="0" err="1"/>
+              <a:t>WordLift</a:t>
+            </a:r>
+            <a:r>
+              <a:rPr lang="es-MX" i="1" dirty="0"/>
+              <a:t>,</a:t>
+            </a:r>
+            <a:r>
+              <a:rPr lang="es-MX" dirty="0"/>
+              <a:t> utiliza Apache </a:t>
+            </a:r>
+            <a:r>
+              <a:rPr lang="es-MX" dirty="0" err="1"/>
+              <a:t>Marmotta</a:t>
+            </a:r>
+            <a:r>
+              <a:rPr lang="es-MX" dirty="0"/>
+              <a:t> para almacenar su información de manera semántica [7].</a:t>
+            </a:r>
+          </a:p>
+          <a:p>
+            <a:endParaRPr lang="es-MX" dirty="0"/>
+          </a:p>
+        </p:txBody>
+      </p:sp>
+      <p:sp>
+        <p:nvSpPr>
+          <p:cNvPr id="4" name="Marcador de número de diapositiva 3">
+            <a:extLst>
+              <a:ext uri="{FF2B5EF4-FFF2-40B4-BE49-F238E27FC236}">
+                <a16:creationId xmlns:a16="http://schemas.microsoft.com/office/drawing/2014/main" id="{6D842E80-E1BC-4EDE-BA7D-286E79D883E9}"/>
+              </a:ext>
+            </a:extLst>
+          </p:cNvPr>
+          <p:cNvSpPr>
+            <a:spLocks noGrp="1"/>
+          </p:cNvSpPr>
+          <p:nvPr>
+            <p:ph type="sldNum" sz="quarter" idx="12"/>
+          </p:nvPr>
+        </p:nvSpPr>
+        <p:spPr/>
+        <p:txBody>
+          <a:bodyPr/>
+          <a:lstStyle/>
+          <a:p>
+            <a:fld id="{F2994100-57F3-4399-9A64-220CD25A867F}" type="slidenum">
+              <a:rPr lang="es-MX" smtClean="0"/>
+              <a:t>28</a:t>
+            </a:fld>
+            <a:endParaRPr lang="es-MX"/>
+          </a:p>
+        </p:txBody>
+      </p:sp>
+    </p:spTree>
+    <p:extLst>
+      <p:ext uri="{BB962C8B-B14F-4D97-AF65-F5344CB8AC3E}">
+        <p14:creationId xmlns:p14="http://schemas.microsoft.com/office/powerpoint/2010/main" val="3937650106"/>
+      </p:ext>
+    </p:extLst>
+  </p:cSld>
+  <p:clrMapOvr>
+    <a:masterClrMapping/>
+  </p:clrMapOvr>
+</p:sld>
+</file>
+
+<file path=ppt/slides/slide29.xml><?xml version="1.0" encoding="utf-8"?>
+<p:sld xmlns:a="http://schemas.openxmlformats.org/drawingml/2006/main" xmlns:r="http://schemas.openxmlformats.org/officeDocument/2006/relationships" xmlns:p="http://schemas.openxmlformats.org/presentationml/2006/main">
+  <p:cSld>
+    <p:spTree>
+      <p:nvGrpSpPr>
+        <p:cNvPr id="1" name=""/>
+        <p:cNvGrpSpPr/>
+        <p:nvPr/>
+      </p:nvGrpSpPr>
+      <p:grpSpPr>
+        <a:xfrm>
+          <a:off x="0" y="0"/>
+          <a:ext cx="0" cy="0"/>
+          <a:chOff x="0" y="0"/>
+          <a:chExt cx="0" cy="0"/>
+        </a:xfrm>
+      </p:grpSpPr>
+      <p:sp>
+        <p:nvSpPr>
+          <p:cNvPr id="2" name="Título 1">
+            <a:extLst>
+              <a:ext uri="{FF2B5EF4-FFF2-40B4-BE49-F238E27FC236}">
+                <a16:creationId xmlns:a16="http://schemas.microsoft.com/office/drawing/2014/main" id="{FC2501CB-B6CD-4607-B71C-17479156A820}"/>
+              </a:ext>
+            </a:extLst>
+          </p:cNvPr>
+          <p:cNvSpPr>
+            <a:spLocks noGrp="1"/>
+          </p:cNvSpPr>
+          <p:nvPr>
+            <p:ph type="title"/>
+          </p:nvPr>
+        </p:nvSpPr>
+        <p:spPr/>
+        <p:txBody>
+          <a:bodyPr/>
+          <a:lstStyle/>
+          <a:p>
+            <a:r>
+              <a:rPr lang="es-MX" dirty="0"/>
+              <a:t>URI</a:t>
+            </a:r>
+          </a:p>
+        </p:txBody>
+      </p:sp>
+      <p:sp>
+        <p:nvSpPr>
+          <p:cNvPr id="4" name="Marcador de número de diapositiva 3">
+            <a:extLst>
+              <a:ext uri="{FF2B5EF4-FFF2-40B4-BE49-F238E27FC236}">
+                <a16:creationId xmlns:a16="http://schemas.microsoft.com/office/drawing/2014/main" id="{1721FB01-AFE7-4E73-B30E-B1457449D2F5}"/>
+              </a:ext>
+            </a:extLst>
+          </p:cNvPr>
+          <p:cNvSpPr>
+            <a:spLocks noGrp="1"/>
+          </p:cNvSpPr>
+          <p:nvPr>
+            <p:ph type="sldNum" sz="quarter" idx="12"/>
+          </p:nvPr>
+        </p:nvSpPr>
+        <p:spPr/>
+        <p:txBody>
+          <a:bodyPr/>
+          <a:lstStyle/>
+          <a:p>
+            <a:fld id="{F2994100-57F3-4399-9A64-220CD25A867F}" type="slidenum">
+              <a:rPr lang="es-MX" smtClean="0"/>
+              <a:t>29</a:t>
+            </a:fld>
+            <a:endParaRPr lang="es-MX"/>
+          </a:p>
+        </p:txBody>
+      </p:sp>
+      <p:pic>
+        <p:nvPicPr>
+          <p:cNvPr id="6" name="Imagen 5">
+            <a:extLst>
+              <a:ext uri="{FF2B5EF4-FFF2-40B4-BE49-F238E27FC236}">
+                <a16:creationId xmlns:a16="http://schemas.microsoft.com/office/drawing/2014/main" id="{7DC2A070-BA8A-4130-A3DA-124414CBC13B}"/>
+              </a:ext>
+            </a:extLst>
+          </p:cNvPr>
+          <p:cNvPicPr>
+            <a:picLocks noChangeAspect="1"/>
+          </p:cNvPicPr>
+          <p:nvPr/>
+        </p:nvPicPr>
+        <p:blipFill>
+          <a:blip r:embed="rId2">
+            <a:clrChange>
+              <a:clrFrom>
+                <a:srgbClr val="FFFFFF"/>
+              </a:clrFrom>
+              <a:clrTo>
+                <a:srgbClr val="FFFFFF">
+                  <a:alpha val="0"/>
+                </a:srgbClr>
+              </a:clrTo>
+            </a:clrChange>
+          </a:blip>
+          <a:stretch>
+            <a:fillRect/>
+          </a:stretch>
+        </p:blipFill>
+        <p:spPr>
+          <a:xfrm>
+            <a:off x="4782339" y="2607170"/>
+            <a:ext cx="2479539" cy="1252167"/>
+          </a:xfrm>
+          <a:prstGeom prst="rect">
+            <a:avLst/>
+          </a:prstGeom>
+        </p:spPr>
+      </p:pic>
+      <p:pic>
+        <p:nvPicPr>
+          <p:cNvPr id="7" name="Imagen 6">
+            <a:extLst>
+              <a:ext uri="{FF2B5EF4-FFF2-40B4-BE49-F238E27FC236}">
+                <a16:creationId xmlns:a16="http://schemas.microsoft.com/office/drawing/2014/main" id="{135C4570-92A1-414D-8658-FE6FB9AE0487}"/>
+              </a:ext>
+            </a:extLst>
+          </p:cNvPr>
+          <p:cNvPicPr>
+            <a:picLocks noChangeAspect="1"/>
+          </p:cNvPicPr>
+          <p:nvPr/>
+        </p:nvPicPr>
+        <p:blipFill>
+          <a:blip r:embed="rId3">
+            <a:clrChange>
+              <a:clrFrom>
+                <a:srgbClr val="FFFFFF"/>
+              </a:clrFrom>
+              <a:clrTo>
+                <a:srgbClr val="FFFFFF">
+                  <a:alpha val="0"/>
+                </a:srgbClr>
+              </a:clrTo>
+            </a:clrChange>
+          </a:blip>
+          <a:stretch>
+            <a:fillRect/>
+          </a:stretch>
+        </p:blipFill>
+        <p:spPr>
+          <a:xfrm>
+            <a:off x="2495548" y="4876511"/>
+            <a:ext cx="7200900" cy="781050"/>
+          </a:xfrm>
+          <a:prstGeom prst="rect">
+            <a:avLst/>
+          </a:prstGeom>
+        </p:spPr>
+      </p:pic>
+      <p:sp>
+        <p:nvSpPr>
+          <p:cNvPr id="8" name="CuadroTexto 7">
+            <a:extLst>
+              <a:ext uri="{FF2B5EF4-FFF2-40B4-BE49-F238E27FC236}">
+                <a16:creationId xmlns:a16="http://schemas.microsoft.com/office/drawing/2014/main" id="{0B9FE107-B993-44E4-8D6A-7B76599F25DC}"/>
+              </a:ext>
+            </a:extLst>
+          </p:cNvPr>
+          <p:cNvSpPr txBox="1"/>
+          <p:nvPr/>
+        </p:nvSpPr>
+        <p:spPr>
+          <a:xfrm>
+            <a:off x="3876504" y="3859337"/>
+            <a:ext cx="4438988" cy="338554"/>
+          </a:xfrm>
+          <a:prstGeom prst="rect">
+            <a:avLst/>
+          </a:prstGeom>
+          <a:noFill/>
+        </p:spPr>
+        <p:txBody>
+          <a:bodyPr wrap="square" rtlCol="0">
+            <a:spAutoFit/>
+          </a:bodyPr>
+          <a:lstStyle/>
+          <a:p>
+            <a:pPr algn="ctr"/>
+            <a:r>
+              <a:rPr lang="es-MX" sz="1600" dirty="0"/>
+              <a:t>Figura 15 Identificador Uniforme de Recursos</a:t>
+            </a:r>
+          </a:p>
+        </p:txBody>
+      </p:sp>
+    </p:spTree>
+    <p:extLst>
+      <p:ext uri="{BB962C8B-B14F-4D97-AF65-F5344CB8AC3E}">
+        <p14:creationId xmlns:p14="http://schemas.microsoft.com/office/powerpoint/2010/main" val="4283438518"/>
+      </p:ext>
+    </p:extLst>
+  </p:cSld>
+  <p:clrMapOvr>
+    <a:masterClrMapping/>
+  </p:clrMapOvr>
+</p:sld>
+</file>
+
 <file path=ppt/slides/slide3.xml><?xml version="1.0" encoding="utf-8"?>
 <p:sld xmlns:a="http://schemas.openxmlformats.org/drawingml/2006/main" xmlns:r="http://schemas.openxmlformats.org/officeDocument/2006/relationships" xmlns:p="http://schemas.openxmlformats.org/presentationml/2006/main">
   <p:cSld>
@@ -17368,6 +18153,2934 @@
     <p:extLst>
       <p:ext uri="{BB962C8B-B14F-4D97-AF65-F5344CB8AC3E}">
         <p14:creationId xmlns:p14="http://schemas.microsoft.com/office/powerpoint/2010/main" val="3418089709"/>
+      </p:ext>
+    </p:extLst>
+  </p:cSld>
+  <p:clrMapOvr>
+    <a:masterClrMapping/>
+  </p:clrMapOvr>
+</p:sld>
+</file>
+
+<file path=ppt/slides/slide30.xml><?xml version="1.0" encoding="utf-8"?>
+<p:sld xmlns:a="http://schemas.openxmlformats.org/drawingml/2006/main" xmlns:r="http://schemas.openxmlformats.org/officeDocument/2006/relationships" xmlns:p="http://schemas.openxmlformats.org/presentationml/2006/main">
+  <p:cSld>
+    <p:spTree>
+      <p:nvGrpSpPr>
+        <p:cNvPr id="1" name=""/>
+        <p:cNvGrpSpPr/>
+        <p:nvPr/>
+      </p:nvGrpSpPr>
+      <p:grpSpPr>
+        <a:xfrm>
+          <a:off x="0" y="0"/>
+          <a:ext cx="0" cy="0"/>
+          <a:chOff x="0" y="0"/>
+          <a:chExt cx="0" cy="0"/>
+        </a:xfrm>
+      </p:grpSpPr>
+      <p:sp>
+        <p:nvSpPr>
+          <p:cNvPr id="2" name="Título 1">
+            <a:extLst>
+              <a:ext uri="{FF2B5EF4-FFF2-40B4-BE49-F238E27FC236}">
+                <a16:creationId xmlns:a16="http://schemas.microsoft.com/office/drawing/2014/main" id="{6F6063ED-6ACA-4438-A87F-168791FE102A}"/>
+              </a:ext>
+            </a:extLst>
+          </p:cNvPr>
+          <p:cNvSpPr>
+            <a:spLocks noGrp="1"/>
+          </p:cNvSpPr>
+          <p:nvPr>
+            <p:ph type="title"/>
+          </p:nvPr>
+        </p:nvSpPr>
+        <p:spPr/>
+        <p:txBody>
+          <a:bodyPr/>
+          <a:lstStyle/>
+          <a:p>
+            <a:r>
+              <a:rPr lang="es-MX" dirty="0" err="1"/>
+              <a:t>Linked</a:t>
+            </a:r>
+            <a:r>
+              <a:rPr lang="es-MX" dirty="0"/>
+              <a:t> Data</a:t>
+            </a:r>
+          </a:p>
+        </p:txBody>
+      </p:sp>
+      <p:sp>
+        <p:nvSpPr>
+          <p:cNvPr id="3" name="Marcador de contenido 2">
+            <a:extLst>
+              <a:ext uri="{FF2B5EF4-FFF2-40B4-BE49-F238E27FC236}">
+                <a16:creationId xmlns:a16="http://schemas.microsoft.com/office/drawing/2014/main" id="{69B1D169-B5DA-4C25-8C75-13B1F735CA85}"/>
+              </a:ext>
+            </a:extLst>
+          </p:cNvPr>
+          <p:cNvSpPr>
+            <a:spLocks noGrp="1"/>
+          </p:cNvSpPr>
+          <p:nvPr>
+            <p:ph idx="1"/>
+          </p:nvPr>
+        </p:nvSpPr>
+        <p:spPr/>
+        <p:txBody>
+          <a:bodyPr/>
+          <a:lstStyle/>
+          <a:p>
+            <a:endParaRPr lang="es-MX" sz="2000" dirty="0">
+              <a:solidFill>
+                <a:srgbClr val="000000"/>
+              </a:solidFill>
+              <a:latin typeface="Times New Roman" panose="02020603050405020304" pitchFamily="18" charset="0"/>
+            </a:endParaRPr>
+          </a:p>
+          <a:p>
+            <a:r>
+              <a:rPr lang="es-ES" dirty="0">
+                <a:solidFill>
+                  <a:srgbClr val="000000"/>
+                </a:solidFill>
+                <a:latin typeface="Times New Roman" panose="02020603050405020304" pitchFamily="18" charset="0"/>
+              </a:rPr>
+              <a:t>URI para identificar entidades en el mundo. </a:t>
+            </a:r>
+          </a:p>
+          <a:p>
+            <a:r>
+              <a:rPr lang="es-ES" dirty="0">
+                <a:solidFill>
+                  <a:srgbClr val="000000"/>
+                </a:solidFill>
+                <a:latin typeface="Times New Roman" panose="02020603050405020304" pitchFamily="18" charset="0"/>
+              </a:rPr>
+              <a:t>HTTP que es el mecanismo con el que se recuperan recursos o descripciones de recursos. </a:t>
+            </a:r>
+          </a:p>
+          <a:p>
+            <a:r>
+              <a:rPr lang="es-ES" dirty="0">
+                <a:solidFill>
+                  <a:srgbClr val="000000"/>
+                </a:solidFill>
+                <a:latin typeface="Times New Roman" panose="02020603050405020304" pitchFamily="18" charset="0"/>
+              </a:rPr>
+              <a:t>Protocolo SPARQL y archivos RDF para estructurar, consultar y enlazar los objetos presentes en la nube del </a:t>
+            </a:r>
+            <a:r>
+              <a:rPr lang="es-ES" i="1" dirty="0" err="1">
+                <a:solidFill>
+                  <a:srgbClr val="000000"/>
+                </a:solidFill>
+                <a:latin typeface="Times New Roman" panose="02020603050405020304" pitchFamily="18" charset="0"/>
+              </a:rPr>
+              <a:t>Linked</a:t>
+            </a:r>
+            <a:r>
+              <a:rPr lang="es-ES" i="1" dirty="0">
+                <a:solidFill>
+                  <a:srgbClr val="000000"/>
+                </a:solidFill>
+                <a:latin typeface="Times New Roman" panose="02020603050405020304" pitchFamily="18" charset="0"/>
+              </a:rPr>
+              <a:t> Data</a:t>
+            </a:r>
+            <a:r>
+              <a:rPr lang="es-ES" dirty="0">
+                <a:solidFill>
+                  <a:srgbClr val="000000"/>
+                </a:solidFill>
+                <a:latin typeface="Times New Roman" panose="02020603050405020304" pitchFamily="18" charset="0"/>
+              </a:rPr>
+              <a:t>. </a:t>
+            </a:r>
+          </a:p>
+          <a:p>
+            <a:endParaRPr lang="es-MX" dirty="0"/>
+          </a:p>
+        </p:txBody>
+      </p:sp>
+      <p:sp>
+        <p:nvSpPr>
+          <p:cNvPr id="4" name="Marcador de número de diapositiva 3">
+            <a:extLst>
+              <a:ext uri="{FF2B5EF4-FFF2-40B4-BE49-F238E27FC236}">
+                <a16:creationId xmlns:a16="http://schemas.microsoft.com/office/drawing/2014/main" id="{FE578253-C130-42C7-9E31-B8B2AC406481}"/>
+              </a:ext>
+            </a:extLst>
+          </p:cNvPr>
+          <p:cNvSpPr>
+            <a:spLocks noGrp="1"/>
+          </p:cNvSpPr>
+          <p:nvPr>
+            <p:ph type="sldNum" sz="quarter" idx="12"/>
+          </p:nvPr>
+        </p:nvSpPr>
+        <p:spPr/>
+        <p:txBody>
+          <a:bodyPr/>
+          <a:lstStyle/>
+          <a:p>
+            <a:fld id="{F2994100-57F3-4399-9A64-220CD25A867F}" type="slidenum">
+              <a:rPr lang="es-MX" smtClean="0"/>
+              <a:t>30</a:t>
+            </a:fld>
+            <a:endParaRPr lang="es-MX"/>
+          </a:p>
+        </p:txBody>
+      </p:sp>
+    </p:spTree>
+    <p:extLst>
+      <p:ext uri="{BB962C8B-B14F-4D97-AF65-F5344CB8AC3E}">
+        <p14:creationId xmlns:p14="http://schemas.microsoft.com/office/powerpoint/2010/main" val="1472041729"/>
+      </p:ext>
+    </p:extLst>
+  </p:cSld>
+  <p:clrMapOvr>
+    <a:masterClrMapping/>
+  </p:clrMapOvr>
+</p:sld>
+</file>
+
+<file path=ppt/slides/slide31.xml><?xml version="1.0" encoding="utf-8"?>
+<p:sld xmlns:a="http://schemas.openxmlformats.org/drawingml/2006/main" xmlns:r="http://schemas.openxmlformats.org/officeDocument/2006/relationships" xmlns:p="http://schemas.openxmlformats.org/presentationml/2006/main">
+  <p:cSld>
+    <p:spTree>
+      <p:nvGrpSpPr>
+        <p:cNvPr id="1" name=""/>
+        <p:cNvGrpSpPr/>
+        <p:nvPr/>
+      </p:nvGrpSpPr>
+      <p:grpSpPr>
+        <a:xfrm>
+          <a:off x="0" y="0"/>
+          <a:ext cx="0" cy="0"/>
+          <a:chOff x="0" y="0"/>
+          <a:chExt cx="0" cy="0"/>
+        </a:xfrm>
+      </p:grpSpPr>
+      <p:pic>
+        <p:nvPicPr>
+          <p:cNvPr id="5" name="Imagen 4">
+            <a:extLst>
+              <a:ext uri="{FF2B5EF4-FFF2-40B4-BE49-F238E27FC236}">
+                <a16:creationId xmlns:a16="http://schemas.microsoft.com/office/drawing/2014/main" id="{B2C5F5EE-10FC-4F40-BF24-97B715FBC240}"/>
+              </a:ext>
+            </a:extLst>
+          </p:cNvPr>
+          <p:cNvPicPr>
+            <a:picLocks noChangeAspect="1"/>
+          </p:cNvPicPr>
+          <p:nvPr/>
+        </p:nvPicPr>
+        <p:blipFill>
+          <a:blip r:embed="rId2">
+            <a:clrChange>
+              <a:clrFrom>
+                <a:srgbClr val="FFFFFF"/>
+              </a:clrFrom>
+              <a:clrTo>
+                <a:srgbClr val="FFFFFF">
+                  <a:alpha val="0"/>
+                </a:srgbClr>
+              </a:clrTo>
+            </a:clrChange>
+          </a:blip>
+          <a:stretch>
+            <a:fillRect/>
+          </a:stretch>
+        </p:blipFill>
+        <p:spPr>
+          <a:xfrm>
+            <a:off x="3408297" y="2792087"/>
+            <a:ext cx="5375401" cy="2762667"/>
+          </a:xfrm>
+          <a:prstGeom prst="rect">
+            <a:avLst/>
+          </a:prstGeom>
+        </p:spPr>
+      </p:pic>
+      <p:sp>
+        <p:nvSpPr>
+          <p:cNvPr id="2" name="Título 1">
+            <a:extLst>
+              <a:ext uri="{FF2B5EF4-FFF2-40B4-BE49-F238E27FC236}">
+                <a16:creationId xmlns:a16="http://schemas.microsoft.com/office/drawing/2014/main" id="{E87998FE-3C48-46DD-A825-A654749DA42A}"/>
+              </a:ext>
+            </a:extLst>
+          </p:cNvPr>
+          <p:cNvSpPr>
+            <a:spLocks noGrp="1"/>
+          </p:cNvSpPr>
+          <p:nvPr>
+            <p:ph type="title"/>
+          </p:nvPr>
+        </p:nvSpPr>
+        <p:spPr/>
+        <p:txBody>
+          <a:bodyPr/>
+          <a:lstStyle/>
+          <a:p>
+            <a:r>
+              <a:rPr lang="es-MX" dirty="0"/>
+              <a:t>Web semántica</a:t>
+            </a:r>
+          </a:p>
+        </p:txBody>
+      </p:sp>
+      <p:sp>
+        <p:nvSpPr>
+          <p:cNvPr id="4" name="Marcador de número de diapositiva 3">
+            <a:extLst>
+              <a:ext uri="{FF2B5EF4-FFF2-40B4-BE49-F238E27FC236}">
+                <a16:creationId xmlns:a16="http://schemas.microsoft.com/office/drawing/2014/main" id="{97CAF316-7BFB-45EC-AB08-05027D5486D6}"/>
+              </a:ext>
+            </a:extLst>
+          </p:cNvPr>
+          <p:cNvSpPr>
+            <a:spLocks noGrp="1"/>
+          </p:cNvSpPr>
+          <p:nvPr>
+            <p:ph type="sldNum" sz="quarter" idx="12"/>
+          </p:nvPr>
+        </p:nvSpPr>
+        <p:spPr/>
+        <p:txBody>
+          <a:bodyPr/>
+          <a:lstStyle/>
+          <a:p>
+            <a:fld id="{F2994100-57F3-4399-9A64-220CD25A867F}" type="slidenum">
+              <a:rPr lang="es-MX" smtClean="0"/>
+              <a:t>31</a:t>
+            </a:fld>
+            <a:endParaRPr lang="es-MX"/>
+          </a:p>
+        </p:txBody>
+      </p:sp>
+      <p:sp>
+        <p:nvSpPr>
+          <p:cNvPr id="6" name="CuadroTexto 5">
+            <a:extLst>
+              <a:ext uri="{FF2B5EF4-FFF2-40B4-BE49-F238E27FC236}">
+                <a16:creationId xmlns:a16="http://schemas.microsoft.com/office/drawing/2014/main" id="{78D6B3E1-E198-4101-8F55-345F419E8BC2}"/>
+              </a:ext>
+            </a:extLst>
+          </p:cNvPr>
+          <p:cNvSpPr txBox="1"/>
+          <p:nvPr/>
+        </p:nvSpPr>
+        <p:spPr>
+          <a:xfrm>
+            <a:off x="3673317" y="5554754"/>
+            <a:ext cx="4845363" cy="338554"/>
+          </a:xfrm>
+          <a:prstGeom prst="rect">
+            <a:avLst/>
+          </a:prstGeom>
+          <a:noFill/>
+        </p:spPr>
+        <p:txBody>
+          <a:bodyPr wrap="square" rtlCol="0">
+            <a:spAutoFit/>
+          </a:bodyPr>
+          <a:lstStyle/>
+          <a:p>
+            <a:pPr algn="ctr"/>
+            <a:r>
+              <a:rPr lang="es-MX" sz="1600" dirty="0"/>
+              <a:t>Figura 16 Elementos que conforman a la Web semántica</a:t>
+            </a:r>
+          </a:p>
+        </p:txBody>
+      </p:sp>
+    </p:spTree>
+    <p:extLst>
+      <p:ext uri="{BB962C8B-B14F-4D97-AF65-F5344CB8AC3E}">
+        <p14:creationId xmlns:p14="http://schemas.microsoft.com/office/powerpoint/2010/main" val="729113884"/>
+      </p:ext>
+    </p:extLst>
+  </p:cSld>
+  <p:clrMapOvr>
+    <a:masterClrMapping/>
+  </p:clrMapOvr>
+</p:sld>
+</file>
+
+<file path=ppt/slides/slide32.xml><?xml version="1.0" encoding="utf-8"?>
+<p:sld xmlns:a="http://schemas.openxmlformats.org/drawingml/2006/main" xmlns:r="http://schemas.openxmlformats.org/officeDocument/2006/relationships" xmlns:p="http://schemas.openxmlformats.org/presentationml/2006/main">
+  <p:cSld>
+    <p:spTree>
+      <p:nvGrpSpPr>
+        <p:cNvPr id="1" name=""/>
+        <p:cNvGrpSpPr/>
+        <p:nvPr/>
+      </p:nvGrpSpPr>
+      <p:grpSpPr>
+        <a:xfrm>
+          <a:off x="0" y="0"/>
+          <a:ext cx="0" cy="0"/>
+          <a:chOff x="0" y="0"/>
+          <a:chExt cx="0" cy="0"/>
+        </a:xfrm>
+      </p:grpSpPr>
+      <p:sp>
+        <p:nvSpPr>
+          <p:cNvPr id="2" name="Título 1">
+            <a:extLst>
+              <a:ext uri="{FF2B5EF4-FFF2-40B4-BE49-F238E27FC236}">
+                <a16:creationId xmlns:a16="http://schemas.microsoft.com/office/drawing/2014/main" id="{9A7517E9-00C0-4768-A77F-78D4AF6988B1}"/>
+              </a:ext>
+            </a:extLst>
+          </p:cNvPr>
+          <p:cNvSpPr>
+            <a:spLocks noGrp="1"/>
+          </p:cNvSpPr>
+          <p:nvPr>
+            <p:ph type="title"/>
+          </p:nvPr>
+        </p:nvSpPr>
+        <p:spPr/>
+        <p:txBody>
+          <a:bodyPr/>
+          <a:lstStyle/>
+          <a:p>
+            <a:r>
+              <a:rPr lang="es-MX" dirty="0"/>
+              <a:t>Consulta SPARQL</a:t>
+            </a:r>
+          </a:p>
+        </p:txBody>
+      </p:sp>
+      <p:pic>
+        <p:nvPicPr>
+          <p:cNvPr id="5" name="Marcador de contenido 4">
+            <a:extLst>
+              <a:ext uri="{FF2B5EF4-FFF2-40B4-BE49-F238E27FC236}">
+                <a16:creationId xmlns:a16="http://schemas.microsoft.com/office/drawing/2014/main" id="{8C569B3E-4C6B-4A07-B735-633ED2DFA6B9}"/>
+              </a:ext>
+            </a:extLst>
+          </p:cNvPr>
+          <p:cNvPicPr>
+            <a:picLocks noGrp="1" noChangeAspect="1"/>
+          </p:cNvPicPr>
+          <p:nvPr>
+            <p:ph idx="1"/>
+          </p:nvPr>
+        </p:nvPicPr>
+        <p:blipFill>
+          <a:blip r:embed="rId2"/>
+          <a:stretch>
+            <a:fillRect/>
+          </a:stretch>
+        </p:blipFill>
+        <p:spPr>
+          <a:xfrm>
+            <a:off x="3390280" y="2510088"/>
+            <a:ext cx="5411439" cy="3101975"/>
+          </a:xfrm>
+          <a:prstGeom prst="rect">
+            <a:avLst/>
+          </a:prstGeom>
+          <a:effectLst>
+            <a:softEdge rad="317500"/>
+          </a:effectLst>
+        </p:spPr>
+      </p:pic>
+      <p:sp>
+        <p:nvSpPr>
+          <p:cNvPr id="4" name="Marcador de número de diapositiva 3">
+            <a:extLst>
+              <a:ext uri="{FF2B5EF4-FFF2-40B4-BE49-F238E27FC236}">
+                <a16:creationId xmlns:a16="http://schemas.microsoft.com/office/drawing/2014/main" id="{941B9833-5D42-4452-930F-568566CD1A44}"/>
+              </a:ext>
+            </a:extLst>
+          </p:cNvPr>
+          <p:cNvSpPr>
+            <a:spLocks noGrp="1"/>
+          </p:cNvSpPr>
+          <p:nvPr>
+            <p:ph type="sldNum" sz="quarter" idx="12"/>
+          </p:nvPr>
+        </p:nvSpPr>
+        <p:spPr/>
+        <p:txBody>
+          <a:bodyPr/>
+          <a:lstStyle/>
+          <a:p>
+            <a:fld id="{F2994100-57F3-4399-9A64-220CD25A867F}" type="slidenum">
+              <a:rPr lang="es-MX" smtClean="0"/>
+              <a:t>32</a:t>
+            </a:fld>
+            <a:endParaRPr lang="es-MX"/>
+          </a:p>
+        </p:txBody>
+      </p:sp>
+      <p:sp>
+        <p:nvSpPr>
+          <p:cNvPr id="6" name="CuadroTexto 5">
+            <a:extLst>
+              <a:ext uri="{FF2B5EF4-FFF2-40B4-BE49-F238E27FC236}">
+                <a16:creationId xmlns:a16="http://schemas.microsoft.com/office/drawing/2014/main" id="{BB122A1E-691F-4D84-9C6F-054806A090D4}"/>
+              </a:ext>
+            </a:extLst>
+          </p:cNvPr>
+          <p:cNvSpPr txBox="1"/>
+          <p:nvPr/>
+        </p:nvSpPr>
+        <p:spPr>
+          <a:xfrm>
+            <a:off x="3673317" y="5273509"/>
+            <a:ext cx="4845363" cy="338554"/>
+          </a:xfrm>
+          <a:prstGeom prst="rect">
+            <a:avLst/>
+          </a:prstGeom>
+          <a:noFill/>
+        </p:spPr>
+        <p:txBody>
+          <a:bodyPr wrap="square" rtlCol="0">
+            <a:spAutoFit/>
+          </a:bodyPr>
+          <a:lstStyle/>
+          <a:p>
+            <a:pPr algn="ctr"/>
+            <a:r>
+              <a:rPr lang="es-MX" sz="1600" dirty="0"/>
+              <a:t>Figura 17 Consulta SPARQL</a:t>
+            </a:r>
+          </a:p>
+        </p:txBody>
+      </p:sp>
+    </p:spTree>
+    <p:extLst>
+      <p:ext uri="{BB962C8B-B14F-4D97-AF65-F5344CB8AC3E}">
+        <p14:creationId xmlns:p14="http://schemas.microsoft.com/office/powerpoint/2010/main" val="3210650959"/>
+      </p:ext>
+    </p:extLst>
+  </p:cSld>
+  <p:clrMapOvr>
+    <a:masterClrMapping/>
+  </p:clrMapOvr>
+</p:sld>
+</file>
+
+<file path=ppt/slides/slide33.xml><?xml version="1.0" encoding="utf-8"?>
+<p:sld xmlns:a="http://schemas.openxmlformats.org/drawingml/2006/main" xmlns:r="http://schemas.openxmlformats.org/officeDocument/2006/relationships" xmlns:p="http://schemas.openxmlformats.org/presentationml/2006/main">
+  <p:cSld>
+    <p:spTree>
+      <p:nvGrpSpPr>
+        <p:cNvPr id="1" name=""/>
+        <p:cNvGrpSpPr/>
+        <p:nvPr/>
+      </p:nvGrpSpPr>
+      <p:grpSpPr>
+        <a:xfrm>
+          <a:off x="0" y="0"/>
+          <a:ext cx="0" cy="0"/>
+          <a:chOff x="0" y="0"/>
+          <a:chExt cx="0" cy="0"/>
+        </a:xfrm>
+      </p:grpSpPr>
+      <p:sp>
+        <p:nvSpPr>
+          <p:cNvPr id="2" name="Título 1">
+            <a:extLst>
+              <a:ext uri="{FF2B5EF4-FFF2-40B4-BE49-F238E27FC236}">
+                <a16:creationId xmlns:a16="http://schemas.microsoft.com/office/drawing/2014/main" id="{CED2B5BE-D7B2-4FC9-B1C2-A983AA7AEF7A}"/>
+              </a:ext>
+            </a:extLst>
+          </p:cNvPr>
+          <p:cNvSpPr>
+            <a:spLocks noGrp="1"/>
+          </p:cNvSpPr>
+          <p:nvPr>
+            <p:ph type="title"/>
+          </p:nvPr>
+        </p:nvSpPr>
+        <p:spPr/>
+        <p:txBody>
+          <a:bodyPr/>
+          <a:lstStyle/>
+          <a:p>
+            <a:r>
+              <a:rPr lang="es-MX" dirty="0"/>
+              <a:t>Consulta </a:t>
+            </a:r>
+            <a:r>
+              <a:rPr lang="es-MX" dirty="0" err="1"/>
+              <a:t>Sparql</a:t>
+            </a:r>
+            <a:endParaRPr lang="es-MX" dirty="0"/>
+          </a:p>
+        </p:txBody>
+      </p:sp>
+      <p:sp>
+        <p:nvSpPr>
+          <p:cNvPr id="3" name="Marcador de contenido 2">
+            <a:extLst>
+              <a:ext uri="{FF2B5EF4-FFF2-40B4-BE49-F238E27FC236}">
+                <a16:creationId xmlns:a16="http://schemas.microsoft.com/office/drawing/2014/main" id="{EB12842C-1D7C-4940-A7DD-007F09C57C17}"/>
+              </a:ext>
+            </a:extLst>
+          </p:cNvPr>
+          <p:cNvSpPr>
+            <a:spLocks noGrp="1"/>
+          </p:cNvSpPr>
+          <p:nvPr>
+            <p:ph idx="1"/>
+          </p:nvPr>
+        </p:nvSpPr>
+        <p:spPr/>
+        <p:txBody>
+          <a:bodyPr/>
+          <a:lstStyle/>
+          <a:p>
+            <a:endParaRPr lang="es-MX"/>
+          </a:p>
+        </p:txBody>
+      </p:sp>
+      <p:sp>
+        <p:nvSpPr>
+          <p:cNvPr id="4" name="Marcador de número de diapositiva 3">
+            <a:extLst>
+              <a:ext uri="{FF2B5EF4-FFF2-40B4-BE49-F238E27FC236}">
+                <a16:creationId xmlns:a16="http://schemas.microsoft.com/office/drawing/2014/main" id="{A8F29900-06D8-4DEC-839F-677016630559}"/>
+              </a:ext>
+            </a:extLst>
+          </p:cNvPr>
+          <p:cNvSpPr>
+            <a:spLocks noGrp="1"/>
+          </p:cNvSpPr>
+          <p:nvPr>
+            <p:ph type="sldNum" sz="quarter" idx="12"/>
+          </p:nvPr>
+        </p:nvSpPr>
+        <p:spPr/>
+        <p:txBody>
+          <a:bodyPr/>
+          <a:lstStyle/>
+          <a:p>
+            <a:fld id="{F2994100-57F3-4399-9A64-220CD25A867F}" type="slidenum">
+              <a:rPr lang="es-MX" smtClean="0"/>
+              <a:t>33</a:t>
+            </a:fld>
+            <a:endParaRPr lang="es-MX"/>
+          </a:p>
+        </p:txBody>
+      </p:sp>
+      <p:pic>
+        <p:nvPicPr>
+          <p:cNvPr id="5" name="Imagen 4">
+            <a:extLst>
+              <a:ext uri="{FF2B5EF4-FFF2-40B4-BE49-F238E27FC236}">
+                <a16:creationId xmlns:a16="http://schemas.microsoft.com/office/drawing/2014/main" id="{174898B2-205E-4EB7-9909-D385433C3C59}"/>
+              </a:ext>
+            </a:extLst>
+          </p:cNvPr>
+          <p:cNvPicPr>
+            <a:picLocks noChangeAspect="1"/>
+          </p:cNvPicPr>
+          <p:nvPr/>
+        </p:nvPicPr>
+        <p:blipFill>
+          <a:blip r:embed="rId2"/>
+          <a:stretch>
+            <a:fillRect/>
+          </a:stretch>
+        </p:blipFill>
+        <p:spPr>
+          <a:xfrm>
+            <a:off x="2605809" y="2638044"/>
+            <a:ext cx="6980382" cy="4037070"/>
+          </a:xfrm>
+          <a:prstGeom prst="rect">
+            <a:avLst/>
+          </a:prstGeom>
+        </p:spPr>
+      </p:pic>
+      <p:sp>
+        <p:nvSpPr>
+          <p:cNvPr id="6" name="CuadroTexto 5">
+            <a:extLst>
+              <a:ext uri="{FF2B5EF4-FFF2-40B4-BE49-F238E27FC236}">
+                <a16:creationId xmlns:a16="http://schemas.microsoft.com/office/drawing/2014/main" id="{B75CE11C-94C6-49AF-865E-A7D97419F8C8}"/>
+              </a:ext>
+            </a:extLst>
+          </p:cNvPr>
+          <p:cNvSpPr txBox="1"/>
+          <p:nvPr/>
+        </p:nvSpPr>
+        <p:spPr>
+          <a:xfrm>
+            <a:off x="3585386" y="2299490"/>
+            <a:ext cx="5021228" cy="338554"/>
+          </a:xfrm>
+          <a:prstGeom prst="rect">
+            <a:avLst/>
+          </a:prstGeom>
+          <a:noFill/>
+        </p:spPr>
+        <p:txBody>
+          <a:bodyPr wrap="square" rtlCol="0">
+            <a:spAutoFit/>
+          </a:bodyPr>
+          <a:lstStyle/>
+          <a:p>
+            <a:pPr algn="ctr"/>
+            <a:r>
+              <a:rPr lang="es-MX" sz="1600" dirty="0"/>
+              <a:t>Tabla 3 Resultado de consulta SPARQL</a:t>
+            </a:r>
+          </a:p>
+        </p:txBody>
+      </p:sp>
+    </p:spTree>
+    <p:extLst>
+      <p:ext uri="{BB962C8B-B14F-4D97-AF65-F5344CB8AC3E}">
+        <p14:creationId xmlns:p14="http://schemas.microsoft.com/office/powerpoint/2010/main" val="2732433651"/>
+      </p:ext>
+    </p:extLst>
+  </p:cSld>
+  <p:clrMapOvr>
+    <a:masterClrMapping/>
+  </p:clrMapOvr>
+</p:sld>
+</file>
+
+<file path=ppt/slides/slide34.xml><?xml version="1.0" encoding="utf-8"?>
+<p:sld xmlns:a="http://schemas.openxmlformats.org/drawingml/2006/main" xmlns:r="http://schemas.openxmlformats.org/officeDocument/2006/relationships" xmlns:p="http://schemas.openxmlformats.org/presentationml/2006/main">
+  <p:cSld>
+    <p:spTree>
+      <p:nvGrpSpPr>
+        <p:cNvPr id="1" name=""/>
+        <p:cNvGrpSpPr/>
+        <p:nvPr/>
+      </p:nvGrpSpPr>
+      <p:grpSpPr>
+        <a:xfrm>
+          <a:off x="0" y="0"/>
+          <a:ext cx="0" cy="0"/>
+          <a:chOff x="0" y="0"/>
+          <a:chExt cx="0" cy="0"/>
+        </a:xfrm>
+      </p:grpSpPr>
+      <p:sp>
+        <p:nvSpPr>
+          <p:cNvPr id="2" name="Título 1">
+            <a:extLst>
+              <a:ext uri="{FF2B5EF4-FFF2-40B4-BE49-F238E27FC236}">
+                <a16:creationId xmlns:a16="http://schemas.microsoft.com/office/drawing/2014/main" id="{75C9B94E-53A6-48C7-AE1E-160262A198A6}"/>
+              </a:ext>
+            </a:extLst>
+          </p:cNvPr>
+          <p:cNvSpPr>
+            <a:spLocks noGrp="1"/>
+          </p:cNvSpPr>
+          <p:nvPr>
+            <p:ph type="title"/>
+          </p:nvPr>
+        </p:nvSpPr>
+        <p:spPr/>
+        <p:txBody>
+          <a:bodyPr/>
+          <a:lstStyle/>
+          <a:p>
+            <a:r>
+              <a:rPr lang="es-MX" dirty="0"/>
+              <a:t>Consulta </a:t>
+            </a:r>
+            <a:r>
+              <a:rPr lang="es-MX" dirty="0" err="1"/>
+              <a:t>geosparql</a:t>
+            </a:r>
+            <a:endParaRPr lang="es-MX" dirty="0"/>
+          </a:p>
+        </p:txBody>
+      </p:sp>
+      <p:sp>
+        <p:nvSpPr>
+          <p:cNvPr id="4" name="Marcador de número de diapositiva 3">
+            <a:extLst>
+              <a:ext uri="{FF2B5EF4-FFF2-40B4-BE49-F238E27FC236}">
+                <a16:creationId xmlns:a16="http://schemas.microsoft.com/office/drawing/2014/main" id="{F80983CB-B92A-40B2-909F-2CD0A9F8A57E}"/>
+              </a:ext>
+            </a:extLst>
+          </p:cNvPr>
+          <p:cNvSpPr>
+            <a:spLocks noGrp="1"/>
+          </p:cNvSpPr>
+          <p:nvPr>
+            <p:ph type="sldNum" sz="quarter" idx="12"/>
+          </p:nvPr>
+        </p:nvSpPr>
+        <p:spPr/>
+        <p:txBody>
+          <a:bodyPr/>
+          <a:lstStyle/>
+          <a:p>
+            <a:fld id="{F2994100-57F3-4399-9A64-220CD25A867F}" type="slidenum">
+              <a:rPr lang="es-MX" smtClean="0"/>
+              <a:t>34</a:t>
+            </a:fld>
+            <a:endParaRPr lang="es-MX"/>
+          </a:p>
+        </p:txBody>
+      </p:sp>
+      <p:sp>
+        <p:nvSpPr>
+          <p:cNvPr id="6" name="CuadroTexto 5">
+            <a:extLst>
+              <a:ext uri="{FF2B5EF4-FFF2-40B4-BE49-F238E27FC236}">
+                <a16:creationId xmlns:a16="http://schemas.microsoft.com/office/drawing/2014/main" id="{7DCB7165-9C3E-43D0-A09A-4FBDB4D429CB}"/>
+              </a:ext>
+            </a:extLst>
+          </p:cNvPr>
+          <p:cNvSpPr txBox="1"/>
+          <p:nvPr/>
+        </p:nvSpPr>
+        <p:spPr>
+          <a:xfrm>
+            <a:off x="532951" y="5554754"/>
+            <a:ext cx="4845363" cy="338554"/>
+          </a:xfrm>
+          <a:prstGeom prst="rect">
+            <a:avLst/>
+          </a:prstGeom>
+          <a:noFill/>
+        </p:spPr>
+        <p:txBody>
+          <a:bodyPr wrap="square" rtlCol="0">
+            <a:spAutoFit/>
+          </a:bodyPr>
+          <a:lstStyle/>
+          <a:p>
+            <a:pPr algn="ctr"/>
+            <a:r>
+              <a:rPr lang="es-MX" sz="1600" dirty="0"/>
+              <a:t>Figura 18 Consulta GeoSPARQL</a:t>
+            </a:r>
+          </a:p>
+        </p:txBody>
+      </p:sp>
+      <p:sp>
+        <p:nvSpPr>
+          <p:cNvPr id="8" name="CuadroTexto 7">
+            <a:extLst>
+              <a:ext uri="{FF2B5EF4-FFF2-40B4-BE49-F238E27FC236}">
+                <a16:creationId xmlns:a16="http://schemas.microsoft.com/office/drawing/2014/main" id="{70D6616F-9E90-4BEA-808C-0182362C6E3A}"/>
+              </a:ext>
+            </a:extLst>
+          </p:cNvPr>
+          <p:cNvSpPr txBox="1"/>
+          <p:nvPr/>
+        </p:nvSpPr>
+        <p:spPr>
+          <a:xfrm>
+            <a:off x="6096439" y="5554754"/>
+            <a:ext cx="4845363" cy="338554"/>
+          </a:xfrm>
+          <a:prstGeom prst="rect">
+            <a:avLst/>
+          </a:prstGeom>
+          <a:noFill/>
+        </p:spPr>
+        <p:txBody>
+          <a:bodyPr wrap="square" rtlCol="0">
+            <a:spAutoFit/>
+          </a:bodyPr>
+          <a:lstStyle/>
+          <a:p>
+            <a:pPr algn="ctr"/>
+            <a:r>
+              <a:rPr lang="es-MX" sz="1600" dirty="0"/>
+              <a:t>Figura 19 Resultados de consulta</a:t>
+            </a:r>
+          </a:p>
+        </p:txBody>
+      </p:sp>
+      <p:sp>
+        <p:nvSpPr>
+          <p:cNvPr id="11" name="Marcador de contenido 10">
+            <a:extLst>
+              <a:ext uri="{FF2B5EF4-FFF2-40B4-BE49-F238E27FC236}">
+                <a16:creationId xmlns:a16="http://schemas.microsoft.com/office/drawing/2014/main" id="{EA1BA769-EC83-4EDA-A2F2-B0335757F030}"/>
+              </a:ext>
+            </a:extLst>
+          </p:cNvPr>
+          <p:cNvSpPr>
+            <a:spLocks noGrp="1"/>
+          </p:cNvSpPr>
+          <p:nvPr>
+            <p:ph idx="1"/>
+          </p:nvPr>
+        </p:nvSpPr>
+        <p:spPr/>
+        <p:txBody>
+          <a:bodyPr/>
+          <a:lstStyle/>
+          <a:p>
+            <a:endParaRPr lang="es-MX" dirty="0"/>
+          </a:p>
+        </p:txBody>
+      </p:sp>
+      <p:pic>
+        <p:nvPicPr>
+          <p:cNvPr id="13" name="Imagen 12">
+            <a:extLst>
+              <a:ext uri="{FF2B5EF4-FFF2-40B4-BE49-F238E27FC236}">
+                <a16:creationId xmlns:a16="http://schemas.microsoft.com/office/drawing/2014/main" id="{848A9D82-08D0-455A-B023-9D721885656D}"/>
+              </a:ext>
+            </a:extLst>
+          </p:cNvPr>
+          <p:cNvPicPr>
+            <a:picLocks noChangeAspect="1"/>
+          </p:cNvPicPr>
+          <p:nvPr/>
+        </p:nvPicPr>
+        <p:blipFill>
+          <a:blip r:embed="rId2"/>
+          <a:stretch>
+            <a:fillRect/>
+          </a:stretch>
+        </p:blipFill>
+        <p:spPr>
+          <a:xfrm>
+            <a:off x="871954" y="2720704"/>
+            <a:ext cx="4167355" cy="3019323"/>
+          </a:xfrm>
+          <a:prstGeom prst="rect">
+            <a:avLst/>
+          </a:prstGeom>
+          <a:effectLst>
+            <a:softEdge rad="317500"/>
+          </a:effectLst>
+        </p:spPr>
+      </p:pic>
+      <p:pic>
+        <p:nvPicPr>
+          <p:cNvPr id="14" name="Imagen 13">
+            <a:extLst>
+              <a:ext uri="{FF2B5EF4-FFF2-40B4-BE49-F238E27FC236}">
+                <a16:creationId xmlns:a16="http://schemas.microsoft.com/office/drawing/2014/main" id="{C06A608D-8D51-4B38-9788-95BB0BBFEB50}"/>
+              </a:ext>
+            </a:extLst>
+          </p:cNvPr>
+          <p:cNvPicPr>
+            <a:picLocks noChangeAspect="1"/>
+          </p:cNvPicPr>
+          <p:nvPr/>
+        </p:nvPicPr>
+        <p:blipFill>
+          <a:blip r:embed="rId3">
+            <a:clrChange>
+              <a:clrFrom>
+                <a:srgbClr val="FFFFFF"/>
+              </a:clrFrom>
+              <a:clrTo>
+                <a:srgbClr val="FFFFFF">
+                  <a:alpha val="0"/>
+                </a:srgbClr>
+              </a:clrTo>
+            </a:clrChange>
+          </a:blip>
+          <a:stretch>
+            <a:fillRect/>
+          </a:stretch>
+        </p:blipFill>
+        <p:spPr>
+          <a:xfrm>
+            <a:off x="6435442" y="3184358"/>
+            <a:ext cx="4167355" cy="2217115"/>
+          </a:xfrm>
+          <a:prstGeom prst="rect">
+            <a:avLst/>
+          </a:prstGeom>
+        </p:spPr>
+      </p:pic>
+    </p:spTree>
+    <p:extLst>
+      <p:ext uri="{BB962C8B-B14F-4D97-AF65-F5344CB8AC3E}">
+        <p14:creationId xmlns:p14="http://schemas.microsoft.com/office/powerpoint/2010/main" val="1236771163"/>
+      </p:ext>
+    </p:extLst>
+  </p:cSld>
+  <p:clrMapOvr>
+    <a:masterClrMapping/>
+  </p:clrMapOvr>
+</p:sld>
+</file>
+
+<file path=ppt/slides/slide35.xml><?xml version="1.0" encoding="utf-8"?>
+<p:sld xmlns:a="http://schemas.openxmlformats.org/drawingml/2006/main" xmlns:r="http://schemas.openxmlformats.org/officeDocument/2006/relationships" xmlns:p="http://schemas.openxmlformats.org/presentationml/2006/main">
+  <p:cSld>
+    <p:spTree>
+      <p:nvGrpSpPr>
+        <p:cNvPr id="1" name=""/>
+        <p:cNvGrpSpPr/>
+        <p:nvPr/>
+      </p:nvGrpSpPr>
+      <p:grpSpPr>
+        <a:xfrm>
+          <a:off x="0" y="0"/>
+          <a:ext cx="0" cy="0"/>
+          <a:chOff x="0" y="0"/>
+          <a:chExt cx="0" cy="0"/>
+        </a:xfrm>
+      </p:grpSpPr>
+      <p:sp>
+        <p:nvSpPr>
+          <p:cNvPr id="2" name="Título 1">
+            <a:extLst>
+              <a:ext uri="{FF2B5EF4-FFF2-40B4-BE49-F238E27FC236}">
+                <a16:creationId xmlns:a16="http://schemas.microsoft.com/office/drawing/2014/main" id="{88B4DB3B-A1FF-4394-B931-7AE2BD7BE2F7}"/>
+              </a:ext>
+            </a:extLst>
+          </p:cNvPr>
+          <p:cNvSpPr>
+            <a:spLocks noGrp="1"/>
+          </p:cNvSpPr>
+          <p:nvPr>
+            <p:ph type="title"/>
+          </p:nvPr>
+        </p:nvSpPr>
+        <p:spPr/>
+        <p:txBody>
+          <a:bodyPr/>
+          <a:lstStyle/>
+          <a:p>
+            <a:r>
+              <a:rPr lang="es-MX" dirty="0"/>
+              <a:t>BIBLIOGRAFÍA</a:t>
+            </a:r>
+          </a:p>
+        </p:txBody>
+      </p:sp>
+      <p:graphicFrame>
+        <p:nvGraphicFramePr>
+          <p:cNvPr id="6" name="Marcador de contenido 5">
+            <a:extLst>
+              <a:ext uri="{FF2B5EF4-FFF2-40B4-BE49-F238E27FC236}">
+                <a16:creationId xmlns:a16="http://schemas.microsoft.com/office/drawing/2014/main" id="{10887721-808A-4392-9022-E0CEDED565F7}"/>
+              </a:ext>
+            </a:extLst>
+          </p:cNvPr>
+          <p:cNvGraphicFramePr>
+            <a:graphicFrameLocks noGrp="1"/>
+          </p:cNvGraphicFramePr>
+          <p:nvPr>
+            <p:ph idx="1"/>
+          </p:nvPr>
+        </p:nvGraphicFramePr>
+        <p:xfrm>
+          <a:off x="1798636" y="2577611"/>
+          <a:ext cx="8594725" cy="1522159"/>
+        </p:xfrm>
+        <a:graphic>
+          <a:graphicData uri="http://schemas.openxmlformats.org/drawingml/2006/table">
+            <a:tbl>
+              <a:tblPr firstRow="1" firstCol="1" bandRow="1"/>
+              <a:tblGrid>
+                <a:gridCol w="512315">
+                  <a:extLst>
+                    <a:ext uri="{9D8B030D-6E8A-4147-A177-3AD203B41FA5}">
+                      <a16:colId xmlns:a16="http://schemas.microsoft.com/office/drawing/2014/main" val="2185559137"/>
+                    </a:ext>
+                  </a:extLst>
+                </a:gridCol>
+                <a:gridCol w="8082410">
+                  <a:extLst>
+                    <a:ext uri="{9D8B030D-6E8A-4147-A177-3AD203B41FA5}">
+                      <a16:colId xmlns:a16="http://schemas.microsoft.com/office/drawing/2014/main" val="3133690742"/>
+                    </a:ext>
+                  </a:extLst>
+                </a:gridCol>
+              </a:tblGrid>
+              <a:tr h="400137">
+                <a:tc>
+                  <a:txBody>
+                    <a:bodyPr/>
+                    <a:lstStyle/>
+                    <a:p>
+                      <a:pPr>
+                        <a:lnSpc>
+                          <a:spcPct val="107000"/>
+                        </a:lnSpc>
+                        <a:spcAft>
+                          <a:spcPts val="800"/>
+                        </a:spcAft>
+                      </a:pPr>
+                      <a:r>
+                        <a:rPr lang="es-MX" sz="1400" dirty="0">
+                          <a:effectLst/>
+                          <a:latin typeface="Calibri" panose="020F0502020204030204" pitchFamily="34" charset="0"/>
+                          <a:ea typeface="Calibri" panose="020F0502020204030204" pitchFamily="34" charset="0"/>
+                          <a:cs typeface="Times New Roman" panose="02020603050405020304" pitchFamily="18" charset="0"/>
+                        </a:rPr>
+                        <a:t>[1] </a:t>
+                      </a:r>
+                    </a:p>
+                  </a:txBody>
+                  <a:tcPr marL="9525" marR="9525" marT="9525" marB="9525">
+                    <a:lnL>
+                      <a:noFill/>
+                    </a:lnL>
+                    <a:lnR>
+                      <a:noFill/>
+                    </a:lnR>
+                    <a:lnT>
+                      <a:noFill/>
+                    </a:lnT>
+                    <a:lnB>
+                      <a:noFill/>
+                    </a:lnB>
+                  </a:tcPr>
+                </a:tc>
+                <a:tc>
+                  <a:txBody>
+                    <a:bodyPr/>
+                    <a:lstStyle/>
+                    <a:p>
+                      <a:pPr>
+                        <a:lnSpc>
+                          <a:spcPct val="200000"/>
+                        </a:lnSpc>
+                        <a:spcAft>
+                          <a:spcPts val="800"/>
+                        </a:spcAft>
+                      </a:pPr>
+                      <a:r>
+                        <a:rPr lang="es-MX" sz="1400" dirty="0">
+                          <a:effectLst/>
+                          <a:latin typeface="Calibri" panose="020F0502020204030204" pitchFamily="34" charset="0"/>
+                          <a:ea typeface="Calibri" panose="020F0502020204030204" pitchFamily="34" charset="0"/>
+                          <a:cs typeface="Times New Roman" panose="02020603050405020304" pitchFamily="18" charset="0"/>
+                        </a:rPr>
+                        <a:t>L. M. Vilches Blázquez y J. Saavedra, «A </a:t>
+                      </a:r>
+                      <a:r>
+                        <a:rPr lang="es-MX" sz="1400" dirty="0" err="1">
+                          <a:effectLst/>
+                          <a:latin typeface="Calibri" panose="020F0502020204030204" pitchFamily="34" charset="0"/>
+                          <a:ea typeface="Calibri" panose="020F0502020204030204" pitchFamily="34" charset="0"/>
+                          <a:cs typeface="Times New Roman" panose="02020603050405020304" pitchFamily="18" charset="0"/>
+                        </a:rPr>
+                        <a:t>framework</a:t>
+                      </a:r>
+                      <a:r>
+                        <a:rPr lang="es-MX" sz="1400" dirty="0">
+                          <a:effectLst/>
+                          <a:latin typeface="Calibri" panose="020F0502020204030204" pitchFamily="34" charset="0"/>
+                          <a:ea typeface="Calibri" panose="020F0502020204030204" pitchFamily="34" charset="0"/>
+                          <a:cs typeface="Times New Roman" panose="02020603050405020304" pitchFamily="18" charset="0"/>
+                        </a:rPr>
+                        <a:t> </a:t>
+                      </a:r>
+                      <a:r>
+                        <a:rPr lang="es-MX" sz="1400" dirty="0" err="1">
+                          <a:effectLst/>
+                          <a:latin typeface="Calibri" panose="020F0502020204030204" pitchFamily="34" charset="0"/>
+                          <a:ea typeface="Calibri" panose="020F0502020204030204" pitchFamily="34" charset="0"/>
+                          <a:cs typeface="Times New Roman" panose="02020603050405020304" pitchFamily="18" charset="0"/>
+                        </a:rPr>
+                        <a:t>for</a:t>
+                      </a:r>
+                      <a:r>
+                        <a:rPr lang="es-MX" sz="1400" dirty="0">
+                          <a:effectLst/>
+                          <a:latin typeface="Calibri" panose="020F0502020204030204" pitchFamily="34" charset="0"/>
+                          <a:ea typeface="Calibri" panose="020F0502020204030204" pitchFamily="34" charset="0"/>
+                          <a:cs typeface="Times New Roman" panose="02020603050405020304" pitchFamily="18" charset="0"/>
+                        </a:rPr>
+                        <a:t> </a:t>
+                      </a:r>
+                      <a:r>
+                        <a:rPr lang="es-MX" sz="1400" dirty="0" err="1">
+                          <a:effectLst/>
+                          <a:latin typeface="Calibri" panose="020F0502020204030204" pitchFamily="34" charset="0"/>
+                          <a:ea typeface="Calibri" panose="020F0502020204030204" pitchFamily="34" charset="0"/>
+                          <a:cs typeface="Times New Roman" panose="02020603050405020304" pitchFamily="18" charset="0"/>
+                        </a:rPr>
+                        <a:t>connecting</a:t>
+                      </a:r>
+                      <a:r>
+                        <a:rPr lang="es-MX" sz="1400" dirty="0">
+                          <a:effectLst/>
+                          <a:latin typeface="Calibri" panose="020F0502020204030204" pitchFamily="34" charset="0"/>
+                          <a:ea typeface="Calibri" panose="020F0502020204030204" pitchFamily="34" charset="0"/>
+                          <a:cs typeface="Times New Roman" panose="02020603050405020304" pitchFamily="18" charset="0"/>
+                        </a:rPr>
+                        <a:t> </a:t>
+                      </a:r>
+                      <a:r>
+                        <a:rPr lang="es-MX" sz="1400" dirty="0" err="1">
+                          <a:effectLst/>
+                          <a:latin typeface="Calibri" panose="020F0502020204030204" pitchFamily="34" charset="0"/>
+                          <a:ea typeface="Calibri" panose="020F0502020204030204" pitchFamily="34" charset="0"/>
+                          <a:cs typeface="Times New Roman" panose="02020603050405020304" pitchFamily="18" charset="0"/>
+                        </a:rPr>
+                        <a:t>two</a:t>
+                      </a:r>
+                      <a:r>
+                        <a:rPr lang="es-MX" sz="1400" dirty="0">
+                          <a:effectLst/>
+                          <a:latin typeface="Calibri" panose="020F0502020204030204" pitchFamily="34" charset="0"/>
+                          <a:ea typeface="Calibri" panose="020F0502020204030204" pitchFamily="34" charset="0"/>
+                          <a:cs typeface="Times New Roman" panose="02020603050405020304" pitchFamily="18" charset="0"/>
+                        </a:rPr>
+                        <a:t> </a:t>
+                      </a:r>
+                      <a:r>
+                        <a:rPr lang="es-MX" sz="1400" dirty="0" err="1">
+                          <a:effectLst/>
+                          <a:latin typeface="Calibri" panose="020F0502020204030204" pitchFamily="34" charset="0"/>
+                          <a:ea typeface="Calibri" panose="020F0502020204030204" pitchFamily="34" charset="0"/>
+                          <a:cs typeface="Times New Roman" panose="02020603050405020304" pitchFamily="18" charset="0"/>
+                        </a:rPr>
+                        <a:t>interoperability</a:t>
+                      </a:r>
+                      <a:r>
+                        <a:rPr lang="es-MX" sz="1400" dirty="0">
+                          <a:effectLst/>
+                          <a:latin typeface="Calibri" panose="020F0502020204030204" pitchFamily="34" charset="0"/>
+                          <a:ea typeface="Calibri" panose="020F0502020204030204" pitchFamily="34" charset="0"/>
+                          <a:cs typeface="Times New Roman" panose="02020603050405020304" pitchFamily="18" charset="0"/>
+                        </a:rPr>
+                        <a:t> </a:t>
+                      </a:r>
+                      <a:r>
+                        <a:rPr lang="es-MX" sz="1400" dirty="0" err="1">
+                          <a:effectLst/>
+                          <a:latin typeface="Calibri" panose="020F0502020204030204" pitchFamily="34" charset="0"/>
+                          <a:ea typeface="Calibri" panose="020F0502020204030204" pitchFamily="34" charset="0"/>
+                          <a:cs typeface="Times New Roman" panose="02020603050405020304" pitchFamily="18" charset="0"/>
+                        </a:rPr>
+                        <a:t>universes</a:t>
+                      </a:r>
+                      <a:r>
+                        <a:rPr lang="es-MX" sz="1400" dirty="0">
+                          <a:effectLst/>
+                          <a:latin typeface="Calibri" panose="020F0502020204030204" pitchFamily="34" charset="0"/>
+                          <a:ea typeface="Calibri" panose="020F0502020204030204" pitchFamily="34" charset="0"/>
+                          <a:cs typeface="Times New Roman" panose="02020603050405020304" pitchFamily="18" charset="0"/>
+                        </a:rPr>
+                        <a:t>: OGC Web </a:t>
+                      </a:r>
+                      <a:r>
+                        <a:rPr lang="es-MX" sz="1400" dirty="0" err="1">
+                          <a:effectLst/>
+                          <a:latin typeface="Calibri" panose="020F0502020204030204" pitchFamily="34" charset="0"/>
+                          <a:ea typeface="Calibri" panose="020F0502020204030204" pitchFamily="34" charset="0"/>
+                          <a:cs typeface="Times New Roman" panose="02020603050405020304" pitchFamily="18" charset="0"/>
+                        </a:rPr>
+                        <a:t>Feature</a:t>
+                      </a:r>
+                      <a:r>
+                        <a:rPr lang="es-MX" sz="1400" dirty="0">
+                          <a:effectLst/>
+                          <a:latin typeface="Calibri" panose="020F0502020204030204" pitchFamily="34" charset="0"/>
+                          <a:ea typeface="Calibri" panose="020F0502020204030204" pitchFamily="34" charset="0"/>
+                          <a:cs typeface="Times New Roman" panose="02020603050405020304" pitchFamily="18" charset="0"/>
+                        </a:rPr>
+                        <a:t> </a:t>
+                      </a:r>
+                      <a:r>
+                        <a:rPr lang="es-MX" sz="1400" dirty="0" err="1">
+                          <a:effectLst/>
+                          <a:latin typeface="Calibri" panose="020F0502020204030204" pitchFamily="34" charset="0"/>
+                          <a:ea typeface="Calibri" panose="020F0502020204030204" pitchFamily="34" charset="0"/>
+                          <a:cs typeface="Times New Roman" panose="02020603050405020304" pitchFamily="18" charset="0"/>
+                        </a:rPr>
+                        <a:t>Services</a:t>
+                      </a:r>
+                      <a:r>
+                        <a:rPr lang="es-MX" sz="1400" dirty="0">
+                          <a:effectLst/>
+                          <a:latin typeface="Calibri" panose="020F0502020204030204" pitchFamily="34" charset="0"/>
+                          <a:ea typeface="Calibri" panose="020F0502020204030204" pitchFamily="34" charset="0"/>
+                          <a:cs typeface="Times New Roman" panose="02020603050405020304" pitchFamily="18" charset="0"/>
+                        </a:rPr>
+                        <a:t> and </a:t>
+                      </a:r>
+                      <a:r>
+                        <a:rPr lang="es-MX" sz="1400" dirty="0" err="1">
+                          <a:effectLst/>
+                          <a:latin typeface="Calibri" panose="020F0502020204030204" pitchFamily="34" charset="0"/>
+                          <a:ea typeface="Calibri" panose="020F0502020204030204" pitchFamily="34" charset="0"/>
+                          <a:cs typeface="Times New Roman" panose="02020603050405020304" pitchFamily="18" charset="0"/>
+                        </a:rPr>
+                        <a:t>Linked</a:t>
+                      </a:r>
+                      <a:r>
+                        <a:rPr lang="es-MX" sz="1400" dirty="0">
+                          <a:effectLst/>
+                          <a:latin typeface="Calibri" panose="020F0502020204030204" pitchFamily="34" charset="0"/>
+                          <a:ea typeface="Calibri" panose="020F0502020204030204" pitchFamily="34" charset="0"/>
+                          <a:cs typeface="Times New Roman" panose="02020603050405020304" pitchFamily="18" charset="0"/>
+                        </a:rPr>
+                        <a:t> Data,» </a:t>
+                      </a:r>
+                      <a:r>
+                        <a:rPr lang="es-MX" sz="1400" i="1" dirty="0" err="1">
+                          <a:effectLst/>
+                          <a:latin typeface="Calibri" panose="020F0502020204030204" pitchFamily="34" charset="0"/>
+                          <a:ea typeface="Calibri" panose="020F0502020204030204" pitchFamily="34" charset="0"/>
+                          <a:cs typeface="Times New Roman" panose="02020603050405020304" pitchFamily="18" charset="0"/>
+                        </a:rPr>
+                        <a:t>Transactions</a:t>
+                      </a:r>
+                      <a:r>
+                        <a:rPr lang="es-MX" sz="1400" i="1" dirty="0">
+                          <a:effectLst/>
+                          <a:latin typeface="Calibri" panose="020F0502020204030204" pitchFamily="34" charset="0"/>
+                          <a:ea typeface="Calibri" panose="020F0502020204030204" pitchFamily="34" charset="0"/>
+                          <a:cs typeface="Times New Roman" panose="02020603050405020304" pitchFamily="18" charset="0"/>
+                        </a:rPr>
+                        <a:t> in GIS, </a:t>
+                      </a:r>
+                      <a:r>
+                        <a:rPr lang="es-MX" sz="1400" dirty="0">
+                          <a:effectLst/>
+                          <a:latin typeface="Calibri" panose="020F0502020204030204" pitchFamily="34" charset="0"/>
+                          <a:ea typeface="Calibri" panose="020F0502020204030204" pitchFamily="34" charset="0"/>
+                          <a:cs typeface="Times New Roman" panose="02020603050405020304" pitchFamily="18" charset="0"/>
+                        </a:rPr>
+                        <a:t>vol. 23, </a:t>
+                      </a:r>
+                      <a:r>
+                        <a:rPr lang="es-MX" sz="1400" dirty="0" err="1">
+                          <a:effectLst/>
+                          <a:latin typeface="Calibri" panose="020F0502020204030204" pitchFamily="34" charset="0"/>
+                          <a:ea typeface="Calibri" panose="020F0502020204030204" pitchFamily="34" charset="0"/>
+                          <a:cs typeface="Times New Roman" panose="02020603050405020304" pitchFamily="18" charset="0"/>
+                        </a:rPr>
+                        <a:t>nº</a:t>
+                      </a:r>
+                      <a:r>
+                        <a:rPr lang="es-MX" sz="1400" dirty="0">
+                          <a:effectLst/>
+                          <a:latin typeface="Calibri" panose="020F0502020204030204" pitchFamily="34" charset="0"/>
+                          <a:ea typeface="Calibri" panose="020F0502020204030204" pitchFamily="34" charset="0"/>
+                          <a:cs typeface="Times New Roman" panose="02020603050405020304" pitchFamily="18" charset="0"/>
+                        </a:rPr>
+                        <a:t> 1, pp. 22-47, 2018.</a:t>
+                      </a:r>
+                    </a:p>
+                    <a:p>
+                      <a:pPr>
+                        <a:lnSpc>
+                          <a:spcPct val="107000"/>
+                        </a:lnSpc>
+                        <a:spcAft>
+                          <a:spcPts val="800"/>
+                        </a:spcAft>
+                      </a:pPr>
+                      <a:endParaRPr lang="es-MX" sz="1400" dirty="0">
+                        <a:effectLst/>
+                        <a:latin typeface="Calibri" panose="020F0502020204030204" pitchFamily="34" charset="0"/>
+                        <a:ea typeface="Calibri" panose="020F0502020204030204" pitchFamily="34" charset="0"/>
+                        <a:cs typeface="Times New Roman" panose="02020603050405020304" pitchFamily="18" charset="0"/>
+                      </a:endParaRPr>
+                    </a:p>
+                    <a:p>
+                      <a:pPr>
+                        <a:lnSpc>
+                          <a:spcPct val="107000"/>
+                        </a:lnSpc>
+                        <a:spcAft>
+                          <a:spcPts val="800"/>
+                        </a:spcAft>
+                      </a:pPr>
+                      <a:r>
+                        <a:rPr lang="es-MX" sz="1400" dirty="0">
+                          <a:effectLst/>
+                          <a:latin typeface="Calibri" panose="020F0502020204030204" pitchFamily="34" charset="0"/>
+                          <a:ea typeface="Calibri" panose="020F0502020204030204" pitchFamily="34" charset="0"/>
+                          <a:cs typeface="Times New Roman" panose="02020603050405020304" pitchFamily="18" charset="0"/>
+                        </a:rPr>
+                        <a:t> </a:t>
+                      </a:r>
+                    </a:p>
+                  </a:txBody>
+                  <a:tcPr marL="9525" marR="9525" marT="9525" marB="9525">
+                    <a:lnL>
+                      <a:noFill/>
+                    </a:lnL>
+                    <a:lnR>
+                      <a:noFill/>
+                    </a:lnR>
+                    <a:lnT>
+                      <a:noFill/>
+                    </a:lnT>
+                    <a:lnB>
+                      <a:noFill/>
+                    </a:lnB>
+                  </a:tcPr>
+                </a:tc>
+                <a:extLst>
+                  <a:ext uri="{0D108BD9-81ED-4DB2-BD59-A6C34878D82A}">
+                    <a16:rowId xmlns:a16="http://schemas.microsoft.com/office/drawing/2014/main" val="2928501680"/>
+                  </a:ext>
+                </a:extLst>
+              </a:tr>
+            </a:tbl>
+          </a:graphicData>
+        </a:graphic>
+      </p:graphicFrame>
+      <p:sp>
+        <p:nvSpPr>
+          <p:cNvPr id="4" name="Marcador de número de diapositiva 3">
+            <a:extLst>
+              <a:ext uri="{FF2B5EF4-FFF2-40B4-BE49-F238E27FC236}">
+                <a16:creationId xmlns:a16="http://schemas.microsoft.com/office/drawing/2014/main" id="{613E1480-BB40-4AF8-ABF3-3C46B2CF0B31}"/>
+              </a:ext>
+            </a:extLst>
+          </p:cNvPr>
+          <p:cNvSpPr>
+            <a:spLocks noGrp="1"/>
+          </p:cNvSpPr>
+          <p:nvPr>
+            <p:ph type="sldNum" sz="quarter" idx="12"/>
+          </p:nvPr>
+        </p:nvSpPr>
+        <p:spPr/>
+        <p:txBody>
+          <a:bodyPr>
+            <a:normAutofit lnSpcReduction="10000"/>
+          </a:bodyPr>
+          <a:lstStyle/>
+          <a:p>
+            <a:fld id="{F2994100-57F3-4399-9A64-220CD25A867F}" type="slidenum">
+              <a:rPr lang="es-MX" smtClean="0"/>
+              <a:t>35</a:t>
+            </a:fld>
+            <a:endParaRPr lang="es-MX"/>
+          </a:p>
+        </p:txBody>
+      </p:sp>
+      <p:graphicFrame>
+        <p:nvGraphicFramePr>
+          <p:cNvPr id="8" name="Tabla 7">
+            <a:extLst>
+              <a:ext uri="{FF2B5EF4-FFF2-40B4-BE49-F238E27FC236}">
+                <a16:creationId xmlns:a16="http://schemas.microsoft.com/office/drawing/2014/main" id="{F42129DE-B354-466B-B79B-9BA5F896A6D5}"/>
+              </a:ext>
+            </a:extLst>
+          </p:cNvPr>
+          <p:cNvGraphicFramePr>
+            <a:graphicFrameLocks noGrp="1"/>
+          </p:cNvGraphicFramePr>
+          <p:nvPr>
+            <p:extLst>
+              <p:ext uri="{D42A27DB-BD31-4B8C-83A1-F6EECF244321}">
+                <p14:modId xmlns:p14="http://schemas.microsoft.com/office/powerpoint/2010/main" val="604508160"/>
+              </p:ext>
+            </p:extLst>
+          </p:nvPr>
+        </p:nvGraphicFramePr>
+        <p:xfrm>
+          <a:off x="1798637" y="3338692"/>
+          <a:ext cx="8594725" cy="2966531"/>
+        </p:xfrm>
+        <a:graphic>
+          <a:graphicData uri="http://schemas.openxmlformats.org/drawingml/2006/table">
+            <a:tbl>
+              <a:tblPr firstRow="1" firstCol="1" bandRow="1"/>
+              <a:tblGrid>
+                <a:gridCol w="512315">
+                  <a:extLst>
+                    <a:ext uri="{9D8B030D-6E8A-4147-A177-3AD203B41FA5}">
+                      <a16:colId xmlns:a16="http://schemas.microsoft.com/office/drawing/2014/main" val="920584917"/>
+                    </a:ext>
+                  </a:extLst>
+                </a:gridCol>
+                <a:gridCol w="8082410">
+                  <a:extLst>
+                    <a:ext uri="{9D8B030D-6E8A-4147-A177-3AD203B41FA5}">
+                      <a16:colId xmlns:a16="http://schemas.microsoft.com/office/drawing/2014/main" val="1376199545"/>
+                    </a:ext>
+                  </a:extLst>
+                </a:gridCol>
+              </a:tblGrid>
+              <a:tr h="669713">
+                <a:tc>
+                  <a:txBody>
+                    <a:bodyPr/>
+                    <a:lstStyle/>
+                    <a:p>
+                      <a:pPr>
+                        <a:lnSpc>
+                          <a:spcPct val="200000"/>
+                        </a:lnSpc>
+                        <a:spcAft>
+                          <a:spcPts val="800"/>
+                        </a:spcAft>
+                      </a:pPr>
+                      <a:r>
+                        <a:rPr lang="es-MX" sz="1400" dirty="0">
+                          <a:effectLst/>
+                          <a:latin typeface="Calibri" panose="020F0502020204030204" pitchFamily="34" charset="0"/>
+                          <a:ea typeface="Calibri" panose="020F0502020204030204" pitchFamily="34" charset="0"/>
+                          <a:cs typeface="Times New Roman" panose="02020603050405020304" pitchFamily="18" charset="0"/>
+                        </a:rPr>
+                        <a:t>[2] </a:t>
+                      </a:r>
+                    </a:p>
+                  </a:txBody>
+                  <a:tcPr marL="9525" marR="9525" marT="9525" marB="9525">
+                    <a:lnL>
+                      <a:noFill/>
+                    </a:lnL>
+                    <a:lnR>
+                      <a:noFill/>
+                    </a:lnR>
+                    <a:lnT>
+                      <a:noFill/>
+                    </a:lnT>
+                    <a:lnB>
+                      <a:noFill/>
+                    </a:lnB>
+                  </a:tcPr>
+                </a:tc>
+                <a:tc>
+                  <a:txBody>
+                    <a:bodyPr/>
+                    <a:lstStyle/>
+                    <a:p>
+                      <a:pPr>
+                        <a:lnSpc>
+                          <a:spcPct val="200000"/>
+                        </a:lnSpc>
+                        <a:spcAft>
+                          <a:spcPts val="800"/>
+                        </a:spcAft>
+                      </a:pPr>
+                      <a:r>
+                        <a:rPr lang="es-MX" sz="1400" dirty="0">
+                          <a:effectLst/>
+                          <a:latin typeface="Calibri" panose="020F0502020204030204" pitchFamily="34" charset="0"/>
+                          <a:ea typeface="Calibri" panose="020F0502020204030204" pitchFamily="34" charset="0"/>
+                          <a:cs typeface="Times New Roman" panose="02020603050405020304" pitchFamily="18" charset="0"/>
+                        </a:rPr>
+                        <a:t>M. </a:t>
+                      </a:r>
+                      <a:r>
+                        <a:rPr lang="es-MX" sz="1400" dirty="0" err="1">
+                          <a:effectLst/>
+                          <a:latin typeface="Calibri" panose="020F0502020204030204" pitchFamily="34" charset="0"/>
+                          <a:ea typeface="Calibri" panose="020F0502020204030204" pitchFamily="34" charset="0"/>
+                          <a:cs typeface="Times New Roman" panose="02020603050405020304" pitchFamily="18" charset="0"/>
+                        </a:rPr>
+                        <a:t>Shmidt</a:t>
+                      </a:r>
+                      <a:r>
+                        <a:rPr lang="es-MX" sz="1400" dirty="0">
+                          <a:effectLst/>
+                          <a:latin typeface="Calibri" panose="020F0502020204030204" pitchFamily="34" charset="0"/>
+                          <a:ea typeface="Calibri" panose="020F0502020204030204" pitchFamily="34" charset="0"/>
+                          <a:cs typeface="Times New Roman" panose="02020603050405020304" pitchFamily="18" charset="0"/>
+                        </a:rPr>
+                        <a:t>, O. Görlitz, P. Haase, G. </a:t>
+                      </a:r>
+                      <a:r>
+                        <a:rPr lang="es-MX" sz="1400" dirty="0" err="1">
+                          <a:effectLst/>
+                          <a:latin typeface="Calibri" panose="020F0502020204030204" pitchFamily="34" charset="0"/>
+                          <a:ea typeface="Calibri" panose="020F0502020204030204" pitchFamily="34" charset="0"/>
+                          <a:cs typeface="Times New Roman" panose="02020603050405020304" pitchFamily="18" charset="0"/>
+                        </a:rPr>
+                        <a:t>Ladwig</a:t>
+                      </a:r>
+                      <a:r>
+                        <a:rPr lang="es-MX" sz="1400" dirty="0">
+                          <a:effectLst/>
+                          <a:latin typeface="Calibri" panose="020F0502020204030204" pitchFamily="34" charset="0"/>
+                          <a:ea typeface="Calibri" panose="020F0502020204030204" pitchFamily="34" charset="0"/>
+                          <a:cs typeface="Times New Roman" panose="02020603050405020304" pitchFamily="18" charset="0"/>
+                        </a:rPr>
+                        <a:t>, A. </a:t>
+                      </a:r>
+                      <a:r>
+                        <a:rPr lang="es-MX" sz="1400" dirty="0" err="1">
+                          <a:effectLst/>
+                          <a:latin typeface="Calibri" panose="020F0502020204030204" pitchFamily="34" charset="0"/>
+                          <a:ea typeface="Calibri" panose="020F0502020204030204" pitchFamily="34" charset="0"/>
+                          <a:cs typeface="Times New Roman" panose="02020603050405020304" pitchFamily="18" charset="0"/>
+                        </a:rPr>
+                        <a:t>Shwarte</a:t>
+                      </a:r>
+                      <a:r>
+                        <a:rPr lang="es-MX" sz="1400" dirty="0">
+                          <a:effectLst/>
+                          <a:latin typeface="Calibri" panose="020F0502020204030204" pitchFamily="34" charset="0"/>
+                          <a:ea typeface="Calibri" panose="020F0502020204030204" pitchFamily="34" charset="0"/>
+                          <a:cs typeface="Times New Roman" panose="02020603050405020304" pitchFamily="18" charset="0"/>
+                        </a:rPr>
+                        <a:t> y T. Tran, «</a:t>
+                      </a:r>
+                      <a:r>
+                        <a:rPr lang="es-MX" sz="1400" dirty="0" err="1">
+                          <a:effectLst/>
+                          <a:latin typeface="Calibri" panose="020F0502020204030204" pitchFamily="34" charset="0"/>
+                          <a:ea typeface="Calibri" panose="020F0502020204030204" pitchFamily="34" charset="0"/>
+                          <a:cs typeface="Times New Roman" panose="02020603050405020304" pitchFamily="18" charset="0"/>
+                        </a:rPr>
+                        <a:t>FedBench</a:t>
+                      </a:r>
+                      <a:r>
+                        <a:rPr lang="es-MX" sz="1400" dirty="0">
+                          <a:effectLst/>
+                          <a:latin typeface="Calibri" panose="020F0502020204030204" pitchFamily="34" charset="0"/>
+                          <a:ea typeface="Calibri" panose="020F0502020204030204" pitchFamily="34" charset="0"/>
+                          <a:cs typeface="Times New Roman" panose="02020603050405020304" pitchFamily="18" charset="0"/>
+                        </a:rPr>
+                        <a:t>: A </a:t>
+                      </a:r>
+                      <a:r>
+                        <a:rPr lang="es-MX" sz="1400" dirty="0" err="1">
+                          <a:effectLst/>
+                          <a:latin typeface="Calibri" panose="020F0502020204030204" pitchFamily="34" charset="0"/>
+                          <a:ea typeface="Calibri" panose="020F0502020204030204" pitchFamily="34" charset="0"/>
+                          <a:cs typeface="Times New Roman" panose="02020603050405020304" pitchFamily="18" charset="0"/>
+                        </a:rPr>
+                        <a:t>Benchmark</a:t>
+                      </a:r>
+                      <a:r>
+                        <a:rPr lang="es-MX" sz="1400" dirty="0">
+                          <a:effectLst/>
+                          <a:latin typeface="Calibri" panose="020F0502020204030204" pitchFamily="34" charset="0"/>
+                          <a:ea typeface="Calibri" panose="020F0502020204030204" pitchFamily="34" charset="0"/>
+                          <a:cs typeface="Times New Roman" panose="02020603050405020304" pitchFamily="18" charset="0"/>
+                        </a:rPr>
+                        <a:t> Suite </a:t>
+                      </a:r>
+                      <a:r>
+                        <a:rPr lang="es-MX" sz="1400" dirty="0" err="1">
+                          <a:effectLst/>
+                          <a:latin typeface="Calibri" panose="020F0502020204030204" pitchFamily="34" charset="0"/>
+                          <a:ea typeface="Calibri" panose="020F0502020204030204" pitchFamily="34" charset="0"/>
+                          <a:cs typeface="Times New Roman" panose="02020603050405020304" pitchFamily="18" charset="0"/>
+                        </a:rPr>
+                        <a:t>for</a:t>
+                      </a:r>
+                      <a:r>
+                        <a:rPr lang="es-MX" sz="1400" dirty="0">
+                          <a:effectLst/>
+                          <a:latin typeface="Calibri" panose="020F0502020204030204" pitchFamily="34" charset="0"/>
+                          <a:ea typeface="Calibri" panose="020F0502020204030204" pitchFamily="34" charset="0"/>
+                          <a:cs typeface="Times New Roman" panose="02020603050405020304" pitchFamily="18" charset="0"/>
+                        </a:rPr>
+                        <a:t> </a:t>
+                      </a:r>
+                      <a:r>
+                        <a:rPr lang="es-MX" sz="1400" dirty="0" err="1">
+                          <a:effectLst/>
+                          <a:latin typeface="Calibri" panose="020F0502020204030204" pitchFamily="34" charset="0"/>
+                          <a:ea typeface="Calibri" panose="020F0502020204030204" pitchFamily="34" charset="0"/>
+                          <a:cs typeface="Times New Roman" panose="02020603050405020304" pitchFamily="18" charset="0"/>
+                        </a:rPr>
+                        <a:t>Federated</a:t>
+                      </a:r>
+                      <a:r>
+                        <a:rPr lang="es-MX" sz="1400" dirty="0">
+                          <a:effectLst/>
+                          <a:latin typeface="Calibri" panose="020F0502020204030204" pitchFamily="34" charset="0"/>
+                          <a:ea typeface="Calibri" panose="020F0502020204030204" pitchFamily="34" charset="0"/>
+                          <a:cs typeface="Times New Roman" panose="02020603050405020304" pitchFamily="18" charset="0"/>
+                        </a:rPr>
+                        <a:t> </a:t>
+                      </a:r>
+                      <a:r>
+                        <a:rPr lang="es-MX" sz="1400" dirty="0" err="1">
+                          <a:effectLst/>
+                          <a:latin typeface="Calibri" panose="020F0502020204030204" pitchFamily="34" charset="0"/>
+                          <a:ea typeface="Calibri" panose="020F0502020204030204" pitchFamily="34" charset="0"/>
+                          <a:cs typeface="Times New Roman" panose="02020603050405020304" pitchFamily="18" charset="0"/>
+                        </a:rPr>
+                        <a:t>Semantic</a:t>
+                      </a:r>
+                      <a:r>
+                        <a:rPr lang="es-MX" sz="1400" dirty="0">
+                          <a:effectLst/>
+                          <a:latin typeface="Calibri" panose="020F0502020204030204" pitchFamily="34" charset="0"/>
+                          <a:ea typeface="Calibri" panose="020F0502020204030204" pitchFamily="34" charset="0"/>
+                          <a:cs typeface="Times New Roman" panose="02020603050405020304" pitchFamily="18" charset="0"/>
+                        </a:rPr>
+                        <a:t> Data </a:t>
+                      </a:r>
+                      <a:r>
+                        <a:rPr lang="es-MX" sz="1400" dirty="0" err="1">
+                          <a:effectLst/>
+                          <a:latin typeface="Calibri" panose="020F0502020204030204" pitchFamily="34" charset="0"/>
+                          <a:ea typeface="Calibri" panose="020F0502020204030204" pitchFamily="34" charset="0"/>
+                          <a:cs typeface="Times New Roman" panose="02020603050405020304" pitchFamily="18" charset="0"/>
+                        </a:rPr>
+                        <a:t>Query</a:t>
+                      </a:r>
+                      <a:r>
+                        <a:rPr lang="es-MX" sz="1400" dirty="0">
+                          <a:effectLst/>
+                          <a:latin typeface="Calibri" panose="020F0502020204030204" pitchFamily="34" charset="0"/>
+                          <a:ea typeface="Calibri" panose="020F0502020204030204" pitchFamily="34" charset="0"/>
+                          <a:cs typeface="Times New Roman" panose="02020603050405020304" pitchFamily="18" charset="0"/>
+                        </a:rPr>
+                        <a:t> Processing,» de </a:t>
+                      </a:r>
+                      <a:r>
+                        <a:rPr lang="es-MX" sz="1400" i="1" dirty="0">
+                          <a:effectLst/>
+                          <a:latin typeface="Calibri" panose="020F0502020204030204" pitchFamily="34" charset="0"/>
+                          <a:ea typeface="Calibri" panose="020F0502020204030204" pitchFamily="34" charset="0"/>
+                          <a:cs typeface="Times New Roman" panose="02020603050405020304" pitchFamily="18" charset="0"/>
+                        </a:rPr>
+                        <a:t>International </a:t>
+                      </a:r>
+                      <a:r>
+                        <a:rPr lang="es-MX" sz="1400" i="1" dirty="0" err="1">
+                          <a:effectLst/>
+                          <a:latin typeface="Calibri" panose="020F0502020204030204" pitchFamily="34" charset="0"/>
+                          <a:ea typeface="Calibri" panose="020F0502020204030204" pitchFamily="34" charset="0"/>
+                          <a:cs typeface="Times New Roman" panose="02020603050405020304" pitchFamily="18" charset="0"/>
+                        </a:rPr>
+                        <a:t>Semantic</a:t>
+                      </a:r>
+                      <a:r>
+                        <a:rPr lang="es-MX" sz="1400" i="1" dirty="0">
+                          <a:effectLst/>
+                          <a:latin typeface="Calibri" panose="020F0502020204030204" pitchFamily="34" charset="0"/>
+                          <a:ea typeface="Calibri" panose="020F0502020204030204" pitchFamily="34" charset="0"/>
+                          <a:cs typeface="Times New Roman" panose="02020603050405020304" pitchFamily="18" charset="0"/>
+                        </a:rPr>
+                        <a:t> Web </a:t>
+                      </a:r>
+                      <a:r>
+                        <a:rPr lang="es-MX" sz="1400" i="1" dirty="0" err="1">
+                          <a:effectLst/>
+                          <a:latin typeface="Calibri" panose="020F0502020204030204" pitchFamily="34" charset="0"/>
+                          <a:ea typeface="Calibri" panose="020F0502020204030204" pitchFamily="34" charset="0"/>
+                          <a:cs typeface="Times New Roman" panose="02020603050405020304" pitchFamily="18" charset="0"/>
+                        </a:rPr>
+                        <a:t>Conference</a:t>
+                      </a:r>
+                      <a:r>
+                        <a:rPr lang="es-MX" sz="1400" dirty="0">
+                          <a:effectLst/>
+                          <a:latin typeface="Calibri" panose="020F0502020204030204" pitchFamily="34" charset="0"/>
+                          <a:ea typeface="Calibri" panose="020F0502020204030204" pitchFamily="34" charset="0"/>
+                          <a:cs typeface="Times New Roman" panose="02020603050405020304" pitchFamily="18" charset="0"/>
+                        </a:rPr>
+                        <a:t>, Berlín, 2011. </a:t>
+                      </a:r>
+                    </a:p>
+                  </a:txBody>
+                  <a:tcPr marL="9525" marR="9525" marT="9525" marB="9525">
+                    <a:lnL>
+                      <a:noFill/>
+                    </a:lnL>
+                    <a:lnR>
+                      <a:noFill/>
+                    </a:lnR>
+                    <a:lnT>
+                      <a:noFill/>
+                    </a:lnT>
+                    <a:lnB>
+                      <a:noFill/>
+                    </a:lnB>
+                  </a:tcPr>
+                </a:tc>
+                <a:extLst>
+                  <a:ext uri="{0D108BD9-81ED-4DB2-BD59-A6C34878D82A}">
+                    <a16:rowId xmlns:a16="http://schemas.microsoft.com/office/drawing/2014/main" val="652068279"/>
+                  </a:ext>
+                </a:extLst>
+              </a:tr>
+              <a:tr h="669713">
+                <a:tc>
+                  <a:txBody>
+                    <a:bodyPr/>
+                    <a:lstStyle/>
+                    <a:p>
+                      <a:pPr>
+                        <a:lnSpc>
+                          <a:spcPct val="200000"/>
+                        </a:lnSpc>
+                        <a:spcAft>
+                          <a:spcPts val="800"/>
+                        </a:spcAft>
+                      </a:pPr>
+                      <a:r>
+                        <a:rPr lang="es-MX" sz="1400" dirty="0">
+                          <a:effectLst/>
+                          <a:latin typeface="Calibri" panose="020F0502020204030204" pitchFamily="34" charset="0"/>
+                          <a:ea typeface="Calibri" panose="020F0502020204030204" pitchFamily="34" charset="0"/>
+                          <a:cs typeface="Times New Roman" panose="02020603050405020304" pitchFamily="18" charset="0"/>
+                        </a:rPr>
+                        <a:t>[3] </a:t>
+                      </a:r>
+                    </a:p>
+                  </a:txBody>
+                  <a:tcPr marL="9525" marR="9525" marT="9525" marB="9525">
+                    <a:lnL>
+                      <a:noFill/>
+                    </a:lnL>
+                    <a:lnR>
+                      <a:noFill/>
+                    </a:lnR>
+                    <a:lnT>
+                      <a:noFill/>
+                    </a:lnT>
+                    <a:lnB>
+                      <a:noFill/>
+                    </a:lnB>
+                  </a:tcPr>
+                </a:tc>
+                <a:tc>
+                  <a:txBody>
+                    <a:bodyPr/>
+                    <a:lstStyle/>
+                    <a:p>
+                      <a:pPr>
+                        <a:lnSpc>
+                          <a:spcPct val="200000"/>
+                        </a:lnSpc>
+                        <a:spcAft>
+                          <a:spcPts val="800"/>
+                        </a:spcAft>
+                      </a:pPr>
+                      <a:r>
+                        <a:rPr lang="es-MX" sz="1400" dirty="0">
+                          <a:effectLst/>
+                          <a:latin typeface="Calibri" panose="020F0502020204030204" pitchFamily="34" charset="0"/>
+                          <a:ea typeface="Calibri" panose="020F0502020204030204" pitchFamily="34" charset="0"/>
+                          <a:cs typeface="Times New Roman" panose="02020603050405020304" pitchFamily="18" charset="0"/>
+                        </a:rPr>
+                        <a:t>M. Schmidt, T. </a:t>
+                      </a:r>
+                      <a:r>
+                        <a:rPr lang="es-MX" sz="1400" dirty="0" err="1">
+                          <a:effectLst/>
+                          <a:latin typeface="Calibri" panose="020F0502020204030204" pitchFamily="34" charset="0"/>
+                          <a:ea typeface="Calibri" panose="020F0502020204030204" pitchFamily="34" charset="0"/>
+                          <a:cs typeface="Times New Roman" panose="02020603050405020304" pitchFamily="18" charset="0"/>
+                        </a:rPr>
+                        <a:t>Hornung</a:t>
+                      </a:r>
+                      <a:r>
+                        <a:rPr lang="es-MX" sz="1400" dirty="0">
+                          <a:effectLst/>
+                          <a:latin typeface="Calibri" panose="020F0502020204030204" pitchFamily="34" charset="0"/>
+                          <a:ea typeface="Calibri" panose="020F0502020204030204" pitchFamily="34" charset="0"/>
+                          <a:cs typeface="Times New Roman" panose="02020603050405020304" pitchFamily="18" charset="0"/>
+                        </a:rPr>
+                        <a:t>, G. </a:t>
+                      </a:r>
+                      <a:r>
+                        <a:rPr lang="es-MX" sz="1400" dirty="0" err="1">
+                          <a:effectLst/>
+                          <a:latin typeface="Calibri" panose="020F0502020204030204" pitchFamily="34" charset="0"/>
+                          <a:ea typeface="Calibri" panose="020F0502020204030204" pitchFamily="34" charset="0"/>
+                          <a:cs typeface="Times New Roman" panose="02020603050405020304" pitchFamily="18" charset="0"/>
+                        </a:rPr>
+                        <a:t>Lausen</a:t>
+                      </a:r>
+                      <a:r>
+                        <a:rPr lang="es-MX" sz="1400" dirty="0">
+                          <a:effectLst/>
+                          <a:latin typeface="Calibri" panose="020F0502020204030204" pitchFamily="34" charset="0"/>
+                          <a:ea typeface="Calibri" panose="020F0502020204030204" pitchFamily="34" charset="0"/>
+                          <a:cs typeface="Times New Roman" panose="02020603050405020304" pitchFamily="18" charset="0"/>
+                        </a:rPr>
+                        <a:t> y C. </a:t>
+                      </a:r>
+                      <a:r>
+                        <a:rPr lang="es-MX" sz="1400" dirty="0" err="1">
+                          <a:effectLst/>
+                          <a:latin typeface="Calibri" panose="020F0502020204030204" pitchFamily="34" charset="0"/>
+                          <a:ea typeface="Calibri" panose="020F0502020204030204" pitchFamily="34" charset="0"/>
+                          <a:cs typeface="Times New Roman" panose="02020603050405020304" pitchFamily="18" charset="0"/>
+                        </a:rPr>
+                        <a:t>Pinkel</a:t>
+                      </a:r>
+                      <a:r>
+                        <a:rPr lang="es-MX" sz="1400" dirty="0">
+                          <a:effectLst/>
+                          <a:latin typeface="Calibri" panose="020F0502020204030204" pitchFamily="34" charset="0"/>
+                          <a:ea typeface="Calibri" panose="020F0502020204030204" pitchFamily="34" charset="0"/>
+                          <a:cs typeface="Times New Roman" panose="02020603050405020304" pitchFamily="18" charset="0"/>
+                        </a:rPr>
+                        <a:t>, «SP^2 </a:t>
+                      </a:r>
+                      <a:r>
+                        <a:rPr lang="es-MX" sz="1400" dirty="0" err="1">
+                          <a:effectLst/>
+                          <a:latin typeface="Calibri" panose="020F0502020204030204" pitchFamily="34" charset="0"/>
+                          <a:ea typeface="Calibri" panose="020F0502020204030204" pitchFamily="34" charset="0"/>
+                          <a:cs typeface="Times New Roman" panose="02020603050405020304" pitchFamily="18" charset="0"/>
+                        </a:rPr>
+                        <a:t>Bench</a:t>
+                      </a:r>
+                      <a:r>
+                        <a:rPr lang="es-MX" sz="1400" dirty="0">
+                          <a:effectLst/>
+                          <a:latin typeface="Calibri" panose="020F0502020204030204" pitchFamily="34" charset="0"/>
+                          <a:ea typeface="Calibri" panose="020F0502020204030204" pitchFamily="34" charset="0"/>
+                          <a:cs typeface="Times New Roman" panose="02020603050405020304" pitchFamily="18" charset="0"/>
+                        </a:rPr>
+                        <a:t>: a SPARQL performance </a:t>
+                      </a:r>
+                      <a:r>
+                        <a:rPr lang="es-MX" sz="1400" dirty="0" err="1">
+                          <a:effectLst/>
+                          <a:latin typeface="Calibri" panose="020F0502020204030204" pitchFamily="34" charset="0"/>
+                          <a:ea typeface="Calibri" panose="020F0502020204030204" pitchFamily="34" charset="0"/>
+                          <a:cs typeface="Times New Roman" panose="02020603050405020304" pitchFamily="18" charset="0"/>
+                        </a:rPr>
+                        <a:t>benchmark</a:t>
+                      </a:r>
+                      <a:r>
+                        <a:rPr lang="es-MX" sz="1400" dirty="0">
+                          <a:effectLst/>
+                          <a:latin typeface="Calibri" panose="020F0502020204030204" pitchFamily="34" charset="0"/>
+                          <a:ea typeface="Calibri" panose="020F0502020204030204" pitchFamily="34" charset="0"/>
+                          <a:cs typeface="Times New Roman" panose="02020603050405020304" pitchFamily="18" charset="0"/>
+                        </a:rPr>
+                        <a:t>,» de </a:t>
+                      </a:r>
+                      <a:r>
+                        <a:rPr lang="es-MX" sz="1400" i="1" dirty="0">
+                          <a:effectLst/>
+                          <a:latin typeface="Calibri" panose="020F0502020204030204" pitchFamily="34" charset="0"/>
+                          <a:ea typeface="Calibri" panose="020F0502020204030204" pitchFamily="34" charset="0"/>
+                          <a:cs typeface="Times New Roman" panose="02020603050405020304" pitchFamily="18" charset="0"/>
+                        </a:rPr>
+                        <a:t>2009 IEEE 25th International </a:t>
+                      </a:r>
+                      <a:r>
+                        <a:rPr lang="es-MX" sz="1400" i="1" dirty="0" err="1">
+                          <a:effectLst/>
+                          <a:latin typeface="Calibri" panose="020F0502020204030204" pitchFamily="34" charset="0"/>
+                          <a:ea typeface="Calibri" panose="020F0502020204030204" pitchFamily="34" charset="0"/>
+                          <a:cs typeface="Times New Roman" panose="02020603050405020304" pitchFamily="18" charset="0"/>
+                        </a:rPr>
+                        <a:t>Conference</a:t>
+                      </a:r>
+                      <a:r>
+                        <a:rPr lang="es-MX" sz="1400" i="1" dirty="0">
+                          <a:effectLst/>
+                          <a:latin typeface="Calibri" panose="020F0502020204030204" pitchFamily="34" charset="0"/>
+                          <a:ea typeface="Calibri" panose="020F0502020204030204" pitchFamily="34" charset="0"/>
+                          <a:cs typeface="Times New Roman" panose="02020603050405020304" pitchFamily="18" charset="0"/>
+                        </a:rPr>
+                        <a:t> </a:t>
+                      </a:r>
+                      <a:r>
+                        <a:rPr lang="es-MX" sz="1400" i="1" dirty="0" err="1">
+                          <a:effectLst/>
+                          <a:latin typeface="Calibri" panose="020F0502020204030204" pitchFamily="34" charset="0"/>
+                          <a:ea typeface="Calibri" panose="020F0502020204030204" pitchFamily="34" charset="0"/>
+                          <a:cs typeface="Times New Roman" panose="02020603050405020304" pitchFamily="18" charset="0"/>
+                        </a:rPr>
+                        <a:t>on</a:t>
+                      </a:r>
+                      <a:r>
+                        <a:rPr lang="es-MX" sz="1400" i="1" dirty="0">
+                          <a:effectLst/>
+                          <a:latin typeface="Calibri" panose="020F0502020204030204" pitchFamily="34" charset="0"/>
+                          <a:ea typeface="Calibri" panose="020F0502020204030204" pitchFamily="34" charset="0"/>
+                          <a:cs typeface="Times New Roman" panose="02020603050405020304" pitchFamily="18" charset="0"/>
+                        </a:rPr>
+                        <a:t> Data </a:t>
+                      </a:r>
+                      <a:r>
+                        <a:rPr lang="es-MX" sz="1400" i="1" dirty="0" err="1">
+                          <a:effectLst/>
+                          <a:latin typeface="Calibri" panose="020F0502020204030204" pitchFamily="34" charset="0"/>
+                          <a:ea typeface="Calibri" panose="020F0502020204030204" pitchFamily="34" charset="0"/>
+                          <a:cs typeface="Times New Roman" panose="02020603050405020304" pitchFamily="18" charset="0"/>
+                        </a:rPr>
+                        <a:t>Engineering</a:t>
+                      </a:r>
+                      <a:r>
+                        <a:rPr lang="es-MX" sz="1400" dirty="0">
+                          <a:effectLst/>
+                          <a:latin typeface="Calibri" panose="020F0502020204030204" pitchFamily="34" charset="0"/>
+                          <a:ea typeface="Calibri" panose="020F0502020204030204" pitchFamily="34" charset="0"/>
+                          <a:cs typeface="Times New Roman" panose="02020603050405020304" pitchFamily="18" charset="0"/>
+                        </a:rPr>
+                        <a:t>, </a:t>
+                      </a:r>
+                      <a:r>
+                        <a:rPr lang="es-MX" sz="1400" dirty="0" err="1">
+                          <a:effectLst/>
+                          <a:latin typeface="Calibri" panose="020F0502020204030204" pitchFamily="34" charset="0"/>
+                          <a:ea typeface="Calibri" panose="020F0502020204030204" pitchFamily="34" charset="0"/>
+                          <a:cs typeface="Times New Roman" panose="02020603050405020304" pitchFamily="18" charset="0"/>
+                        </a:rPr>
+                        <a:t>Freiburg</a:t>
+                      </a:r>
+                      <a:r>
+                        <a:rPr lang="es-MX" sz="1400" dirty="0">
+                          <a:effectLst/>
+                          <a:latin typeface="Calibri" panose="020F0502020204030204" pitchFamily="34" charset="0"/>
+                          <a:ea typeface="Calibri" panose="020F0502020204030204" pitchFamily="34" charset="0"/>
+                          <a:cs typeface="Times New Roman" panose="02020603050405020304" pitchFamily="18" charset="0"/>
+                        </a:rPr>
+                        <a:t>, Alemania, 2009. </a:t>
+                      </a:r>
+                    </a:p>
+                  </a:txBody>
+                  <a:tcPr marL="9525" marR="9525" marT="9525" marB="9525">
+                    <a:lnL>
+                      <a:noFill/>
+                    </a:lnL>
+                    <a:lnR>
+                      <a:noFill/>
+                    </a:lnR>
+                    <a:lnT>
+                      <a:noFill/>
+                    </a:lnT>
+                    <a:lnB>
+                      <a:noFill/>
+                    </a:lnB>
+                  </a:tcPr>
+                </a:tc>
+                <a:extLst>
+                  <a:ext uri="{0D108BD9-81ED-4DB2-BD59-A6C34878D82A}">
+                    <a16:rowId xmlns:a16="http://schemas.microsoft.com/office/drawing/2014/main" val="2724520930"/>
+                  </a:ext>
+                </a:extLst>
+              </a:tr>
+              <a:tr h="1105061">
+                <a:tc>
+                  <a:txBody>
+                    <a:bodyPr/>
+                    <a:lstStyle/>
+                    <a:p>
+                      <a:pPr>
+                        <a:lnSpc>
+                          <a:spcPct val="200000"/>
+                        </a:lnSpc>
+                        <a:spcAft>
+                          <a:spcPts val="800"/>
+                        </a:spcAft>
+                      </a:pPr>
+                      <a:r>
+                        <a:rPr lang="es-MX" sz="1400" dirty="0">
+                          <a:effectLst/>
+                          <a:latin typeface="Calibri" panose="020F0502020204030204" pitchFamily="34" charset="0"/>
+                          <a:ea typeface="Calibri" panose="020F0502020204030204" pitchFamily="34" charset="0"/>
+                          <a:cs typeface="Times New Roman" panose="02020603050405020304" pitchFamily="18" charset="0"/>
+                        </a:rPr>
+                        <a:t>[4] </a:t>
+                      </a:r>
+                    </a:p>
+                  </a:txBody>
+                  <a:tcPr marL="9525" marR="9525" marT="9525" marB="9525">
+                    <a:lnL>
+                      <a:noFill/>
+                    </a:lnL>
+                    <a:lnR>
+                      <a:noFill/>
+                    </a:lnR>
+                    <a:lnT>
+                      <a:noFill/>
+                    </a:lnT>
+                    <a:lnB>
+                      <a:noFill/>
+                    </a:lnB>
+                  </a:tcPr>
+                </a:tc>
+                <a:tc>
+                  <a:txBody>
+                    <a:bodyPr/>
+                    <a:lstStyle/>
+                    <a:p>
+                      <a:pPr>
+                        <a:lnSpc>
+                          <a:spcPct val="200000"/>
+                        </a:lnSpc>
+                        <a:spcAft>
+                          <a:spcPts val="800"/>
+                        </a:spcAft>
+                      </a:pPr>
+                      <a:r>
+                        <a:rPr lang="es-MX" sz="1400" dirty="0">
+                          <a:effectLst/>
+                          <a:latin typeface="Calibri" panose="020F0502020204030204" pitchFamily="34" charset="0"/>
+                          <a:ea typeface="Calibri" panose="020F0502020204030204" pitchFamily="34" charset="0"/>
+                          <a:cs typeface="Times New Roman" panose="02020603050405020304" pitchFamily="18" charset="0"/>
+                        </a:rPr>
+                        <a:t>C. </a:t>
+                      </a:r>
+                      <a:r>
+                        <a:rPr lang="es-MX" sz="1400" dirty="0" err="1">
+                          <a:effectLst/>
+                          <a:latin typeface="Calibri" panose="020F0502020204030204" pitchFamily="34" charset="0"/>
+                          <a:ea typeface="Calibri" panose="020F0502020204030204" pitchFamily="34" charset="0"/>
+                          <a:cs typeface="Times New Roman" panose="02020603050405020304" pitchFamily="18" charset="0"/>
+                        </a:rPr>
+                        <a:t>Bizer</a:t>
+                      </a:r>
+                      <a:r>
+                        <a:rPr lang="es-MX" sz="1400" dirty="0">
+                          <a:effectLst/>
+                          <a:latin typeface="Calibri" panose="020F0502020204030204" pitchFamily="34" charset="0"/>
+                          <a:ea typeface="Calibri" panose="020F0502020204030204" pitchFamily="34" charset="0"/>
+                          <a:cs typeface="Times New Roman" panose="02020603050405020304" pitchFamily="18" charset="0"/>
+                        </a:rPr>
+                        <a:t> y A. Schultz, «The </a:t>
+                      </a:r>
+                      <a:r>
+                        <a:rPr lang="es-MX" sz="1400" dirty="0" err="1">
+                          <a:effectLst/>
+                          <a:latin typeface="Calibri" panose="020F0502020204030204" pitchFamily="34" charset="0"/>
+                          <a:ea typeface="Calibri" panose="020F0502020204030204" pitchFamily="34" charset="0"/>
+                          <a:cs typeface="Times New Roman" panose="02020603050405020304" pitchFamily="18" charset="0"/>
+                        </a:rPr>
+                        <a:t>berlin</a:t>
+                      </a:r>
+                      <a:r>
+                        <a:rPr lang="es-MX" sz="1400" dirty="0">
+                          <a:effectLst/>
+                          <a:latin typeface="Calibri" panose="020F0502020204030204" pitchFamily="34" charset="0"/>
+                          <a:ea typeface="Calibri" panose="020F0502020204030204" pitchFamily="34" charset="0"/>
+                          <a:cs typeface="Times New Roman" panose="02020603050405020304" pitchFamily="18" charset="0"/>
+                        </a:rPr>
+                        <a:t> </a:t>
+                      </a:r>
+                      <a:r>
+                        <a:rPr lang="es-MX" sz="1400" dirty="0" err="1">
+                          <a:effectLst/>
+                          <a:latin typeface="Calibri" panose="020F0502020204030204" pitchFamily="34" charset="0"/>
+                          <a:ea typeface="Calibri" panose="020F0502020204030204" pitchFamily="34" charset="0"/>
+                          <a:cs typeface="Times New Roman" panose="02020603050405020304" pitchFamily="18" charset="0"/>
+                        </a:rPr>
+                        <a:t>sparql</a:t>
+                      </a:r>
+                      <a:r>
+                        <a:rPr lang="es-MX" sz="1400" dirty="0">
+                          <a:effectLst/>
+                          <a:latin typeface="Calibri" panose="020F0502020204030204" pitchFamily="34" charset="0"/>
+                          <a:ea typeface="Calibri" panose="020F0502020204030204" pitchFamily="34" charset="0"/>
+                          <a:cs typeface="Times New Roman" panose="02020603050405020304" pitchFamily="18" charset="0"/>
+                        </a:rPr>
+                        <a:t> </a:t>
+                      </a:r>
+                      <a:r>
+                        <a:rPr lang="es-MX" sz="1400" dirty="0" err="1">
+                          <a:effectLst/>
+                          <a:latin typeface="Calibri" panose="020F0502020204030204" pitchFamily="34" charset="0"/>
+                          <a:ea typeface="Calibri" panose="020F0502020204030204" pitchFamily="34" charset="0"/>
+                          <a:cs typeface="Times New Roman" panose="02020603050405020304" pitchFamily="18" charset="0"/>
+                        </a:rPr>
+                        <a:t>benchmark</a:t>
+                      </a:r>
+                      <a:r>
+                        <a:rPr lang="es-MX" sz="1400" dirty="0">
+                          <a:effectLst/>
+                          <a:latin typeface="Calibri" panose="020F0502020204030204" pitchFamily="34" charset="0"/>
+                          <a:ea typeface="Calibri" panose="020F0502020204030204" pitchFamily="34" charset="0"/>
+                          <a:cs typeface="Times New Roman" panose="02020603050405020304" pitchFamily="18" charset="0"/>
+                        </a:rPr>
+                        <a:t>,» </a:t>
+                      </a:r>
+                      <a:r>
+                        <a:rPr lang="es-MX" sz="1400" i="1" dirty="0">
+                          <a:effectLst/>
+                          <a:latin typeface="Calibri" panose="020F0502020204030204" pitchFamily="34" charset="0"/>
+                          <a:ea typeface="Calibri" panose="020F0502020204030204" pitchFamily="34" charset="0"/>
+                          <a:cs typeface="Times New Roman" panose="02020603050405020304" pitchFamily="18" charset="0"/>
+                        </a:rPr>
+                        <a:t>International </a:t>
+                      </a:r>
+                      <a:r>
+                        <a:rPr lang="es-MX" sz="1400" i="1" dirty="0" err="1">
+                          <a:effectLst/>
+                          <a:latin typeface="Calibri" panose="020F0502020204030204" pitchFamily="34" charset="0"/>
+                          <a:ea typeface="Calibri" panose="020F0502020204030204" pitchFamily="34" charset="0"/>
+                          <a:cs typeface="Times New Roman" panose="02020603050405020304" pitchFamily="18" charset="0"/>
+                        </a:rPr>
+                        <a:t>Journal</a:t>
+                      </a:r>
+                      <a:r>
+                        <a:rPr lang="es-MX" sz="1400" i="1" dirty="0">
+                          <a:effectLst/>
+                          <a:latin typeface="Calibri" panose="020F0502020204030204" pitchFamily="34" charset="0"/>
+                          <a:ea typeface="Calibri" panose="020F0502020204030204" pitchFamily="34" charset="0"/>
+                          <a:cs typeface="Times New Roman" panose="02020603050405020304" pitchFamily="18" charset="0"/>
+                        </a:rPr>
+                        <a:t> </a:t>
+                      </a:r>
+                      <a:r>
+                        <a:rPr lang="es-MX" sz="1400" i="1" dirty="0" err="1">
+                          <a:effectLst/>
+                          <a:latin typeface="Calibri" panose="020F0502020204030204" pitchFamily="34" charset="0"/>
+                          <a:ea typeface="Calibri" panose="020F0502020204030204" pitchFamily="34" charset="0"/>
+                          <a:cs typeface="Times New Roman" panose="02020603050405020304" pitchFamily="18" charset="0"/>
+                        </a:rPr>
+                        <a:t>on</a:t>
+                      </a:r>
+                      <a:r>
+                        <a:rPr lang="es-MX" sz="1400" i="1" dirty="0">
+                          <a:effectLst/>
+                          <a:latin typeface="Calibri" panose="020F0502020204030204" pitchFamily="34" charset="0"/>
+                          <a:ea typeface="Calibri" panose="020F0502020204030204" pitchFamily="34" charset="0"/>
+                          <a:cs typeface="Times New Roman" panose="02020603050405020304" pitchFamily="18" charset="0"/>
+                        </a:rPr>
+                        <a:t> </a:t>
+                      </a:r>
+                      <a:r>
+                        <a:rPr lang="es-MX" sz="1400" i="1" dirty="0" err="1">
+                          <a:effectLst/>
+                          <a:latin typeface="Calibri" panose="020F0502020204030204" pitchFamily="34" charset="0"/>
+                          <a:ea typeface="Calibri" panose="020F0502020204030204" pitchFamily="34" charset="0"/>
+                          <a:cs typeface="Times New Roman" panose="02020603050405020304" pitchFamily="18" charset="0"/>
+                        </a:rPr>
+                        <a:t>Semantic</a:t>
+                      </a:r>
+                      <a:r>
+                        <a:rPr lang="es-MX" sz="1400" i="1" dirty="0">
+                          <a:effectLst/>
+                          <a:latin typeface="Calibri" panose="020F0502020204030204" pitchFamily="34" charset="0"/>
+                          <a:ea typeface="Calibri" panose="020F0502020204030204" pitchFamily="34" charset="0"/>
+                          <a:cs typeface="Times New Roman" panose="02020603050405020304" pitchFamily="18" charset="0"/>
+                        </a:rPr>
+                        <a:t> Web and </a:t>
+                      </a:r>
+                      <a:r>
+                        <a:rPr lang="es-MX" sz="1400" i="1" dirty="0" err="1">
+                          <a:effectLst/>
+                          <a:latin typeface="Calibri" panose="020F0502020204030204" pitchFamily="34" charset="0"/>
+                          <a:ea typeface="Calibri" panose="020F0502020204030204" pitchFamily="34" charset="0"/>
+                          <a:cs typeface="Times New Roman" panose="02020603050405020304" pitchFamily="18" charset="0"/>
+                        </a:rPr>
+                        <a:t>Information</a:t>
+                      </a:r>
+                      <a:r>
+                        <a:rPr lang="es-MX" sz="1400" i="1" dirty="0">
+                          <a:effectLst/>
+                          <a:latin typeface="Calibri" panose="020F0502020204030204" pitchFamily="34" charset="0"/>
+                          <a:ea typeface="Calibri" panose="020F0502020204030204" pitchFamily="34" charset="0"/>
+                          <a:cs typeface="Times New Roman" panose="02020603050405020304" pitchFamily="18" charset="0"/>
+                        </a:rPr>
+                        <a:t> </a:t>
+                      </a:r>
+                      <a:r>
+                        <a:rPr lang="es-MX" sz="1400" i="1" dirty="0" err="1">
+                          <a:effectLst/>
+                          <a:latin typeface="Calibri" panose="020F0502020204030204" pitchFamily="34" charset="0"/>
+                          <a:ea typeface="Calibri" panose="020F0502020204030204" pitchFamily="34" charset="0"/>
+                          <a:cs typeface="Times New Roman" panose="02020603050405020304" pitchFamily="18" charset="0"/>
+                        </a:rPr>
+                        <a:t>Systems</a:t>
+                      </a:r>
+                      <a:r>
+                        <a:rPr lang="es-MX" sz="1400" i="1" dirty="0">
+                          <a:effectLst/>
+                          <a:latin typeface="Calibri" panose="020F0502020204030204" pitchFamily="34" charset="0"/>
+                          <a:ea typeface="Calibri" panose="020F0502020204030204" pitchFamily="34" charset="0"/>
+                          <a:cs typeface="Times New Roman" panose="02020603050405020304" pitchFamily="18" charset="0"/>
+                        </a:rPr>
+                        <a:t>, </a:t>
+                      </a:r>
+                      <a:r>
+                        <a:rPr lang="es-MX" sz="1400" dirty="0">
+                          <a:effectLst/>
+                          <a:latin typeface="Calibri" panose="020F0502020204030204" pitchFamily="34" charset="0"/>
+                          <a:ea typeface="Calibri" panose="020F0502020204030204" pitchFamily="34" charset="0"/>
+                          <a:cs typeface="Times New Roman" panose="02020603050405020304" pitchFamily="18" charset="0"/>
+                        </a:rPr>
+                        <a:t>vol. 5, </a:t>
+                      </a:r>
+                      <a:r>
+                        <a:rPr lang="es-MX" sz="1400" dirty="0" err="1">
+                          <a:effectLst/>
+                          <a:latin typeface="Calibri" panose="020F0502020204030204" pitchFamily="34" charset="0"/>
+                          <a:ea typeface="Calibri" panose="020F0502020204030204" pitchFamily="34" charset="0"/>
+                          <a:cs typeface="Times New Roman" panose="02020603050405020304" pitchFamily="18" charset="0"/>
+                        </a:rPr>
+                        <a:t>nº</a:t>
+                      </a:r>
+                      <a:r>
+                        <a:rPr lang="es-MX" sz="1400" dirty="0">
+                          <a:effectLst/>
+                          <a:latin typeface="Calibri" panose="020F0502020204030204" pitchFamily="34" charset="0"/>
+                          <a:ea typeface="Calibri" panose="020F0502020204030204" pitchFamily="34" charset="0"/>
+                          <a:cs typeface="Times New Roman" panose="02020603050405020304" pitchFamily="18" charset="0"/>
+                        </a:rPr>
+                        <a:t> 2, pp. 1-24, 2009. </a:t>
+                      </a:r>
+                    </a:p>
+                    <a:p>
+                      <a:pPr>
+                        <a:lnSpc>
+                          <a:spcPct val="200000"/>
+                        </a:lnSpc>
+                        <a:spcAft>
+                          <a:spcPts val="800"/>
+                        </a:spcAft>
+                      </a:pPr>
+                      <a:endParaRPr lang="es-MX" sz="1400" dirty="0">
+                        <a:effectLst/>
+                        <a:latin typeface="Calibri" panose="020F0502020204030204" pitchFamily="34" charset="0"/>
+                        <a:ea typeface="Calibri" panose="020F0502020204030204" pitchFamily="34" charset="0"/>
+                        <a:cs typeface="Times New Roman" panose="02020603050405020304" pitchFamily="18" charset="0"/>
+                      </a:endParaRPr>
+                    </a:p>
+                  </a:txBody>
+                  <a:tcPr marL="9525" marR="9525" marT="9525" marB="9525">
+                    <a:lnL>
+                      <a:noFill/>
+                    </a:lnL>
+                    <a:lnR>
+                      <a:noFill/>
+                    </a:lnR>
+                    <a:lnT>
+                      <a:noFill/>
+                    </a:lnT>
+                    <a:lnB>
+                      <a:noFill/>
+                    </a:lnB>
+                  </a:tcPr>
+                </a:tc>
+                <a:extLst>
+                  <a:ext uri="{0D108BD9-81ED-4DB2-BD59-A6C34878D82A}">
+                    <a16:rowId xmlns:a16="http://schemas.microsoft.com/office/drawing/2014/main" val="3278603010"/>
+                  </a:ext>
+                </a:extLst>
+              </a:tr>
+            </a:tbl>
+          </a:graphicData>
+        </a:graphic>
+      </p:graphicFrame>
+      <p:graphicFrame>
+        <p:nvGraphicFramePr>
+          <p:cNvPr id="10" name="Tabla 9">
+            <a:extLst>
+              <a:ext uri="{FF2B5EF4-FFF2-40B4-BE49-F238E27FC236}">
+                <a16:creationId xmlns:a16="http://schemas.microsoft.com/office/drawing/2014/main" id="{4694DD74-117D-4677-847E-BB63BEA0ABAC}"/>
+              </a:ext>
+            </a:extLst>
+          </p:cNvPr>
+          <p:cNvGraphicFramePr>
+            <a:graphicFrameLocks noGrp="1"/>
+          </p:cNvGraphicFramePr>
+          <p:nvPr>
+            <p:extLst>
+              <p:ext uri="{D42A27DB-BD31-4B8C-83A1-F6EECF244321}">
+                <p14:modId xmlns:p14="http://schemas.microsoft.com/office/powerpoint/2010/main" val="2652434841"/>
+              </p:ext>
+            </p:extLst>
+          </p:nvPr>
+        </p:nvGraphicFramePr>
+        <p:xfrm>
+          <a:off x="1798636" y="5882440"/>
+          <a:ext cx="8492375" cy="740728"/>
+        </p:xfrm>
+        <a:graphic>
+          <a:graphicData uri="http://schemas.openxmlformats.org/drawingml/2006/table">
+            <a:tbl>
+              <a:tblPr firstRow="1" firstCol="1" bandRow="1"/>
+              <a:tblGrid>
+                <a:gridCol w="506214">
+                  <a:extLst>
+                    <a:ext uri="{9D8B030D-6E8A-4147-A177-3AD203B41FA5}">
+                      <a16:colId xmlns:a16="http://schemas.microsoft.com/office/drawing/2014/main" val="4282449825"/>
+                    </a:ext>
+                  </a:extLst>
+                </a:gridCol>
+                <a:gridCol w="7986161">
+                  <a:extLst>
+                    <a:ext uri="{9D8B030D-6E8A-4147-A177-3AD203B41FA5}">
+                      <a16:colId xmlns:a16="http://schemas.microsoft.com/office/drawing/2014/main" val="3534964765"/>
+                    </a:ext>
+                  </a:extLst>
+                </a:gridCol>
+              </a:tblGrid>
+              <a:tr h="0">
+                <a:tc>
+                  <a:txBody>
+                    <a:bodyPr/>
+                    <a:lstStyle/>
+                    <a:p>
+                      <a:pPr algn="just">
+                        <a:lnSpc>
+                          <a:spcPct val="115000"/>
+                        </a:lnSpc>
+                        <a:spcAft>
+                          <a:spcPts val="1000"/>
+                        </a:spcAft>
+                      </a:pPr>
+                      <a:r>
+                        <a:rPr lang="es-ES" sz="1400" dirty="0">
+                          <a:effectLst/>
+                          <a:latin typeface="Calibri" panose="020F0502020204030204" pitchFamily="34" charset="0"/>
+                          <a:ea typeface="Cambria" panose="02040503050406030204" pitchFamily="18" charset="0"/>
+                          <a:cs typeface="Calibri" panose="020F0502020204030204" pitchFamily="34" charset="0"/>
+                        </a:rPr>
+                        <a:t>[5] </a:t>
+                      </a:r>
+                      <a:endParaRPr lang="es-MX" sz="1400" dirty="0">
+                        <a:effectLst/>
+                        <a:latin typeface="Calibri" panose="020F0502020204030204" pitchFamily="34" charset="0"/>
+                        <a:ea typeface="Cambria" panose="02040503050406030204" pitchFamily="18" charset="0"/>
+                        <a:cs typeface="Calibri" panose="020F0502020204030204" pitchFamily="34" charset="0"/>
+                      </a:endParaRPr>
+                    </a:p>
+                  </a:txBody>
+                  <a:tcPr marL="9525" marR="9525" marT="9525" marB="9525">
+                    <a:lnL>
+                      <a:noFill/>
+                    </a:lnL>
+                    <a:lnR>
+                      <a:noFill/>
+                    </a:lnR>
+                    <a:lnT>
+                      <a:noFill/>
+                    </a:lnT>
+                    <a:lnB>
+                      <a:noFill/>
+                    </a:lnB>
+                  </a:tcPr>
+                </a:tc>
+                <a:tc>
+                  <a:txBody>
+                    <a:bodyPr/>
+                    <a:lstStyle/>
+                    <a:p>
+                      <a:pPr algn="just">
+                        <a:lnSpc>
+                          <a:spcPct val="115000"/>
+                        </a:lnSpc>
+                        <a:spcAft>
+                          <a:spcPts val="1000"/>
+                        </a:spcAft>
+                      </a:pPr>
+                      <a:r>
+                        <a:rPr lang="en-US" sz="1400" dirty="0">
+                          <a:effectLst/>
+                          <a:latin typeface="Calibri" panose="020F0502020204030204" pitchFamily="34" charset="0"/>
+                          <a:ea typeface="Cambria" panose="02040503050406030204" pitchFamily="18" charset="0"/>
+                          <a:cs typeface="Calibri" panose="020F0502020204030204" pitchFamily="34" charset="0"/>
+                        </a:rPr>
+                        <a:t>D. S. </a:t>
+                      </a:r>
+                      <a:r>
+                        <a:rPr lang="en-US" sz="1400" dirty="0" err="1">
+                          <a:effectLst/>
+                          <a:latin typeface="Calibri" panose="020F0502020204030204" pitchFamily="34" charset="0"/>
+                          <a:ea typeface="Cambria" panose="02040503050406030204" pitchFamily="18" charset="0"/>
+                          <a:cs typeface="Calibri" panose="020F0502020204030204" pitchFamily="34" charset="0"/>
+                        </a:rPr>
+                        <a:t>Nachrichten</a:t>
+                      </a:r>
+                      <a:r>
+                        <a:rPr lang="en-US" sz="1400" dirty="0">
+                          <a:effectLst/>
+                          <a:latin typeface="Calibri" panose="020F0502020204030204" pitchFamily="34" charset="0"/>
+                          <a:ea typeface="Cambria" panose="02040503050406030204" pitchFamily="18" charset="0"/>
+                          <a:cs typeface="Calibri" panose="020F0502020204030204" pitchFamily="34" charset="0"/>
+                        </a:rPr>
+                        <a:t>, «Salzburg Research,» 26 </a:t>
+                      </a:r>
+                      <a:r>
+                        <a:rPr lang="en-US" sz="1400" dirty="0" err="1">
+                          <a:effectLst/>
+                          <a:latin typeface="Calibri" panose="020F0502020204030204" pitchFamily="34" charset="0"/>
+                          <a:ea typeface="Cambria" panose="02040503050406030204" pitchFamily="18" charset="0"/>
+                          <a:cs typeface="Calibri" panose="020F0502020204030204" pitchFamily="34" charset="0"/>
+                        </a:rPr>
+                        <a:t>Noviembre</a:t>
+                      </a:r>
+                      <a:r>
+                        <a:rPr lang="en-US" sz="1400" dirty="0">
+                          <a:effectLst/>
+                          <a:latin typeface="Calibri" panose="020F0502020204030204" pitchFamily="34" charset="0"/>
+                          <a:ea typeface="Cambria" panose="02040503050406030204" pitchFamily="18" charset="0"/>
+                          <a:cs typeface="Calibri" panose="020F0502020204030204" pitchFamily="34" charset="0"/>
+                        </a:rPr>
+                        <a:t> 2013. </a:t>
+                      </a:r>
+                      <a:r>
+                        <a:rPr lang="es-ES" sz="1400" dirty="0">
+                          <a:effectLst/>
+                          <a:latin typeface="Calibri" panose="020F0502020204030204" pitchFamily="34" charset="0"/>
+                          <a:ea typeface="Cambria" panose="02040503050406030204" pitchFamily="18" charset="0"/>
+                          <a:cs typeface="Calibri" panose="020F0502020204030204" pitchFamily="34" charset="0"/>
+                        </a:rPr>
+                        <a:t>[En línea]. </a:t>
+                      </a:r>
+                      <a:r>
+                        <a:rPr lang="es-ES" sz="1400" dirty="0" err="1">
+                          <a:effectLst/>
+                          <a:latin typeface="Calibri" panose="020F0502020204030204" pitchFamily="34" charset="0"/>
+                          <a:ea typeface="Cambria" panose="02040503050406030204" pitchFamily="18" charset="0"/>
+                          <a:cs typeface="Calibri" panose="020F0502020204030204" pitchFamily="34" charset="0"/>
+                        </a:rPr>
+                        <a:t>Available</a:t>
+                      </a:r>
+                      <a:r>
+                        <a:rPr lang="es-ES" sz="1400" dirty="0">
+                          <a:effectLst/>
+                          <a:latin typeface="Calibri" panose="020F0502020204030204" pitchFamily="34" charset="0"/>
+                          <a:ea typeface="Cambria" panose="02040503050406030204" pitchFamily="18" charset="0"/>
+                          <a:cs typeface="Calibri" panose="020F0502020204030204" pitchFamily="34" charset="0"/>
+                        </a:rPr>
+                        <a:t>: https://www.salzburgresearch.at/en/2013/apache-marmotta-graduated-top-level-project/. [Último acceso: 24 Abril 2019].</a:t>
+                      </a:r>
+                      <a:endParaRPr lang="es-MX" sz="1400" dirty="0">
+                        <a:effectLst/>
+                        <a:latin typeface="Calibri" panose="020F0502020204030204" pitchFamily="34" charset="0"/>
+                        <a:ea typeface="Cambria" panose="02040503050406030204" pitchFamily="18" charset="0"/>
+                        <a:cs typeface="Calibri" panose="020F0502020204030204" pitchFamily="34" charset="0"/>
+                      </a:endParaRPr>
+                    </a:p>
+                  </a:txBody>
+                  <a:tcPr marL="9525" marR="9525" marT="9525" marB="9525">
+                    <a:lnL>
+                      <a:noFill/>
+                    </a:lnL>
+                    <a:lnR>
+                      <a:noFill/>
+                    </a:lnR>
+                    <a:lnT>
+                      <a:noFill/>
+                    </a:lnT>
+                    <a:lnB>
+                      <a:noFill/>
+                    </a:lnB>
+                  </a:tcPr>
+                </a:tc>
+                <a:extLst>
+                  <a:ext uri="{0D108BD9-81ED-4DB2-BD59-A6C34878D82A}">
+                    <a16:rowId xmlns:a16="http://schemas.microsoft.com/office/drawing/2014/main" val="222561536"/>
+                  </a:ext>
+                </a:extLst>
+              </a:tr>
+            </a:tbl>
+          </a:graphicData>
+        </a:graphic>
+      </p:graphicFrame>
+    </p:spTree>
+    <p:extLst>
+      <p:ext uri="{BB962C8B-B14F-4D97-AF65-F5344CB8AC3E}">
+        <p14:creationId xmlns:p14="http://schemas.microsoft.com/office/powerpoint/2010/main" val="3990726379"/>
+      </p:ext>
+    </p:extLst>
+  </p:cSld>
+  <p:clrMapOvr>
+    <a:masterClrMapping/>
+  </p:clrMapOvr>
+</p:sld>
+</file>
+
+<file path=ppt/slides/slide36.xml><?xml version="1.0" encoding="utf-8"?>
+<p:sld xmlns:a="http://schemas.openxmlformats.org/drawingml/2006/main" xmlns:r="http://schemas.openxmlformats.org/officeDocument/2006/relationships" xmlns:p="http://schemas.openxmlformats.org/presentationml/2006/main">
+  <p:cSld>
+    <p:spTree>
+      <p:nvGrpSpPr>
+        <p:cNvPr id="1" name=""/>
+        <p:cNvGrpSpPr/>
+        <p:nvPr/>
+      </p:nvGrpSpPr>
+      <p:grpSpPr>
+        <a:xfrm>
+          <a:off x="0" y="0"/>
+          <a:ext cx="0" cy="0"/>
+          <a:chOff x="0" y="0"/>
+          <a:chExt cx="0" cy="0"/>
+        </a:xfrm>
+      </p:grpSpPr>
+      <p:sp>
+        <p:nvSpPr>
+          <p:cNvPr id="2" name="Título 1">
+            <a:extLst>
+              <a:ext uri="{FF2B5EF4-FFF2-40B4-BE49-F238E27FC236}">
+                <a16:creationId xmlns:a16="http://schemas.microsoft.com/office/drawing/2014/main" id="{88B4DB3B-A1FF-4394-B931-7AE2BD7BE2F7}"/>
+              </a:ext>
+            </a:extLst>
+          </p:cNvPr>
+          <p:cNvSpPr>
+            <a:spLocks noGrp="1"/>
+          </p:cNvSpPr>
+          <p:nvPr>
+            <p:ph type="title"/>
+          </p:nvPr>
+        </p:nvSpPr>
+        <p:spPr/>
+        <p:txBody>
+          <a:bodyPr/>
+          <a:lstStyle/>
+          <a:p>
+            <a:r>
+              <a:rPr lang="es-MX" dirty="0"/>
+              <a:t>BIBLIOGRAFÍA</a:t>
+            </a:r>
+          </a:p>
+        </p:txBody>
+      </p:sp>
+      <p:sp>
+        <p:nvSpPr>
+          <p:cNvPr id="4" name="Marcador de número de diapositiva 3">
+            <a:extLst>
+              <a:ext uri="{FF2B5EF4-FFF2-40B4-BE49-F238E27FC236}">
+                <a16:creationId xmlns:a16="http://schemas.microsoft.com/office/drawing/2014/main" id="{613E1480-BB40-4AF8-ABF3-3C46B2CF0B31}"/>
+              </a:ext>
+            </a:extLst>
+          </p:cNvPr>
+          <p:cNvSpPr>
+            <a:spLocks noGrp="1"/>
+          </p:cNvSpPr>
+          <p:nvPr>
+            <p:ph type="sldNum" sz="quarter" idx="12"/>
+          </p:nvPr>
+        </p:nvSpPr>
+        <p:spPr/>
+        <p:txBody>
+          <a:bodyPr>
+            <a:normAutofit lnSpcReduction="10000"/>
+          </a:bodyPr>
+          <a:lstStyle/>
+          <a:p>
+            <a:fld id="{F2994100-57F3-4399-9A64-220CD25A867F}" type="slidenum">
+              <a:rPr lang="es-MX" smtClean="0"/>
+              <a:t>36</a:t>
+            </a:fld>
+            <a:endParaRPr lang="es-MX"/>
+          </a:p>
+        </p:txBody>
+      </p:sp>
+      <p:graphicFrame>
+        <p:nvGraphicFramePr>
+          <p:cNvPr id="9" name="Marcador de contenido 8">
+            <a:extLst>
+              <a:ext uri="{FF2B5EF4-FFF2-40B4-BE49-F238E27FC236}">
+                <a16:creationId xmlns:a16="http://schemas.microsoft.com/office/drawing/2014/main" id="{F843F6D3-69E2-4E09-BEEB-075B57591B79}"/>
+              </a:ext>
+            </a:extLst>
+          </p:cNvPr>
+          <p:cNvGraphicFramePr>
+            <a:graphicFrameLocks noGrp="1"/>
+          </p:cNvGraphicFramePr>
+          <p:nvPr>
+            <p:ph idx="1"/>
+            <p:extLst>
+              <p:ext uri="{D42A27DB-BD31-4B8C-83A1-F6EECF244321}">
+                <p14:modId xmlns:p14="http://schemas.microsoft.com/office/powerpoint/2010/main" val="1541571388"/>
+              </p:ext>
+            </p:extLst>
+          </p:nvPr>
+        </p:nvGraphicFramePr>
+        <p:xfrm>
+          <a:off x="1066800" y="2539408"/>
+          <a:ext cx="9456821" cy="990728"/>
+        </p:xfrm>
+        <a:graphic>
+          <a:graphicData uri="http://schemas.openxmlformats.org/drawingml/2006/table">
+            <a:tbl>
+              <a:tblPr firstRow="1" firstCol="1" bandRow="1"/>
+              <a:tblGrid>
+                <a:gridCol w="563702">
+                  <a:extLst>
+                    <a:ext uri="{9D8B030D-6E8A-4147-A177-3AD203B41FA5}">
+                      <a16:colId xmlns:a16="http://schemas.microsoft.com/office/drawing/2014/main" val="394945822"/>
+                    </a:ext>
+                  </a:extLst>
+                </a:gridCol>
+                <a:gridCol w="8893119">
+                  <a:extLst>
+                    <a:ext uri="{9D8B030D-6E8A-4147-A177-3AD203B41FA5}">
+                      <a16:colId xmlns:a16="http://schemas.microsoft.com/office/drawing/2014/main" val="1022628770"/>
+                    </a:ext>
+                  </a:extLst>
+                </a:gridCol>
+              </a:tblGrid>
+              <a:tr h="0">
+                <a:tc>
+                  <a:txBody>
+                    <a:bodyPr/>
+                    <a:lstStyle/>
+                    <a:p>
+                      <a:pPr algn="just">
+                        <a:lnSpc>
+                          <a:spcPct val="115000"/>
+                        </a:lnSpc>
+                        <a:spcAft>
+                          <a:spcPts val="1000"/>
+                        </a:spcAft>
+                      </a:pPr>
+                      <a:r>
+                        <a:rPr lang="es-ES" sz="1400" dirty="0">
+                          <a:effectLst/>
+                          <a:latin typeface="Calibri" panose="020F0502020204030204" pitchFamily="34" charset="0"/>
+                          <a:ea typeface="Cambria" panose="02040503050406030204" pitchFamily="18" charset="0"/>
+                          <a:cs typeface="Calibri" panose="020F0502020204030204" pitchFamily="34" charset="0"/>
+                        </a:rPr>
+                        <a:t>[6] </a:t>
+                      </a:r>
+                      <a:endParaRPr lang="es-MX" sz="1400" dirty="0">
+                        <a:effectLst/>
+                        <a:latin typeface="Calibri" panose="020F0502020204030204" pitchFamily="34" charset="0"/>
+                        <a:ea typeface="Cambria" panose="02040503050406030204" pitchFamily="18" charset="0"/>
+                        <a:cs typeface="Calibri" panose="020F0502020204030204" pitchFamily="34" charset="0"/>
+                      </a:endParaRPr>
+                    </a:p>
+                  </a:txBody>
+                  <a:tcPr marL="9525" marR="9525" marT="9525" marB="9525">
+                    <a:lnL>
+                      <a:noFill/>
+                    </a:lnL>
+                    <a:lnR>
+                      <a:noFill/>
+                    </a:lnR>
+                    <a:lnT>
+                      <a:noFill/>
+                    </a:lnT>
+                    <a:lnB>
+                      <a:noFill/>
+                    </a:lnB>
+                  </a:tcPr>
+                </a:tc>
+                <a:tc>
+                  <a:txBody>
+                    <a:bodyPr/>
+                    <a:lstStyle/>
+                    <a:p>
+                      <a:pPr algn="just">
+                        <a:lnSpc>
+                          <a:spcPct val="115000"/>
+                        </a:lnSpc>
+                        <a:spcAft>
+                          <a:spcPts val="1000"/>
+                        </a:spcAft>
+                      </a:pPr>
+                      <a:r>
+                        <a:rPr lang="es-ES" sz="1400" dirty="0" err="1">
+                          <a:effectLst/>
+                          <a:latin typeface="Calibri" panose="020F0502020204030204" pitchFamily="34" charset="0"/>
+                          <a:ea typeface="Cambria" panose="02040503050406030204" pitchFamily="18" charset="0"/>
+                          <a:cs typeface="Calibri" panose="020F0502020204030204" pitchFamily="34" charset="0"/>
+                        </a:rPr>
+                        <a:t>RedLink</a:t>
+                      </a:r>
+                      <a:r>
+                        <a:rPr lang="es-ES" sz="1400" dirty="0">
+                          <a:effectLst/>
+                          <a:latin typeface="Calibri" panose="020F0502020204030204" pitchFamily="34" charset="0"/>
+                          <a:ea typeface="Cambria" panose="02040503050406030204" pitchFamily="18" charset="0"/>
+                          <a:cs typeface="Calibri" panose="020F0502020204030204" pitchFamily="34" charset="0"/>
+                        </a:rPr>
+                        <a:t>, «redlink.co,» Marzo 2013. [En línea]. </a:t>
+                      </a:r>
+                      <a:r>
+                        <a:rPr lang="en-US" sz="1400" dirty="0">
+                          <a:effectLst/>
+                          <a:latin typeface="Calibri" panose="020F0502020204030204" pitchFamily="34" charset="0"/>
+                          <a:ea typeface="Cambria" panose="02040503050406030204" pitchFamily="18" charset="0"/>
+                          <a:cs typeface="Calibri" panose="020F0502020204030204" pitchFamily="34" charset="0"/>
+                        </a:rPr>
+                        <a:t>Available: https://redlink.co/ostools/apache-marmotta/?cn-reloaded=1. </a:t>
+                      </a:r>
+                      <a:r>
+                        <a:rPr lang="es-ES" sz="1400" dirty="0">
+                          <a:effectLst/>
+                          <a:latin typeface="Calibri" panose="020F0502020204030204" pitchFamily="34" charset="0"/>
+                          <a:ea typeface="Cambria" panose="02040503050406030204" pitchFamily="18" charset="0"/>
+                          <a:cs typeface="Calibri" panose="020F0502020204030204" pitchFamily="34" charset="0"/>
+                        </a:rPr>
+                        <a:t>[Último acceso: 24 Abril 2019].</a:t>
+                      </a:r>
+                      <a:endParaRPr lang="es-MX" sz="1400" dirty="0">
+                        <a:effectLst/>
+                        <a:latin typeface="Calibri" panose="020F0502020204030204" pitchFamily="34" charset="0"/>
+                        <a:ea typeface="Cambria" panose="02040503050406030204" pitchFamily="18" charset="0"/>
+                        <a:cs typeface="Calibri" panose="020F0502020204030204" pitchFamily="34" charset="0"/>
+                      </a:endParaRPr>
+                    </a:p>
+                  </a:txBody>
+                  <a:tcPr marL="9525" marR="9525" marT="9525" marB="9525">
+                    <a:lnL>
+                      <a:noFill/>
+                    </a:lnL>
+                    <a:lnR>
+                      <a:noFill/>
+                    </a:lnR>
+                    <a:lnT>
+                      <a:noFill/>
+                    </a:lnT>
+                    <a:lnB>
+                      <a:noFill/>
+                    </a:lnB>
+                  </a:tcPr>
+                </a:tc>
+                <a:extLst>
+                  <a:ext uri="{0D108BD9-81ED-4DB2-BD59-A6C34878D82A}">
+                    <a16:rowId xmlns:a16="http://schemas.microsoft.com/office/drawing/2014/main" val="194442753"/>
+                  </a:ext>
+                </a:extLst>
+              </a:tr>
+              <a:tr h="0">
+                <a:tc>
+                  <a:txBody>
+                    <a:bodyPr/>
+                    <a:lstStyle/>
+                    <a:p>
+                      <a:pPr algn="just">
+                        <a:lnSpc>
+                          <a:spcPct val="115000"/>
+                        </a:lnSpc>
+                        <a:spcAft>
+                          <a:spcPts val="1000"/>
+                        </a:spcAft>
+                      </a:pPr>
+                      <a:r>
+                        <a:rPr lang="es-ES" sz="1400" dirty="0">
+                          <a:effectLst/>
+                          <a:latin typeface="Calibri" panose="020F0502020204030204" pitchFamily="34" charset="0"/>
+                          <a:ea typeface="Cambria" panose="02040503050406030204" pitchFamily="18" charset="0"/>
+                          <a:cs typeface="Calibri" panose="020F0502020204030204" pitchFamily="34" charset="0"/>
+                        </a:rPr>
+                        <a:t>[7] </a:t>
+                      </a:r>
+                      <a:endParaRPr lang="es-MX" sz="1400" dirty="0">
+                        <a:effectLst/>
+                        <a:latin typeface="Calibri" panose="020F0502020204030204" pitchFamily="34" charset="0"/>
+                        <a:ea typeface="Cambria" panose="02040503050406030204" pitchFamily="18" charset="0"/>
+                        <a:cs typeface="Calibri" panose="020F0502020204030204" pitchFamily="34" charset="0"/>
+                      </a:endParaRPr>
+                    </a:p>
+                  </a:txBody>
+                  <a:tcPr marL="9525" marR="9525" marT="9525" marB="9525">
+                    <a:lnL>
+                      <a:noFill/>
+                    </a:lnL>
+                    <a:lnR>
+                      <a:noFill/>
+                    </a:lnR>
+                    <a:lnT>
+                      <a:noFill/>
+                    </a:lnT>
+                    <a:lnB>
+                      <a:noFill/>
+                    </a:lnB>
+                  </a:tcPr>
+                </a:tc>
+                <a:tc>
+                  <a:txBody>
+                    <a:bodyPr/>
+                    <a:lstStyle/>
+                    <a:p>
+                      <a:pPr algn="just">
+                        <a:lnSpc>
+                          <a:spcPct val="115000"/>
+                        </a:lnSpc>
+                        <a:spcAft>
+                          <a:spcPts val="1000"/>
+                        </a:spcAft>
+                      </a:pPr>
+                      <a:r>
+                        <a:rPr lang="en-US" sz="1400" dirty="0" err="1">
+                          <a:effectLst/>
+                          <a:latin typeface="Calibri" panose="020F0502020204030204" pitchFamily="34" charset="0"/>
+                          <a:ea typeface="Cambria" panose="02040503050406030204" pitchFamily="18" charset="0"/>
+                          <a:cs typeface="Calibri" panose="020F0502020204030204" pitchFamily="34" charset="0"/>
+                        </a:rPr>
+                        <a:t>WordLift</a:t>
+                      </a:r>
+                      <a:r>
+                        <a:rPr lang="en-US" sz="1400" dirty="0">
+                          <a:effectLst/>
+                          <a:latin typeface="Calibri" panose="020F0502020204030204" pitchFamily="34" charset="0"/>
+                          <a:ea typeface="Cambria" panose="02040503050406030204" pitchFamily="18" charset="0"/>
+                          <a:cs typeface="Calibri" panose="020F0502020204030204" pitchFamily="34" charset="0"/>
+                        </a:rPr>
+                        <a:t>, «</a:t>
+                      </a:r>
+                      <a:r>
+                        <a:rPr lang="en-US" sz="1400" dirty="0" err="1">
+                          <a:effectLst/>
+                          <a:latin typeface="Calibri" panose="020F0502020204030204" pitchFamily="34" charset="0"/>
+                          <a:ea typeface="Cambria" panose="02040503050406030204" pitchFamily="18" charset="0"/>
+                          <a:cs typeface="Calibri" panose="020F0502020204030204" pitchFamily="34" charset="0"/>
+                        </a:rPr>
+                        <a:t>WordLift</a:t>
+                      </a:r>
+                      <a:r>
+                        <a:rPr lang="en-US" sz="1400" dirty="0">
+                          <a:effectLst/>
+                          <a:latin typeface="Calibri" panose="020F0502020204030204" pitchFamily="34" charset="0"/>
+                          <a:ea typeface="Cambria" panose="02040503050406030204" pitchFamily="18" charset="0"/>
+                          <a:cs typeface="Calibri" panose="020F0502020204030204" pitchFamily="34" charset="0"/>
+                        </a:rPr>
+                        <a:t> - Frequently Asked Questions,» 2017. </a:t>
+                      </a:r>
+                      <a:r>
+                        <a:rPr lang="es-ES" sz="1400" dirty="0">
+                          <a:effectLst/>
+                          <a:latin typeface="Calibri" panose="020F0502020204030204" pitchFamily="34" charset="0"/>
+                          <a:ea typeface="Cambria" panose="02040503050406030204" pitchFamily="18" charset="0"/>
+                          <a:cs typeface="Calibri" panose="020F0502020204030204" pitchFamily="34" charset="0"/>
+                        </a:rPr>
+                        <a:t>[En línea]. </a:t>
+                      </a:r>
+                      <a:r>
+                        <a:rPr lang="es-ES" sz="1400" dirty="0" err="1">
+                          <a:effectLst/>
+                          <a:latin typeface="Calibri" panose="020F0502020204030204" pitchFamily="34" charset="0"/>
+                          <a:ea typeface="Cambria" panose="02040503050406030204" pitchFamily="18" charset="0"/>
+                          <a:cs typeface="Calibri" panose="020F0502020204030204" pitchFamily="34" charset="0"/>
+                        </a:rPr>
+                        <a:t>Available</a:t>
+                      </a:r>
+                      <a:r>
+                        <a:rPr lang="es-ES" sz="1400" dirty="0">
+                          <a:effectLst/>
+                          <a:latin typeface="Calibri" panose="020F0502020204030204" pitchFamily="34" charset="0"/>
+                          <a:ea typeface="Cambria" panose="02040503050406030204" pitchFamily="18" charset="0"/>
+                          <a:cs typeface="Calibri" panose="020F0502020204030204" pitchFamily="34" charset="0"/>
+                        </a:rPr>
+                        <a:t>: https://docs.wordlift.io/en/latest/faq.html. [Último acceso: 24 Abril 2019].</a:t>
+                      </a:r>
+                      <a:endParaRPr lang="es-MX" sz="1400" dirty="0">
+                        <a:effectLst/>
+                        <a:latin typeface="Calibri" panose="020F0502020204030204" pitchFamily="34" charset="0"/>
+                        <a:ea typeface="Cambria" panose="02040503050406030204" pitchFamily="18" charset="0"/>
+                        <a:cs typeface="Calibri" panose="020F0502020204030204" pitchFamily="34" charset="0"/>
+                      </a:endParaRPr>
+                    </a:p>
+                  </a:txBody>
+                  <a:tcPr marL="9525" marR="9525" marT="9525" marB="9525">
+                    <a:lnL>
+                      <a:noFill/>
+                    </a:lnL>
+                    <a:lnR>
+                      <a:noFill/>
+                    </a:lnR>
+                    <a:lnT>
+                      <a:noFill/>
+                    </a:lnT>
+                    <a:lnB>
+                      <a:noFill/>
+                    </a:lnB>
+                  </a:tcPr>
+                </a:tc>
+                <a:extLst>
+                  <a:ext uri="{0D108BD9-81ED-4DB2-BD59-A6C34878D82A}">
+                    <a16:rowId xmlns:a16="http://schemas.microsoft.com/office/drawing/2014/main" val="3220772729"/>
+                  </a:ext>
+                </a:extLst>
+              </a:tr>
+            </a:tbl>
+          </a:graphicData>
+        </a:graphic>
+      </p:graphicFrame>
+    </p:spTree>
+    <p:extLst>
+      <p:ext uri="{BB962C8B-B14F-4D97-AF65-F5344CB8AC3E}">
+        <p14:creationId xmlns:p14="http://schemas.microsoft.com/office/powerpoint/2010/main" val="353818590"/>
       </p:ext>
     </p:extLst>
   </p:cSld>
@@ -17515,53 +21228,6 @@
       </p:sp>
       <p:pic>
         <p:nvPicPr>
-          <p:cNvPr id="2050" name="Picture 2" descr="Resultado de imagen para internet png&#10;">
-            <a:extLst>
-              <a:ext uri="{FF2B5EF4-FFF2-40B4-BE49-F238E27FC236}">
-                <a16:creationId xmlns:a16="http://schemas.microsoft.com/office/drawing/2014/main" id="{D5D29C9E-FAA7-4969-8D33-415BAD14D0BF}"/>
-              </a:ext>
-            </a:extLst>
-          </p:cNvPr>
-          <p:cNvPicPr>
-            <a:picLocks noChangeAspect="1" noChangeArrowheads="1"/>
-          </p:cNvPicPr>
-          <p:nvPr/>
-        </p:nvPicPr>
-        <p:blipFill>
-          <a:blip r:embed="rId3">
-            <a:extLst>
-              <a:ext uri="{28A0092B-C50C-407E-A947-70E740481C1C}">
-                <a14:useLocalDpi xmlns:a14="http://schemas.microsoft.com/office/drawing/2010/main" val="0"/>
-              </a:ext>
-            </a:extLst>
-          </a:blip>
-          <a:srcRect/>
-          <a:stretch>
-            <a:fillRect/>
-          </a:stretch>
-        </p:blipFill>
-        <p:spPr bwMode="auto">
-          <a:xfrm>
-            <a:off x="-19721" y="2490058"/>
-            <a:ext cx="2480225" cy="2480225"/>
-          </a:xfrm>
-          <a:prstGeom prst="rect">
-            <a:avLst/>
-          </a:prstGeom>
-          <a:noFill/>
-          <a:extLst>
-            <a:ext uri="{909E8E84-426E-40DD-AFC4-6F175D3DCCD1}">
-              <a14:hiddenFill xmlns:a14="http://schemas.microsoft.com/office/drawing/2010/main">
-                <a:solidFill>
-                  <a:srgbClr val="FFFFFF"/>
-                </a:solidFill>
-              </a14:hiddenFill>
-            </a:ext>
-          </a:extLst>
-        </p:spPr>
-      </p:pic>
-      <p:pic>
-        <p:nvPicPr>
           <p:cNvPr id="5" name="Picture 4" descr="Resultado de imagen para rdf triple store">
             <a:extLst>
               <a:ext uri="{FF2B5EF4-FFF2-40B4-BE49-F238E27FC236}">
@@ -17575,7 +21241,7 @@
           <p:nvPr/>
         </p:nvPicPr>
         <p:blipFill>
-          <a:blip r:embed="rId4">
+          <a:blip r:embed="rId3">
             <a:clrChange>
               <a:clrFrom>
                 <a:srgbClr val="FFFFFF"/>
@@ -17617,12 +21283,120 @@
           </a:extLst>
         </p:spPr>
       </p:pic>
+      <p:sp>
+        <p:nvSpPr>
+          <p:cNvPr id="4" name="CuadroTexto 3">
+            <a:extLst>
+              <a:ext uri="{FF2B5EF4-FFF2-40B4-BE49-F238E27FC236}">
+                <a16:creationId xmlns:a16="http://schemas.microsoft.com/office/drawing/2014/main" id="{27AEF3FF-B558-4A20-B50A-41E7523A0DD0}"/>
+              </a:ext>
+            </a:extLst>
+          </p:cNvPr>
+          <p:cNvSpPr txBox="1"/>
+          <p:nvPr/>
+        </p:nvSpPr>
+        <p:spPr>
+          <a:xfrm>
+            <a:off x="326499" y="5139560"/>
+            <a:ext cx="1870745" cy="338554"/>
+          </a:xfrm>
+          <a:prstGeom prst="rect">
+            <a:avLst/>
+          </a:prstGeom>
+          <a:noFill/>
+        </p:spPr>
+        <p:txBody>
+          <a:bodyPr wrap="square" rtlCol="0">
+            <a:spAutoFit/>
+          </a:bodyPr>
+          <a:lstStyle/>
+          <a:p>
+            <a:pPr algn="ctr"/>
+            <a:r>
+              <a:rPr lang="es-MX" sz="1600" dirty="0"/>
+              <a:t>Figura 1 Internet</a:t>
+            </a:r>
+          </a:p>
+        </p:txBody>
+      </p:sp>
+      <p:sp>
+        <p:nvSpPr>
+          <p:cNvPr id="10" name="CuadroTexto 9">
+            <a:extLst>
+              <a:ext uri="{FF2B5EF4-FFF2-40B4-BE49-F238E27FC236}">
+                <a16:creationId xmlns:a16="http://schemas.microsoft.com/office/drawing/2014/main" id="{CCF0751B-FA75-43CB-A2E5-4B671B9D415E}"/>
+              </a:ext>
+            </a:extLst>
+          </p:cNvPr>
+          <p:cNvSpPr txBox="1"/>
+          <p:nvPr/>
+        </p:nvSpPr>
+        <p:spPr>
+          <a:xfrm>
+            <a:off x="3342879" y="5139560"/>
+            <a:ext cx="2017686" cy="338554"/>
+          </a:xfrm>
+          <a:prstGeom prst="rect">
+            <a:avLst/>
+          </a:prstGeom>
+          <a:noFill/>
+        </p:spPr>
+        <p:txBody>
+          <a:bodyPr wrap="square" rtlCol="0">
+            <a:spAutoFit/>
+          </a:bodyPr>
+          <a:lstStyle/>
+          <a:p>
+            <a:pPr algn="ctr"/>
+            <a:r>
+              <a:rPr lang="es-MX" sz="1600" dirty="0"/>
+              <a:t>Figura 2 Archivo RDF</a:t>
+            </a:r>
+          </a:p>
+        </p:txBody>
+      </p:sp>
+      <p:sp>
+        <p:nvSpPr>
+          <p:cNvPr id="11" name="CuadroTexto 10">
+            <a:extLst>
+              <a:ext uri="{FF2B5EF4-FFF2-40B4-BE49-F238E27FC236}">
+                <a16:creationId xmlns:a16="http://schemas.microsoft.com/office/drawing/2014/main" id="{73803F3F-DB88-45E2-8C6A-7B4F78EA0D1F}"/>
+              </a:ext>
+            </a:extLst>
+          </p:cNvPr>
+          <p:cNvSpPr txBox="1"/>
+          <p:nvPr/>
+        </p:nvSpPr>
+        <p:spPr>
+          <a:xfrm>
+            <a:off x="6332319" y="5139560"/>
+            <a:ext cx="1870745" cy="338554"/>
+          </a:xfrm>
+          <a:prstGeom prst="rect">
+            <a:avLst/>
+          </a:prstGeom>
+          <a:noFill/>
+        </p:spPr>
+        <p:txBody>
+          <a:bodyPr wrap="square" rtlCol="0">
+            <a:spAutoFit/>
+          </a:bodyPr>
+          <a:lstStyle/>
+          <a:p>
+            <a:pPr algn="ctr"/>
+            <a:r>
+              <a:rPr lang="es-MX" sz="1600" dirty="0"/>
+              <a:t>Figura 3 Ontologías</a:t>
+            </a:r>
+          </a:p>
+        </p:txBody>
+      </p:sp>
       <p:pic>
         <p:nvPicPr>
-          <p:cNvPr id="7" name="Picture 8" descr="Resultado de imagen para database icon">
+          <p:cNvPr id="1026" name="Picture 2">
             <a:extLst>
               <a:ext uri="{FF2B5EF4-FFF2-40B4-BE49-F238E27FC236}">
-                <a16:creationId xmlns:a16="http://schemas.microsoft.com/office/drawing/2014/main" id="{79F6BD4C-01A2-48BB-A9C5-CD8CC95DF913}"/>
+                <a16:creationId xmlns:a16="http://schemas.microsoft.com/office/drawing/2014/main" id="{2FF06A9C-AE39-487B-AB22-DEF9A0C5DAC0}"/>
               </a:ext>
             </a:extLst>
           </p:cNvPr>
@@ -17632,17 +21406,7 @@
           <p:nvPr/>
         </p:nvPicPr>
         <p:blipFill>
-          <a:blip r:embed="rId5">
-            <a:clrChange>
-              <a:clrFrom>
-                <a:srgbClr val="FFFFFF"/>
-              </a:clrFrom>
-              <a:clrTo>
-                <a:srgbClr val="FFFFFF">
-                  <a:alpha val="0"/>
-                </a:srgbClr>
-              </a:clrTo>
-            </a:clrChange>
+          <a:blip r:embed="rId4">
             <a:extLst>
               <a:ext uri="{28A0092B-C50C-407E-A947-70E740481C1C}">
                 <a14:useLocalDpi xmlns:a14="http://schemas.microsoft.com/office/drawing/2010/main" val="0"/>
@@ -17656,8 +21420,8 @@
         </p:blipFill>
         <p:spPr bwMode="auto">
           <a:xfrm>
-            <a:off x="9044357" y="2914045"/>
-            <a:ext cx="1537687" cy="1537687"/>
+            <a:off x="189055" y="2668162"/>
+            <a:ext cx="2145632" cy="2145632"/>
           </a:xfrm>
           <a:prstGeom prst="rect">
             <a:avLst/>
@@ -17676,10 +21440,10 @@
       </p:pic>
       <p:pic>
         <p:nvPicPr>
-          <p:cNvPr id="8" name="Picture 10" descr="Resultado de imagen para RDF png">
+          <p:cNvPr id="14" name="Picture 16" descr="Resultado de imagen para geosparql">
             <a:extLst>
               <a:ext uri="{FF2B5EF4-FFF2-40B4-BE49-F238E27FC236}">
-                <a16:creationId xmlns:a16="http://schemas.microsoft.com/office/drawing/2014/main" id="{18A3A13E-98C3-4975-9C7F-B2EA3A17F28E}"/>
+                <a16:creationId xmlns:a16="http://schemas.microsoft.com/office/drawing/2014/main" id="{C50994AB-07FA-4949-B9BB-4EE7C0DE6A16}"/>
               </a:ext>
             </a:extLst>
           </p:cNvPr>
@@ -17689,7 +21453,17 @@
           <p:nvPr/>
         </p:nvPicPr>
         <p:blipFill>
-          <a:blip r:embed="rId6">
+          <a:blip r:embed="rId5">
+            <a:clrChange>
+              <a:clrFrom>
+                <a:srgbClr val="FCFEFC"/>
+              </a:clrFrom>
+              <a:clrTo>
+                <a:srgbClr val="FCFEFC">
+                  <a:alpha val="0"/>
+                </a:srgbClr>
+              </a:clrTo>
+            </a:clrChange>
             <a:extLst>
               <a:ext uri="{28A0092B-C50C-407E-A947-70E740481C1C}">
                 <a14:useLocalDpi xmlns:a14="http://schemas.microsoft.com/office/drawing/2010/main" val="0"/>
@@ -17703,8 +21477,8 @@
         </p:blipFill>
         <p:spPr bwMode="auto">
           <a:xfrm>
-            <a:off x="9699933" y="2914045"/>
-            <a:ext cx="1653867" cy="1653867"/>
+            <a:off x="9221661" y="3150828"/>
+            <a:ext cx="2396426" cy="502108"/>
           </a:xfrm>
           <a:prstGeom prst="rect">
             <a:avLst/>
@@ -17723,10 +21497,10 @@
       </p:pic>
       <p:sp>
         <p:nvSpPr>
-          <p:cNvPr id="4" name="CuadroTexto 3">
+          <p:cNvPr id="15" name="CuadroTexto 14">
             <a:extLst>
               <a:ext uri="{FF2B5EF4-FFF2-40B4-BE49-F238E27FC236}">
-                <a16:creationId xmlns:a16="http://schemas.microsoft.com/office/drawing/2014/main" id="{27AEF3FF-B558-4A20-B50A-41E7523A0DD0}"/>
+                <a16:creationId xmlns:a16="http://schemas.microsoft.com/office/drawing/2014/main" id="{469101D4-3025-49A9-B61C-6179A42FDE53}"/>
               </a:ext>
             </a:extLst>
           </p:cNvPr>
@@ -17735,7 +21509,44 @@
         </p:nvSpPr>
         <p:spPr>
           <a:xfrm>
-            <a:off x="326499" y="5139560"/>
+            <a:off x="9420548" y="3697906"/>
+            <a:ext cx="1914691" cy="646331"/>
+          </a:xfrm>
+          <a:prstGeom prst="rect">
+            <a:avLst/>
+          </a:prstGeom>
+          <a:noFill/>
+        </p:spPr>
+        <p:txBody>
+          <a:bodyPr wrap="none" rtlCol="0">
+            <a:spAutoFit/>
+          </a:bodyPr>
+          <a:lstStyle/>
+          <a:p>
+            <a:r>
+              <a:rPr lang="es-MX" sz="3600" dirty="0">
+                <a:latin typeface="Arial Nova Light" panose="020B0304020202020204" pitchFamily="34" charset="0"/>
+              </a:rPr>
+              <a:t>SPARQL</a:t>
+            </a:r>
+          </a:p>
+        </p:txBody>
+      </p:sp>
+      <p:sp>
+        <p:nvSpPr>
+          <p:cNvPr id="16" name="CuadroTexto 15">
+            <a:extLst>
+              <a:ext uri="{FF2B5EF4-FFF2-40B4-BE49-F238E27FC236}">
+                <a16:creationId xmlns:a16="http://schemas.microsoft.com/office/drawing/2014/main" id="{F30CCEC5-F521-407D-BC2B-FD37C8F2884C}"/>
+              </a:ext>
+            </a:extLst>
+          </p:cNvPr>
+          <p:cNvSpPr txBox="1"/>
+          <p:nvPr/>
+        </p:nvSpPr>
+        <p:spPr>
+          <a:xfrm>
+            <a:off x="9287952" y="5139560"/>
             <a:ext cx="1870745" cy="338554"/>
           </a:xfrm>
           <a:prstGeom prst="rect">
@@ -17752,121 +21563,8 @@
             <a:pPr algn="ctr"/>
             <a:r>
               <a:rPr lang="es-MX" sz="1600" dirty="0"/>
-              <a:t>Fig. 1 Internet</a:t>
-            </a:r>
-          </a:p>
-        </p:txBody>
-      </p:sp>
-      <p:sp>
-        <p:nvSpPr>
-          <p:cNvPr id="10" name="CuadroTexto 9">
-            <a:extLst>
-              <a:ext uri="{FF2B5EF4-FFF2-40B4-BE49-F238E27FC236}">
-                <a16:creationId xmlns:a16="http://schemas.microsoft.com/office/drawing/2014/main" id="{CCF0751B-FA75-43CB-A2E5-4B671B9D415E}"/>
-              </a:ext>
-            </a:extLst>
-          </p:cNvPr>
-          <p:cNvSpPr txBox="1"/>
-          <p:nvPr/>
-        </p:nvSpPr>
-        <p:spPr>
-          <a:xfrm>
-            <a:off x="3342879" y="5139560"/>
-            <a:ext cx="2017686" cy="338554"/>
-          </a:xfrm>
-          <a:prstGeom prst="rect">
-            <a:avLst/>
-          </a:prstGeom>
-          <a:noFill/>
-        </p:spPr>
-        <p:txBody>
-          <a:bodyPr wrap="square" rtlCol="0">
-            <a:spAutoFit/>
-          </a:bodyPr>
-          <a:lstStyle/>
-          <a:p>
-            <a:pPr algn="ctr"/>
-            <a:r>
-              <a:rPr lang="es-MX" sz="1600" dirty="0"/>
-              <a:t>Fig. 2 Archivo RDF</a:t>
-            </a:r>
-          </a:p>
-        </p:txBody>
-      </p:sp>
-      <p:sp>
-        <p:nvSpPr>
-          <p:cNvPr id="11" name="CuadroTexto 10">
-            <a:extLst>
-              <a:ext uri="{FF2B5EF4-FFF2-40B4-BE49-F238E27FC236}">
-                <a16:creationId xmlns:a16="http://schemas.microsoft.com/office/drawing/2014/main" id="{73803F3F-DB88-45E2-8C6A-7B4F78EA0D1F}"/>
-              </a:ext>
-            </a:extLst>
-          </p:cNvPr>
-          <p:cNvSpPr txBox="1"/>
-          <p:nvPr/>
-        </p:nvSpPr>
-        <p:spPr>
-          <a:xfrm>
-            <a:off x="6332319" y="5139560"/>
-            <a:ext cx="1870745" cy="338554"/>
-          </a:xfrm>
-          <a:prstGeom prst="rect">
-            <a:avLst/>
-          </a:prstGeom>
-          <a:noFill/>
-        </p:spPr>
-        <p:txBody>
-          <a:bodyPr wrap="square" rtlCol="0">
-            <a:spAutoFit/>
-          </a:bodyPr>
-          <a:lstStyle/>
-          <a:p>
-            <a:pPr algn="ctr"/>
-            <a:r>
-              <a:rPr lang="es-MX" sz="1600" dirty="0"/>
-              <a:t>Fig. 3 Ontologías</a:t>
-            </a:r>
-          </a:p>
-        </p:txBody>
-      </p:sp>
-      <p:sp>
-        <p:nvSpPr>
-          <p:cNvPr id="12" name="CuadroTexto 11">
-            <a:extLst>
-              <a:ext uri="{FF2B5EF4-FFF2-40B4-BE49-F238E27FC236}">
-                <a16:creationId xmlns:a16="http://schemas.microsoft.com/office/drawing/2014/main" id="{ADD43321-F9D2-449B-8B22-AA2B338A66D4}"/>
-              </a:ext>
-            </a:extLst>
-          </p:cNvPr>
-          <p:cNvSpPr txBox="1"/>
-          <p:nvPr/>
-        </p:nvSpPr>
-        <p:spPr>
-          <a:xfrm>
-            <a:off x="8877827" y="5031502"/>
-            <a:ext cx="2017686" cy="338554"/>
-          </a:xfrm>
-          <a:prstGeom prst="rect">
-            <a:avLst/>
-          </a:prstGeom>
-          <a:noFill/>
-        </p:spPr>
-        <p:txBody>
-          <a:bodyPr wrap="square" rtlCol="0">
-            <a:spAutoFit/>
-          </a:bodyPr>
-          <a:lstStyle/>
-          <a:p>
-            <a:pPr algn="ctr"/>
-            <a:r>
-              <a:rPr lang="es-MX" sz="1600" dirty="0"/>
-              <a:t>Fig. 4 </a:t>
-            </a:r>
-            <a:r>
-              <a:rPr lang="es-MX" sz="1600" i="1" dirty="0"/>
-              <a:t>Triple Store</a:t>
-            </a:r>
-            <a:endParaRPr lang="es-MX" sz="1600" dirty="0"/>
+              <a:t>Figura 4 Estándares</a:t>
+            </a:r>
           </a:p>
         </p:txBody>
       </p:sp>
@@ -18006,12 +21704,158 @@
           </a:extLst>
         </p:spPr>
       </p:pic>
+      <p:sp>
+        <p:nvSpPr>
+          <p:cNvPr id="25" name="Título 1">
+            <a:extLst>
+              <a:ext uri="{FF2B5EF4-FFF2-40B4-BE49-F238E27FC236}">
+                <a16:creationId xmlns:a16="http://schemas.microsoft.com/office/drawing/2014/main" id="{2DF4A0F8-54AE-4DFB-B442-F33AAD74BEAE}"/>
+              </a:ext>
+            </a:extLst>
+          </p:cNvPr>
+          <p:cNvSpPr>
+            <a:spLocks noGrp="1"/>
+          </p:cNvSpPr>
+          <p:nvPr>
+            <p:ph type="title"/>
+          </p:nvPr>
+        </p:nvSpPr>
+        <p:spPr/>
+        <p:txBody>
+          <a:bodyPr/>
+          <a:lstStyle/>
+          <a:p>
+            <a:pPr algn="ctr"/>
+            <a:r>
+              <a:rPr lang="es-MX" dirty="0"/>
+              <a:t>Introducción</a:t>
+            </a:r>
+          </a:p>
+        </p:txBody>
+      </p:sp>
+      <p:sp>
+        <p:nvSpPr>
+          <p:cNvPr id="2" name="Marcador de número de diapositiva 1">
+            <a:extLst>
+              <a:ext uri="{FF2B5EF4-FFF2-40B4-BE49-F238E27FC236}">
+                <a16:creationId xmlns:a16="http://schemas.microsoft.com/office/drawing/2014/main" id="{4778E7B8-581D-4CBA-88AA-39AE95FC6BA7}"/>
+              </a:ext>
+            </a:extLst>
+          </p:cNvPr>
+          <p:cNvSpPr>
+            <a:spLocks noGrp="1"/>
+          </p:cNvSpPr>
+          <p:nvPr>
+            <p:ph type="sldNum" sz="quarter" idx="12"/>
+          </p:nvPr>
+        </p:nvSpPr>
+        <p:spPr/>
+        <p:txBody>
+          <a:bodyPr>
+            <a:normAutofit lnSpcReduction="10000"/>
+          </a:bodyPr>
+          <a:lstStyle/>
+          <a:p>
+            <a:fld id="{F2994100-57F3-4399-9A64-220CD25A867F}" type="slidenum">
+              <a:rPr lang="es-MX" smtClean="0"/>
+              <a:t>5</a:t>
+            </a:fld>
+            <a:endParaRPr lang="es-MX"/>
+          </a:p>
+        </p:txBody>
+      </p:sp>
+      <p:sp>
+        <p:nvSpPr>
+          <p:cNvPr id="9" name="CuadroTexto 8">
+            <a:extLst>
+              <a:ext uri="{FF2B5EF4-FFF2-40B4-BE49-F238E27FC236}">
+                <a16:creationId xmlns:a16="http://schemas.microsoft.com/office/drawing/2014/main" id="{3D19D009-01E5-4938-81B0-0D4681D06F34}"/>
+              </a:ext>
+            </a:extLst>
+          </p:cNvPr>
+          <p:cNvSpPr txBox="1"/>
+          <p:nvPr/>
+        </p:nvSpPr>
+        <p:spPr>
+          <a:xfrm>
+            <a:off x="5163737" y="5166678"/>
+            <a:ext cx="2147373" cy="584775"/>
+          </a:xfrm>
+          <a:prstGeom prst="rect">
+            <a:avLst/>
+          </a:prstGeom>
+          <a:noFill/>
+        </p:spPr>
+        <p:txBody>
+          <a:bodyPr wrap="square" rtlCol="0">
+            <a:spAutoFit/>
+          </a:bodyPr>
+          <a:lstStyle/>
+          <a:p>
+            <a:pPr algn="ctr"/>
+            <a:r>
+              <a:rPr lang="es-MX" sz="1600" dirty="0"/>
+              <a:t>Figura 6 Nube de datos enlazados </a:t>
+            </a:r>
+            <a:r>
+              <a:rPr lang="es-MX" sz="1600" i="1" dirty="0" err="1"/>
+              <a:t>DBpedia</a:t>
+            </a:r>
+            <a:endParaRPr lang="es-MX" sz="1600" dirty="0"/>
+          </a:p>
+        </p:txBody>
+      </p:sp>
+      <p:sp>
+        <p:nvSpPr>
+          <p:cNvPr id="10" name="CuadroTexto 9">
+            <a:extLst>
+              <a:ext uri="{FF2B5EF4-FFF2-40B4-BE49-F238E27FC236}">
+                <a16:creationId xmlns:a16="http://schemas.microsoft.com/office/drawing/2014/main" id="{FAA3670C-150B-4B83-ACC9-D52F55B15DD4}"/>
+              </a:ext>
+            </a:extLst>
+          </p:cNvPr>
+          <p:cNvSpPr txBox="1"/>
+          <p:nvPr/>
+        </p:nvSpPr>
+        <p:spPr>
+          <a:xfrm>
+            <a:off x="9195690" y="5168732"/>
+            <a:ext cx="1870745" cy="584775"/>
+          </a:xfrm>
+          <a:prstGeom prst="rect">
+            <a:avLst/>
+          </a:prstGeom>
+          <a:noFill/>
+        </p:spPr>
+        <p:txBody>
+          <a:bodyPr wrap="square" rtlCol="0">
+            <a:spAutoFit/>
+          </a:bodyPr>
+          <a:lstStyle/>
+          <a:p>
+            <a:pPr algn="ctr"/>
+            <a:r>
+              <a:rPr lang="es-MX" sz="1600" dirty="0"/>
+              <a:t>Figura 7 Plataforma </a:t>
+            </a:r>
+            <a:r>
+              <a:rPr lang="es-MX" sz="1600" i="1" dirty="0" err="1"/>
+              <a:t>Linked</a:t>
+            </a:r>
+            <a:r>
+              <a:rPr lang="es-MX" sz="1600" i="1" dirty="0"/>
+              <a:t> Data</a:t>
+            </a:r>
+            <a:endParaRPr lang="es-MX" sz="1600" dirty="0"/>
+          </a:p>
+        </p:txBody>
+      </p:sp>
       <p:pic>
         <p:nvPicPr>
-          <p:cNvPr id="1040" name="Picture 16" descr="Resultado de imagen para geosparql">
+          <p:cNvPr id="11" name="Picture 8" descr="Resultado de imagen para database icon">
             <a:extLst>
               <a:ext uri="{FF2B5EF4-FFF2-40B4-BE49-F238E27FC236}">
-                <a16:creationId xmlns:a16="http://schemas.microsoft.com/office/drawing/2014/main" id="{38334FEE-4DAF-42D4-9B09-473C9BF598E4}"/>
+                <a16:creationId xmlns:a16="http://schemas.microsoft.com/office/drawing/2014/main" id="{02DB4C94-EE05-4A5C-A5AB-B6207541BF94}"/>
               </a:ext>
             </a:extLst>
           </p:cNvPr>
@@ -18024,10 +21868,10 @@
           <a:blip r:embed="rId4">
             <a:clrChange>
               <a:clrFrom>
-                <a:srgbClr val="FCFEFC"/>
+                <a:srgbClr val="FFFFFF"/>
               </a:clrFrom>
               <a:clrTo>
-                <a:srgbClr val="FCFEFC">
+                <a:srgbClr val="FFFFFF">
                   <a:alpha val="0"/>
                 </a:srgbClr>
               </a:clrTo>
@@ -18045,8 +21889,8 @@
         </p:blipFill>
         <p:spPr bwMode="auto">
           <a:xfrm>
-            <a:off x="981894" y="3177946"/>
-            <a:ext cx="2396426" cy="502108"/>
+            <a:off x="1351724" y="3295442"/>
+            <a:ext cx="1537687" cy="1537687"/>
           </a:xfrm>
           <a:prstGeom prst="rect">
             <a:avLst/>
@@ -18063,12 +21907,59 @@
           </a:extLst>
         </p:spPr>
       </p:pic>
-      <p:sp>
-        <p:nvSpPr>
-          <p:cNvPr id="4" name="CuadroTexto 3">
+      <p:pic>
+        <p:nvPicPr>
+          <p:cNvPr id="12" name="Picture 10" descr="Resultado de imagen para RDF png">
             <a:extLst>
               <a:ext uri="{FF2B5EF4-FFF2-40B4-BE49-F238E27FC236}">
-                <a16:creationId xmlns:a16="http://schemas.microsoft.com/office/drawing/2014/main" id="{C2835D7C-47A7-4CFA-AFF2-5B0CD4D58236}"/>
+                <a16:creationId xmlns:a16="http://schemas.microsoft.com/office/drawing/2014/main" id="{A00C0146-D352-4B1E-B488-DB3C5827E7AA}"/>
+              </a:ext>
+            </a:extLst>
+          </p:cNvPr>
+          <p:cNvPicPr>
+            <a:picLocks noChangeAspect="1" noChangeArrowheads="1"/>
+          </p:cNvPicPr>
+          <p:nvPr/>
+        </p:nvPicPr>
+        <p:blipFill>
+          <a:blip r:embed="rId5">
+            <a:extLst>
+              <a:ext uri="{28A0092B-C50C-407E-A947-70E740481C1C}">
+                <a14:useLocalDpi xmlns:a14="http://schemas.microsoft.com/office/drawing/2010/main" val="0"/>
+              </a:ext>
+            </a:extLst>
+          </a:blip>
+          <a:srcRect/>
+          <a:stretch>
+            <a:fillRect/>
+          </a:stretch>
+        </p:blipFill>
+        <p:spPr bwMode="auto">
+          <a:xfrm>
+            <a:off x="2007300" y="3295442"/>
+            <a:ext cx="1653867" cy="1653867"/>
+          </a:xfrm>
+          <a:prstGeom prst="rect">
+            <a:avLst/>
+          </a:prstGeom>
+          <a:noFill/>
+          <a:extLst>
+            <a:ext uri="{909E8E84-426E-40DD-AFC4-6F175D3DCCD1}">
+              <a14:hiddenFill xmlns:a14="http://schemas.microsoft.com/office/drawing/2010/main">
+                <a:solidFill>
+                  <a:srgbClr val="FFFFFF"/>
+                </a:solidFill>
+              </a14:hiddenFill>
+            </a:ext>
+          </a:extLst>
+        </p:spPr>
+      </p:pic>
+      <p:sp>
+        <p:nvSpPr>
+          <p:cNvPr id="13" name="CuadroTexto 12">
+            <a:extLst>
+              <a:ext uri="{FF2B5EF4-FFF2-40B4-BE49-F238E27FC236}">
+                <a16:creationId xmlns:a16="http://schemas.microsoft.com/office/drawing/2014/main" id="{3B6BBCE5-0878-4F3D-951F-20ADF818D9E6}"/>
               </a:ext>
             </a:extLst>
           </p:cNvPr>
@@ -18077,8 +21968,8 @@
         </p:nvSpPr>
         <p:spPr>
           <a:xfrm>
-            <a:off x="1180781" y="3725024"/>
-            <a:ext cx="1914691" cy="646331"/>
+            <a:off x="1185194" y="5412899"/>
+            <a:ext cx="2017686" cy="338554"/>
           </a:xfrm>
           <a:prstGeom prst="rect">
             <a:avLst/>
@@ -18086,103 +21977,6 @@
           <a:noFill/>
         </p:spPr>
         <p:txBody>
-          <a:bodyPr wrap="none" rtlCol="0">
-            <a:spAutoFit/>
-          </a:bodyPr>
-          <a:lstStyle/>
-          <a:p>
-            <a:r>
-              <a:rPr lang="es-MX" sz="3600" dirty="0">
-                <a:latin typeface="Arial Nova Light" panose="020B0304020202020204" pitchFamily="34" charset="0"/>
-              </a:rPr>
-              <a:t>SPARQL</a:t>
-            </a:r>
-          </a:p>
-        </p:txBody>
-      </p:sp>
-      <p:sp>
-        <p:nvSpPr>
-          <p:cNvPr id="25" name="Título 1">
-            <a:extLst>
-              <a:ext uri="{FF2B5EF4-FFF2-40B4-BE49-F238E27FC236}">
-                <a16:creationId xmlns:a16="http://schemas.microsoft.com/office/drawing/2014/main" id="{2DF4A0F8-54AE-4DFB-B442-F33AAD74BEAE}"/>
-              </a:ext>
-            </a:extLst>
-          </p:cNvPr>
-          <p:cNvSpPr>
-            <a:spLocks noGrp="1"/>
-          </p:cNvSpPr>
-          <p:nvPr>
-            <p:ph type="title"/>
-          </p:nvPr>
-        </p:nvSpPr>
-        <p:spPr/>
-        <p:txBody>
-          <a:bodyPr/>
-          <a:lstStyle/>
-          <a:p>
-            <a:pPr algn="ctr"/>
-            <a:r>
-              <a:rPr lang="es-MX" dirty="0"/>
-              <a:t>Introducción</a:t>
-            </a:r>
-          </a:p>
-        </p:txBody>
-      </p:sp>
-      <p:sp>
-        <p:nvSpPr>
-          <p:cNvPr id="2" name="Marcador de número de diapositiva 1">
-            <a:extLst>
-              <a:ext uri="{FF2B5EF4-FFF2-40B4-BE49-F238E27FC236}">
-                <a16:creationId xmlns:a16="http://schemas.microsoft.com/office/drawing/2014/main" id="{4778E7B8-581D-4CBA-88AA-39AE95FC6BA7}"/>
-              </a:ext>
-            </a:extLst>
-          </p:cNvPr>
-          <p:cNvSpPr>
-            <a:spLocks noGrp="1"/>
-          </p:cNvSpPr>
-          <p:nvPr>
-            <p:ph type="sldNum" sz="quarter" idx="12"/>
-          </p:nvPr>
-        </p:nvSpPr>
-        <p:spPr/>
-        <p:txBody>
-          <a:bodyPr>
-            <a:normAutofit lnSpcReduction="10000"/>
-          </a:bodyPr>
-          <a:lstStyle/>
-          <a:p>
-            <a:fld id="{F2994100-57F3-4399-9A64-220CD25A867F}" type="slidenum">
-              <a:rPr lang="es-MX" smtClean="0"/>
-              <a:t>5</a:t>
-            </a:fld>
-            <a:endParaRPr lang="es-MX"/>
-          </a:p>
-        </p:txBody>
-      </p:sp>
-      <p:sp>
-        <p:nvSpPr>
-          <p:cNvPr id="8" name="CuadroTexto 7">
-            <a:extLst>
-              <a:ext uri="{FF2B5EF4-FFF2-40B4-BE49-F238E27FC236}">
-                <a16:creationId xmlns:a16="http://schemas.microsoft.com/office/drawing/2014/main" id="{43F43918-234F-4BA7-A0EE-DCAF961ED37C}"/>
-              </a:ext>
-            </a:extLst>
-          </p:cNvPr>
-          <p:cNvSpPr txBox="1"/>
-          <p:nvPr/>
-        </p:nvSpPr>
-        <p:spPr>
-          <a:xfrm>
-            <a:off x="1048185" y="5166678"/>
-            <a:ext cx="1870745" cy="338554"/>
-          </a:xfrm>
-          <a:prstGeom prst="rect">
-            <a:avLst/>
-          </a:prstGeom>
-          <a:noFill/>
-        </p:spPr>
-        <p:txBody>
           <a:bodyPr wrap="square" rtlCol="0">
             <a:spAutoFit/>
           </a:bodyPr>
@@ -18191,92 +21985,11 @@
             <a:pPr algn="ctr"/>
             <a:r>
               <a:rPr lang="es-MX" sz="1600" dirty="0"/>
-              <a:t>Fig. 5 Estándares</a:t>
-            </a:r>
-          </a:p>
-        </p:txBody>
-      </p:sp>
-      <p:sp>
-        <p:nvSpPr>
-          <p:cNvPr id="9" name="CuadroTexto 8">
-            <a:extLst>
-              <a:ext uri="{FF2B5EF4-FFF2-40B4-BE49-F238E27FC236}">
-                <a16:creationId xmlns:a16="http://schemas.microsoft.com/office/drawing/2014/main" id="{3D19D009-01E5-4938-81B0-0D4681D06F34}"/>
-              </a:ext>
-            </a:extLst>
-          </p:cNvPr>
-          <p:cNvSpPr txBox="1"/>
-          <p:nvPr/>
-        </p:nvSpPr>
-        <p:spPr>
-          <a:xfrm>
-            <a:off x="5163737" y="5166678"/>
-            <a:ext cx="2147373" cy="584775"/>
-          </a:xfrm>
-          <a:prstGeom prst="rect">
-            <a:avLst/>
-          </a:prstGeom>
-          <a:noFill/>
-        </p:spPr>
-        <p:txBody>
-          <a:bodyPr wrap="square" rtlCol="0">
-            <a:spAutoFit/>
-          </a:bodyPr>
-          <a:lstStyle/>
-          <a:p>
-            <a:pPr algn="ctr"/>
-            <a:r>
-              <a:rPr lang="es-MX" sz="1600" dirty="0"/>
-              <a:t>Fig. 6 Nube de datos enlazados </a:t>
-            </a:r>
-            <a:r>
-              <a:rPr lang="es-MX" sz="1600" i="1" dirty="0" err="1"/>
-              <a:t>DBpedia</a:t>
-            </a:r>
-            <a:endParaRPr lang="es-MX" sz="1600" dirty="0"/>
-          </a:p>
-        </p:txBody>
-      </p:sp>
-      <p:sp>
-        <p:nvSpPr>
-          <p:cNvPr id="10" name="CuadroTexto 9">
-            <a:extLst>
-              <a:ext uri="{FF2B5EF4-FFF2-40B4-BE49-F238E27FC236}">
-                <a16:creationId xmlns:a16="http://schemas.microsoft.com/office/drawing/2014/main" id="{FAA3670C-150B-4B83-ACC9-D52F55B15DD4}"/>
-              </a:ext>
-            </a:extLst>
-          </p:cNvPr>
-          <p:cNvSpPr txBox="1"/>
-          <p:nvPr/>
-        </p:nvSpPr>
-        <p:spPr>
-          <a:xfrm>
-            <a:off x="9195690" y="5168732"/>
-            <a:ext cx="1870745" cy="584775"/>
-          </a:xfrm>
-          <a:prstGeom prst="rect">
-            <a:avLst/>
-          </a:prstGeom>
-          <a:noFill/>
-        </p:spPr>
-        <p:txBody>
-          <a:bodyPr wrap="square" rtlCol="0">
-            <a:spAutoFit/>
-          </a:bodyPr>
-          <a:lstStyle/>
-          <a:p>
-            <a:pPr algn="ctr"/>
-            <a:r>
-              <a:rPr lang="es-MX" sz="1600" dirty="0"/>
-              <a:t>Fig. 7 Plataforma </a:t>
-            </a:r>
-            <a:r>
-              <a:rPr lang="es-MX" sz="1600" i="1" dirty="0" err="1"/>
-              <a:t>Linked</a:t>
+              <a:t>Figura 5 </a:t>
             </a:r>
             <a:r>
               <a:rPr lang="es-MX" sz="1600" i="1" dirty="0"/>
-              <a:t> Data</a:t>
+              <a:t>Triple Store</a:t>
             </a:r>
             <a:endParaRPr lang="es-MX" sz="1600" dirty="0"/>
           </a:p>
@@ -18709,9 +22422,16 @@
         </p:spPr>
         <p:txBody>
           <a:bodyPr>
-            <a:normAutofit lnSpcReduction="10000"/>
+            <a:normAutofit fontScale="92500" lnSpcReduction="10000"/>
           </a:bodyPr>
           <a:lstStyle/>
+          <a:p>
+            <a:pPr algn="just"/>
+            <a:r>
+              <a:rPr lang="es-MX" sz="2000" dirty="0"/>
+              <a:t>Las consultas federadas permiten explotar las diferentes fuentes de información otorgando una respuesta menos laxa que una centralizada.</a:t>
+            </a:r>
+          </a:p>
           <a:p>
             <a:pPr algn="just"/>
             <a:r>
@@ -18733,13 +22453,6 @@
             <a:r>
               <a:rPr lang="es-MX" sz="2000" dirty="0"/>
               <a:t>permite a estudiantes, investigadores y programadores avanzar en proyectos o estudios sin invertir dinero.</a:t>
-            </a:r>
-          </a:p>
-          <a:p>
-            <a:pPr algn="just"/>
-            <a:r>
-              <a:rPr lang="es-MX" sz="2000" dirty="0"/>
-              <a:t>Las consultas federadas permiten explotar las diferentes fuentes de información otorgando una respuesta menos laxa que una centralizada.</a:t>
             </a:r>
           </a:p>
           <a:p>
@@ -18885,8 +22598,8 @@
         </p:nvSpPr>
         <p:spPr>
           <a:xfrm>
-            <a:off x="7775294" y="5497708"/>
-            <a:ext cx="1870745" cy="584775"/>
+            <a:off x="7328482" y="5554754"/>
+            <a:ext cx="2764369" cy="338554"/>
           </a:xfrm>
           <a:prstGeom prst="rect">
             <a:avLst/>
@@ -18902,7 +22615,7 @@
             <a:pPr algn="ctr"/>
             <a:r>
               <a:rPr lang="es-MX" sz="1600" dirty="0"/>
-              <a:t>Fig. 8 Consulta federada</a:t>
+              <a:t>Figura 8 Consulta federada</a:t>
             </a:r>
           </a:p>
         </p:txBody>
